--- a/CGM Code/ATTD Poster.pptx
+++ b/CGM Code/ATTD Poster.pptx
@@ -197,7 +197,7 @@
           <a:p>
             <a:fld id="{4801DB59-44AE-D049-9C20-02C1342334BE}" type="datetimeFigureOut">
               <a:rPr lang="en-US" smtClean="0"/>
-              <a:t>1/16/19</a:t>
+              <a:t>2/4/19</a:t>
             </a:fld>
             <a:endParaRPr lang="en-US"/>
           </a:p>
@@ -679,7 +679,7 @@
           <a:p>
             <a:fld id="{7E74D001-90D5-8A47-9CFD-DDAC29B64CD5}" type="datetimeFigureOut">
               <a:rPr lang="en-US" smtClean="0"/>
-              <a:t>1/16/19</a:t>
+              <a:t>2/4/19</a:t>
             </a:fld>
             <a:endParaRPr lang="en-US"/>
           </a:p>
@@ -849,7 +849,7 @@
           <a:p>
             <a:fld id="{7E74D001-90D5-8A47-9CFD-DDAC29B64CD5}" type="datetimeFigureOut">
               <a:rPr lang="en-US" smtClean="0"/>
-              <a:t>1/16/19</a:t>
+              <a:t>2/4/19</a:t>
             </a:fld>
             <a:endParaRPr lang="en-US"/>
           </a:p>
@@ -1029,7 +1029,7 @@
           <a:p>
             <a:fld id="{7E74D001-90D5-8A47-9CFD-DDAC29B64CD5}" type="datetimeFigureOut">
               <a:rPr lang="en-US" smtClean="0"/>
-              <a:t>1/16/19</a:t>
+              <a:t>2/4/19</a:t>
             </a:fld>
             <a:endParaRPr lang="en-US"/>
           </a:p>
@@ -1199,7 +1199,7 @@
           <a:p>
             <a:fld id="{7E74D001-90D5-8A47-9CFD-DDAC29B64CD5}" type="datetimeFigureOut">
               <a:rPr lang="en-US" smtClean="0"/>
-              <a:t>1/16/19</a:t>
+              <a:t>2/4/19</a:t>
             </a:fld>
             <a:endParaRPr lang="en-US"/>
           </a:p>
@@ -1443,7 +1443,7 @@
           <a:p>
             <a:fld id="{7E74D001-90D5-8A47-9CFD-DDAC29B64CD5}" type="datetimeFigureOut">
               <a:rPr lang="en-US" smtClean="0"/>
-              <a:t>1/16/19</a:t>
+              <a:t>2/4/19</a:t>
             </a:fld>
             <a:endParaRPr lang="en-US"/>
           </a:p>
@@ -1675,7 +1675,7 @@
           <a:p>
             <a:fld id="{7E74D001-90D5-8A47-9CFD-DDAC29B64CD5}" type="datetimeFigureOut">
               <a:rPr lang="en-US" smtClean="0"/>
-              <a:t>1/16/19</a:t>
+              <a:t>2/4/19</a:t>
             </a:fld>
             <a:endParaRPr lang="en-US"/>
           </a:p>
@@ -2042,7 +2042,7 @@
           <a:p>
             <a:fld id="{7E74D001-90D5-8A47-9CFD-DDAC29B64CD5}" type="datetimeFigureOut">
               <a:rPr lang="en-US" smtClean="0"/>
-              <a:t>1/16/19</a:t>
+              <a:t>2/4/19</a:t>
             </a:fld>
             <a:endParaRPr lang="en-US"/>
           </a:p>
@@ -2160,7 +2160,7 @@
           <a:p>
             <a:fld id="{7E74D001-90D5-8A47-9CFD-DDAC29B64CD5}" type="datetimeFigureOut">
               <a:rPr lang="en-US" smtClean="0"/>
-              <a:t>1/16/19</a:t>
+              <a:t>2/4/19</a:t>
             </a:fld>
             <a:endParaRPr lang="en-US"/>
           </a:p>
@@ -2255,7 +2255,7 @@
           <a:p>
             <a:fld id="{7E74D001-90D5-8A47-9CFD-DDAC29B64CD5}" type="datetimeFigureOut">
               <a:rPr lang="en-US" smtClean="0"/>
-              <a:t>1/16/19</a:t>
+              <a:t>2/4/19</a:t>
             </a:fld>
             <a:endParaRPr lang="en-US"/>
           </a:p>
@@ -2532,7 +2532,7 @@
           <a:p>
             <a:fld id="{7E74D001-90D5-8A47-9CFD-DDAC29B64CD5}" type="datetimeFigureOut">
               <a:rPr lang="en-US" smtClean="0"/>
-              <a:t>1/16/19</a:t>
+              <a:t>2/4/19</a:t>
             </a:fld>
             <a:endParaRPr lang="en-US"/>
           </a:p>
@@ -2789,7 +2789,7 @@
           <a:p>
             <a:fld id="{7E74D001-90D5-8A47-9CFD-DDAC29B64CD5}" type="datetimeFigureOut">
               <a:rPr lang="en-US" smtClean="0"/>
-              <a:t>1/16/19</a:t>
+              <a:t>2/4/19</a:t>
             </a:fld>
             <a:endParaRPr lang="en-US"/>
           </a:p>
@@ -2854,9 +2854,12 @@
 <p:sldMaster xmlns:a="http://schemas.openxmlformats.org/drawingml/2006/main" xmlns:r="http://schemas.openxmlformats.org/officeDocument/2006/relationships" xmlns:p="http://schemas.openxmlformats.org/presentationml/2006/main">
   <p:cSld>
     <p:bg>
-      <p:bgRef idx="1001">
-        <a:schemeClr val="bg1"/>
-      </p:bgRef>
+      <p:bgPr>
+        <a:solidFill>
+          <a:schemeClr val="bg1"/>
+        </a:solidFill>
+        <a:effectLst/>
+      </p:bgPr>
     </p:bg>
     <p:spTree>
       <p:nvGrpSpPr>
@@ -3002,7 +3005,7 @@
           <a:p>
             <a:fld id="{7E74D001-90D5-8A47-9CFD-DDAC29B64CD5}" type="datetimeFigureOut">
               <a:rPr lang="en-US" smtClean="0"/>
-              <a:t>1/16/19</a:t>
+              <a:t>2/4/19</a:t>
             </a:fld>
             <a:endParaRPr lang="en-US"/>
           </a:p>
@@ -3393,34 +3396,6 @@
 <file path=ppt/slides/slide1.xml><?xml version="1.0" encoding="utf-8"?>
 <p:sld xmlns:a="http://schemas.openxmlformats.org/drawingml/2006/main" xmlns:r="http://schemas.openxmlformats.org/officeDocument/2006/relationships" xmlns:p="http://schemas.openxmlformats.org/presentationml/2006/main">
   <p:cSld>
-    <p:bg>
-      <p:bgPr>
-        <a:gradFill flip="none" rotWithShape="1">
-          <a:gsLst>
-            <a:gs pos="0">
-              <a:schemeClr val="accent5">
-                <a:lumMod val="67000"/>
-              </a:schemeClr>
-            </a:gs>
-            <a:gs pos="48000">
-              <a:schemeClr val="accent5">
-                <a:lumMod val="97000"/>
-                <a:lumOff val="3000"/>
-              </a:schemeClr>
-            </a:gs>
-            <a:gs pos="100000">
-              <a:schemeClr val="accent5">
-                <a:lumMod val="60000"/>
-                <a:lumOff val="40000"/>
-              </a:schemeClr>
-            </a:gs>
-          </a:gsLst>
-          <a:lin ang="16200000" scaled="1"/>
-          <a:tileRect/>
-        </a:gradFill>
-        <a:effectLst/>
-      </p:bgPr>
-    </p:bg>
     <p:spTree>
       <p:nvGrpSpPr>
         <p:cNvPr id="1" name=""/>
@@ -3450,7 +3425,7 @@
         <p:spPr>
           <a:xfrm>
             <a:off x="754946" y="482421"/>
-            <a:ext cx="12206108" cy="1938992"/>
+            <a:ext cx="12206108" cy="1446550"/>
           </a:xfrm>
           <a:prstGeom prst="rect">
             <a:avLst/>
@@ -3465,12 +3440,23 @@
           <a:p>
             <a:pPr algn="ctr"/>
             <a:r>
-              <a:rPr lang="en-US" sz="6000" dirty="0">
+              <a:rPr lang="en-US" sz="4400" dirty="0">
                 <a:latin typeface="Helvetica Neue" panose="02000503000000020004" pitchFamily="2" charset="0"/>
                 <a:ea typeface="Helvetica Neue" panose="02000503000000020004" pitchFamily="2" charset="0"/>
                 <a:cs typeface="Helvetica Neue" panose="02000503000000020004" pitchFamily="2" charset="0"/>
               </a:rPr>
-              <a:t>An R Package for Analysis of Continuous Glucose Monitor Data</a:t>
+              <a:t>An R Package for Analysis of </a:t>
+            </a:r>
+          </a:p>
+          <a:p>
+            <a:pPr algn="ctr"/>
+            <a:r>
+              <a:rPr lang="en-US" sz="4400" dirty="0">
+                <a:latin typeface="Helvetica Neue" panose="02000503000000020004" pitchFamily="2" charset="0"/>
+                <a:ea typeface="Helvetica Neue" panose="02000503000000020004" pitchFamily="2" charset="0"/>
+                <a:cs typeface="Helvetica Neue" panose="02000503000000020004" pitchFamily="2" charset="0"/>
+              </a:rPr>
+              <a:t>Continuous Glucose Monitor Data</a:t>
             </a:r>
           </a:p>
         </p:txBody>
@@ -3489,7 +3475,7 @@
         </p:nvSpPr>
         <p:spPr>
           <a:xfrm>
-            <a:off x="2547860" y="2460928"/>
+            <a:off x="2661424" y="2077385"/>
             <a:ext cx="8184873" cy="842638"/>
           </a:xfrm>
           <a:prstGeom prst="rect">
@@ -3609,8 +3595,8 @@
         </p:nvSpPr>
         <p:spPr>
           <a:xfrm>
-            <a:off x="751942" y="3606575"/>
-            <a:ext cx="4387673" cy="3486437"/>
+            <a:off x="878916" y="3371298"/>
+            <a:ext cx="5979084" cy="3477875"/>
           </a:xfrm>
           <a:prstGeom prst="rect">
             <a:avLst/>
@@ -3625,22 +3611,42 @@
           <a:p>
             <a:pPr algn="ctr"/>
             <a:r>
-              <a:rPr lang="en-US" sz="2400" u="sng" dirty="0"/>
+              <a:rPr lang="en-US" sz="2200" u="sng" dirty="0"/>
               <a:t>Objective</a:t>
             </a:r>
           </a:p>
           <a:p>
-            <a:pPr algn="ctr"/>
-            <a:endParaRPr lang="en-US" sz="2400" u="sng" dirty="0"/>
-          </a:p>
-          <a:p>
-            <a:r>
-              <a:rPr lang="en-US" dirty="0"/>
-              <a:t>To develop a standardized, free, open-source method for data management and analysis of continuous glucose monitor (CGM) data, including calculation of the key metrics recommended in the International Consensus on Use of Continuous Glucose Monitoring, and graphical tools similar to the Ambulatory Glucose Profile (AGP). </a:t>
-            </a:r>
-          </a:p>
-          <a:p>
-            <a:endParaRPr lang="en-US" sz="2400" u="sng" dirty="0"/>
+            <a:pPr marL="342900" indent="-342900">
+              <a:buFont typeface="Arial" panose="020B0604020202020204" pitchFamily="34" charset="0"/>
+              <a:buChar char="•"/>
+            </a:pPr>
+            <a:r>
+              <a:rPr lang="en-US" sz="2200" dirty="0"/>
+              <a:t>To develop a standardized, free, open-source method for data management and analysis of continuous glucose monitor (CGM) data.</a:t>
+            </a:r>
+          </a:p>
+          <a:p>
+            <a:pPr marL="342900" indent="-342900">
+              <a:buFont typeface="Arial" panose="020B0604020202020204" pitchFamily="34" charset="0"/>
+              <a:buChar char="•"/>
+            </a:pPr>
+            <a:r>
+              <a:rPr lang="en-US" sz="2200" dirty="0"/>
+              <a:t>Calculate the key metrics recommended in the International Consensus on Use of Continuous Glucose Monitoring.</a:t>
+            </a:r>
+          </a:p>
+          <a:p>
+            <a:pPr marL="342900" indent="-342900">
+              <a:buFont typeface="Arial" panose="020B0604020202020204" pitchFamily="34" charset="0"/>
+              <a:buChar char="•"/>
+            </a:pPr>
+            <a:r>
+              <a:rPr lang="en-US" sz="2200" dirty="0"/>
+              <a:t>Provide graphical tools similar to the Ambulatory Glucose Profile (AGP). </a:t>
+            </a:r>
+          </a:p>
+          <a:p>
+            <a:endParaRPr lang="en-US" sz="2200" u="sng" dirty="0"/>
           </a:p>
         </p:txBody>
       </p:sp>
@@ -3658,8 +3664,8 @@
         </p:nvSpPr>
         <p:spPr>
           <a:xfrm>
-            <a:off x="5480530" y="3608320"/>
-            <a:ext cx="4824352" cy="3877985"/>
+            <a:off x="6858000" y="3303040"/>
+            <a:ext cx="5979084" cy="3816429"/>
           </a:xfrm>
           <a:prstGeom prst="rect">
             <a:avLst/>
@@ -3674,19 +3680,41 @@
           <a:p>
             <a:pPr algn="ctr"/>
             <a:r>
-              <a:rPr lang="en-US" sz="2400" u="sng" dirty="0"/>
+              <a:rPr lang="en-US" sz="2200" u="sng" dirty="0"/>
               <a:t>Methods</a:t>
             </a:r>
-          </a:p>
-          <a:p>
-            <a:endParaRPr lang="en-US" sz="2400" dirty="0"/>
-          </a:p>
-          <a:p>
-            <a:r>
-              <a:rPr lang="en-US" dirty="0"/>
-              <a:t>We wrote a package in the freely available statistical programming language R (R Foundation for Statistical Computing, Vienna, Austria). Summary variables and aggregate daily overlays were compared to proprietary CGM software using clinically collected data from multiple CGM devices. Data were not cleaned prior to analysis. A subset of the comparisons is shown here. Proprietary software does not calculate MAGE or other more complex variables, so these were not compared.</a:t>
-            </a:r>
-            <a:endParaRPr lang="en-US" u="sng" dirty="0"/>
+            <a:endParaRPr lang="en-US" sz="2200" dirty="0"/>
+          </a:p>
+          <a:p>
+            <a:pPr marL="342900" indent="-342900">
+              <a:buFont typeface="Arial" panose="020B0604020202020204" pitchFamily="34" charset="0"/>
+              <a:buChar char="•"/>
+            </a:pPr>
+            <a:r>
+              <a:rPr lang="en-US" sz="2200" dirty="0"/>
+              <a:t>We wrote a package in the freely available statistical programming language R (R Foundation for Statistical Computing, Vienna, Austria). </a:t>
+            </a:r>
+          </a:p>
+          <a:p>
+            <a:pPr marL="342900" indent="-342900">
+              <a:buFont typeface="Arial" panose="020B0604020202020204" pitchFamily="34" charset="0"/>
+              <a:buChar char="•"/>
+            </a:pPr>
+            <a:r>
+              <a:rPr lang="en-US" sz="2200" dirty="0"/>
+              <a:t>Summary variables and aggregate daily overlays were compared to proprietary CGM software (only one device shown here).</a:t>
+            </a:r>
+          </a:p>
+          <a:p>
+            <a:pPr marL="342900" indent="-342900">
+              <a:buFont typeface="Arial" panose="020B0604020202020204" pitchFamily="34" charset="0"/>
+              <a:buChar char="•"/>
+            </a:pPr>
+            <a:r>
+              <a:rPr lang="en-US" sz="2200" dirty="0"/>
+              <a:t>Proprietary software does not calculate MAGE or other more complex variables, so these were not compared.</a:t>
+            </a:r>
+            <a:endParaRPr lang="en-US" sz="2200" u="sng" dirty="0"/>
           </a:p>
         </p:txBody>
       </p:sp>
@@ -3710,13 +3738,13 @@
               </a:ext>
             </a:extLst>
           </a:blip>
-          <a:srcRect t="3555"/>
+          <a:srcRect l="7734" t="3555" b="-906"/>
           <a:stretch/>
         </p:blipFill>
         <p:spPr bwMode="auto">
           <a:xfrm>
-            <a:off x="751942" y="9025008"/>
-            <a:ext cx="2329260" cy="1735683"/>
+            <a:off x="3758367" y="7807616"/>
+            <a:ext cx="3325104" cy="2710676"/>
           </a:xfrm>
           <a:prstGeom prst="rect">
             <a:avLst/>
@@ -3756,8 +3784,8 @@
         </p:blipFill>
         <p:spPr bwMode="auto">
           <a:xfrm>
-            <a:off x="3213666" y="9025008"/>
-            <a:ext cx="2324309" cy="1735683"/>
+            <a:off x="421039" y="7787216"/>
+            <a:ext cx="3369292" cy="2516026"/>
           </a:xfrm>
           <a:prstGeom prst="rect">
             <a:avLst/>
@@ -3797,8 +3825,8 @@
         </p:blipFill>
         <p:spPr bwMode="auto">
           <a:xfrm>
-            <a:off x="789440" y="10850803"/>
-            <a:ext cx="4745937" cy="1815550"/>
+            <a:off x="421039" y="10153970"/>
+            <a:ext cx="6332945" cy="2422657"/>
           </a:xfrm>
           <a:prstGeom prst="rect">
             <a:avLst/>
@@ -3828,14 +3856,14 @@
           <p:nvPr>
             <p:extLst>
               <p:ext uri="{D42A27DB-BD31-4B8C-83A1-F6EECF244321}">
-                <p14:modId xmlns:p14="http://schemas.microsoft.com/office/powerpoint/2010/main" val="3305188622"/>
+                <p14:modId xmlns:p14="http://schemas.microsoft.com/office/powerpoint/2010/main" val="2526692182"/>
               </p:ext>
             </p:extLst>
           </p:nvPr>
         </p:nvGraphicFramePr>
         <p:xfrm>
-          <a:off x="1258750" y="12826191"/>
-          <a:ext cx="3644901" cy="1458815"/>
+          <a:off x="2301764" y="12500427"/>
+          <a:ext cx="2229175" cy="1577611"/>
         </p:xfrm>
         <a:graphic>
           <a:graphicData uri="http://schemas.openxmlformats.org/drawingml/2006/table">
@@ -3844,21 +3872,21 @@
                 <a:tableStyleId>{5C22544A-7EE6-4342-B048-85BDC9FD1C3A}</a:tableStyleId>
               </a:tblPr>
               <a:tblGrid>
-                <a:gridCol w="1728186">
+                <a:gridCol w="905079">
                   <a:extLst>
                     <a:ext uri="{9D8B030D-6E8A-4147-A177-3AD203B41FA5}">
                       <a16:colId xmlns:a16="http://schemas.microsoft.com/office/drawing/2014/main" val="131008491"/>
                     </a:ext>
                   </a:extLst>
                 </a:gridCol>
-                <a:gridCol w="1303122">
+                <a:gridCol w="643142">
                   <a:extLst>
                     <a:ext uri="{9D8B030D-6E8A-4147-A177-3AD203B41FA5}">
                       <a16:colId xmlns:a16="http://schemas.microsoft.com/office/drawing/2014/main" val="266582003"/>
                     </a:ext>
                   </a:extLst>
                 </a:gridCol>
-                <a:gridCol w="613593">
+                <a:gridCol w="680954">
                   <a:extLst>
                     <a:ext uri="{9D8B030D-6E8A-4147-A177-3AD203B41FA5}">
                       <a16:colId xmlns:a16="http://schemas.microsoft.com/office/drawing/2014/main" val="924640412"/>
@@ -3866,7 +3894,7 @@
                   </a:extLst>
                 </a:gridCol>
               </a:tblGrid>
-              <a:tr h="149641">
+              <a:tr h="58403">
                 <a:tc>
                   <a:txBody>
                     <a:bodyPr/>
@@ -3956,7 +3984,7 @@
                   </a:ext>
                 </a:extLst>
               </a:tr>
-              <a:tr h="149598">
+              <a:tr h="166021">
                 <a:tc>
                   <a:txBody>
                     <a:bodyPr/>
@@ -4059,7 +4087,7 @@
                   </a:ext>
                 </a:extLst>
               </a:tr>
-              <a:tr h="140253">
+              <a:tr h="155650">
                 <a:tc>
                   <a:txBody>
                     <a:bodyPr/>
@@ -4141,12 +4169,12 @@
                         </a:spcAft>
                       </a:pPr>
                       <a:r>
-                        <a:rPr lang="en-US" sz="800">
+                        <a:rPr lang="en-US" sz="800" dirty="0">
                           <a:effectLst/>
                         </a:rPr>
                         <a:t>282</a:t>
                       </a:r>
-                      <a:endParaRPr lang="en-US" sz="800">
+                      <a:endParaRPr lang="en-US" sz="800" dirty="0">
                         <a:effectLst/>
                         <a:latin typeface="Times New Roman" panose="02020603050405020304" pitchFamily="18" charset="0"/>
                         <a:ea typeface="Times New Roman" panose="02020603050405020304" pitchFamily="18" charset="0"/>
@@ -4162,7 +4190,7 @@
                   </a:ext>
                 </a:extLst>
               </a:tr>
-              <a:tr h="140253">
+              <a:tr h="155650">
                 <a:tc>
                   <a:txBody>
                     <a:bodyPr/>
@@ -4244,12 +4272,12 @@
                         </a:spcAft>
                       </a:pPr>
                       <a:r>
-                        <a:rPr lang="en-US" sz="800">
+                        <a:rPr lang="en-US" sz="800" dirty="0">
                           <a:effectLst/>
                         </a:rPr>
                         <a:t>70</a:t>
                       </a:r>
-                      <a:endParaRPr lang="en-US" sz="800">
+                      <a:endParaRPr lang="en-US" sz="800" dirty="0">
                         <a:effectLst/>
                         <a:latin typeface="Times New Roman" panose="02020603050405020304" pitchFamily="18" charset="0"/>
                         <a:ea typeface="Times New Roman" panose="02020603050405020304" pitchFamily="18" charset="0"/>
@@ -4265,7 +4293,7 @@
                   </a:ext>
                 </a:extLst>
               </a:tr>
-              <a:tr h="140253">
+              <a:tr h="155650">
                 <a:tc>
                   <a:txBody>
                     <a:bodyPr/>
@@ -4347,12 +4375,12 @@
                         </a:spcAft>
                       </a:pPr>
                       <a:r>
-                        <a:rPr lang="en-US" sz="800">
+                        <a:rPr lang="en-US" sz="800" dirty="0">
                           <a:effectLst/>
                         </a:rPr>
                         <a:t>127</a:t>
                       </a:r>
-                      <a:endParaRPr lang="en-US" sz="800">
+                      <a:endParaRPr lang="en-US" sz="800" dirty="0">
                         <a:effectLst/>
                         <a:latin typeface="Times New Roman" panose="02020603050405020304" pitchFamily="18" charset="0"/>
                         <a:ea typeface="Times New Roman" panose="02020603050405020304" pitchFamily="18" charset="0"/>
@@ -4368,7 +4396,7 @@
                   </a:ext>
                 </a:extLst>
               </a:tr>
-              <a:tr h="140253">
+              <a:tr h="155650">
                 <a:tc>
                   <a:txBody>
                     <a:bodyPr/>
@@ -4450,12 +4478,12 @@
                         </a:spcAft>
                       </a:pPr>
                       <a:r>
-                        <a:rPr lang="en-US" sz="800">
+                        <a:rPr lang="en-US" sz="800" dirty="0">
                           <a:effectLst/>
                         </a:rPr>
                         <a:t>31</a:t>
                       </a:r>
-                      <a:endParaRPr lang="en-US" sz="800">
+                      <a:endParaRPr lang="en-US" sz="800" dirty="0">
                         <a:effectLst/>
                         <a:latin typeface="Times New Roman" panose="02020603050405020304" pitchFamily="18" charset="0"/>
                         <a:ea typeface="Times New Roman" panose="02020603050405020304" pitchFamily="18" charset="0"/>
@@ -4471,7 +4499,7 @@
                   </a:ext>
                 </a:extLst>
               </a:tr>
-              <a:tr h="149641">
+              <a:tr h="166069">
                 <a:tc>
                   <a:txBody>
                     <a:bodyPr/>
@@ -4553,12 +4581,12 @@
                         </a:spcAft>
                       </a:pPr>
                       <a:r>
-                        <a:rPr lang="en-US" sz="800">
+                        <a:rPr lang="en-US" sz="800" dirty="0">
                           <a:effectLst/>
                         </a:rPr>
                         <a:t>32</a:t>
                       </a:r>
-                      <a:endParaRPr lang="en-US" sz="800">
+                      <a:endParaRPr lang="en-US" sz="800" dirty="0">
                         <a:effectLst/>
                         <a:latin typeface="Times New Roman" panose="02020603050405020304" pitchFamily="18" charset="0"/>
                         <a:ea typeface="Times New Roman" panose="02020603050405020304" pitchFamily="18" charset="0"/>
@@ -4574,7 +4602,7 @@
                   </a:ext>
                 </a:extLst>
               </a:tr>
-              <a:tr h="149641">
+              <a:tr h="166069">
                 <a:tc>
                   <a:txBody>
                     <a:bodyPr/>
@@ -4677,7 +4705,7 @@
                   </a:ext>
                 </a:extLst>
               </a:tr>
-              <a:tr h="149641">
+              <a:tr h="166069">
                 <a:tc>
                   <a:txBody>
                     <a:bodyPr/>
@@ -4780,7 +4808,7 @@
                   </a:ext>
                 </a:extLst>
               </a:tr>
-              <a:tr h="149641">
+              <a:tr h="166069">
                 <a:tc>
                   <a:txBody>
                     <a:bodyPr/>
@@ -4909,8 +4937,8 @@
         </p:blipFill>
         <p:spPr>
           <a:xfrm>
-            <a:off x="11264310" y="17560698"/>
-            <a:ext cx="1671436" cy="1493332"/>
+            <a:off x="855686" y="570378"/>
+            <a:ext cx="699401" cy="624874"/>
           </a:xfrm>
           <a:prstGeom prst="rect">
             <a:avLst/>
@@ -4931,8 +4959,8 @@
         </p:nvSpPr>
         <p:spPr>
           <a:xfrm>
-            <a:off x="2449482" y="8284633"/>
-            <a:ext cx="966871" cy="461665"/>
+            <a:off x="754946" y="7310311"/>
+            <a:ext cx="6103054" cy="461665"/>
           </a:xfrm>
           <a:prstGeom prst="rect">
             <a:avLst/>
@@ -4945,45 +4973,14 @@
           </a:bodyPr>
           <a:lstStyle/>
           <a:p>
-            <a:r>
-              <a:rPr lang="en-US" sz="2400" dirty="0"/>
-              <a:t>iPro 2</a:t>
-            </a:r>
-          </a:p>
-        </p:txBody>
-      </p:sp>
-      <p:sp>
-        <p:nvSpPr>
-          <p:cNvPr id="18" name="TextBox 17">
-            <a:extLst>
-              <a:ext uri="{FF2B5EF4-FFF2-40B4-BE49-F238E27FC236}">
-                <a16:creationId xmlns:a16="http://schemas.microsoft.com/office/drawing/2014/main" id="{69F9E250-3DE2-9549-9F00-5E422089AE00}"/>
-              </a:ext>
-            </a:extLst>
-          </p:cNvPr>
-          <p:cNvSpPr txBox="1"/>
-          <p:nvPr/>
-        </p:nvSpPr>
-        <p:spPr>
-          <a:xfrm>
-            <a:off x="3142884" y="7674554"/>
-            <a:ext cx="4902765" cy="461665"/>
-          </a:xfrm>
-          <a:prstGeom prst="rect">
-            <a:avLst/>
-          </a:prstGeom>
-          <a:noFill/>
-        </p:spPr>
-        <p:txBody>
-          <a:bodyPr wrap="square" rtlCol="0">
-            <a:spAutoFit/>
-          </a:bodyPr>
-          <a:lstStyle/>
-          <a:p>
             <a:pPr algn="ctr"/>
             <a:r>
+              <a:rPr lang="en-US" sz="2400" u="sng" dirty="0" err="1"/>
+              <a:t>cgmanalysis</a:t>
+            </a:r>
+            <a:r>
               <a:rPr lang="en-US" sz="2400" u="sng" dirty="0"/>
-              <a:t>Comparisons to Proprietary Devices</a:t>
+              <a:t> vs. iPro 2</a:t>
             </a:r>
           </a:p>
         </p:txBody>
@@ -5000,7 +4997,7 @@
           <p:cNvPicPr/>
           <p:nvPr/>
         </p:nvPicPr>
-        <p:blipFill>
+        <p:blipFill rotWithShape="1">
           <a:blip r:embed="rId7" cstate="print">
             <a:extLst>
               <a:ext uri="{28A0092B-C50C-407E-A947-70E740481C1C}">
@@ -5008,14 +5005,13 @@
               </a:ext>
             </a:extLst>
           </a:blip>
-          <a:stretch>
-            <a:fillRect/>
-          </a:stretch>
+          <a:srcRect t="4314"/>
+          <a:stretch/>
         </p:blipFill>
         <p:spPr>
           <a:xfrm>
-            <a:off x="8238211" y="9025008"/>
-            <a:ext cx="2274429" cy="1757407"/>
+            <a:off x="7227108" y="7771976"/>
+            <a:ext cx="3423655" cy="2531266"/>
           </a:xfrm>
           <a:prstGeom prst="rect">
             <a:avLst/>
@@ -5034,7 +5030,7 @@
           <p:cNvPicPr/>
           <p:nvPr/>
         </p:nvPicPr>
-        <p:blipFill>
+        <p:blipFill rotWithShape="1">
           <a:blip r:embed="rId8" cstate="print">
             <a:extLst>
               <a:ext uri="{28A0092B-C50C-407E-A947-70E740481C1C}">
@@ -5042,14 +5038,13 @@
               </a:ext>
             </a:extLst>
           </a:blip>
-          <a:stretch>
-            <a:fillRect/>
-          </a:stretch>
+          <a:srcRect l="5764" t="4530" r="16852" b="235"/>
+          <a:stretch/>
         </p:blipFill>
         <p:spPr>
           <a:xfrm>
-            <a:off x="5896505" y="9025008"/>
-            <a:ext cx="2273961" cy="1757407"/>
+            <a:off x="10655247" y="7771976"/>
+            <a:ext cx="2645289" cy="2516026"/>
           </a:xfrm>
           <a:prstGeom prst="rect">
             <a:avLst/>
@@ -5082,8 +5077,8 @@
         </p:blipFill>
         <p:spPr>
           <a:xfrm>
-            <a:off x="5896505" y="10893853"/>
-            <a:ext cx="4616135" cy="1523423"/>
+            <a:off x="6962017" y="10303242"/>
+            <a:ext cx="6332944" cy="2090007"/>
           </a:xfrm>
           <a:prstGeom prst="rect">
             <a:avLst/>
@@ -5105,14 +5100,14 @@
           <p:nvPr>
             <p:extLst>
               <p:ext uri="{D42A27DB-BD31-4B8C-83A1-F6EECF244321}">
-                <p14:modId xmlns:p14="http://schemas.microsoft.com/office/powerpoint/2010/main" val="1842887164"/>
+                <p14:modId xmlns:p14="http://schemas.microsoft.com/office/powerpoint/2010/main" val="1489116693"/>
               </p:ext>
             </p:extLst>
           </p:nvPr>
         </p:nvGraphicFramePr>
         <p:xfrm>
-          <a:off x="6753861" y="12749059"/>
-          <a:ext cx="3000479" cy="1504432"/>
+          <a:off x="9244089" y="12500427"/>
+          <a:ext cx="2813348" cy="1504432"/>
         </p:xfrm>
         <a:graphic>
           <a:graphicData uri="http://schemas.openxmlformats.org/drawingml/2006/table">
@@ -5121,14 +5116,14 @@
                 <a:tableStyleId>{5C22544A-7EE6-4342-B048-85BDC9FD1C3A}</a:tableStyleId>
               </a:tblPr>
               <a:tblGrid>
-                <a:gridCol w="1202620">
+                <a:gridCol w="986855">
                   <a:extLst>
                     <a:ext uri="{9D8B030D-6E8A-4147-A177-3AD203B41FA5}">
                       <a16:colId xmlns:a16="http://schemas.microsoft.com/office/drawing/2014/main" val="189847003"/>
                     </a:ext>
                   </a:extLst>
                 </a:gridCol>
-                <a:gridCol w="886783">
+                <a:gridCol w="915417">
                   <a:extLst>
                     <a:ext uri="{9D8B030D-6E8A-4147-A177-3AD203B41FA5}">
                       <a16:colId xmlns:a16="http://schemas.microsoft.com/office/drawing/2014/main" val="1812364948"/>
@@ -5180,12 +5175,12 @@
                         </a:spcAft>
                       </a:pPr>
                       <a:r>
-                        <a:rPr lang="en-US" sz="1100">
+                        <a:rPr lang="en-US" sz="1100" dirty="0" err="1">
                           <a:effectLst/>
                         </a:rPr>
                         <a:t>cgmanalysis</a:t>
                       </a:r>
-                      <a:endParaRPr lang="en-US" sz="1100">
+                      <a:endParaRPr lang="en-US" sz="1100" dirty="0">
                         <a:effectLst/>
                         <a:latin typeface="Times New Roman" panose="02020603050405020304" pitchFamily="18" charset="0"/>
                         <a:ea typeface="Times New Roman" panose="02020603050405020304" pitchFamily="18" charset="0"/>
@@ -5212,12 +5207,12 @@
                         </a:spcAft>
                       </a:pPr>
                       <a:r>
-                        <a:rPr lang="en-US" sz="1100">
+                        <a:rPr lang="en-US" sz="1100" dirty="0">
                           <a:effectLst/>
                         </a:rPr>
                         <a:t>Dexcom Clarity</a:t>
                       </a:r>
-                      <a:endParaRPr lang="en-US" sz="1100">
+                      <a:endParaRPr lang="en-US" sz="1100" dirty="0">
                         <a:effectLst/>
                         <a:latin typeface="Times New Roman" panose="02020603050405020304" pitchFamily="18" charset="0"/>
                         <a:ea typeface="Times New Roman" panose="02020603050405020304" pitchFamily="18" charset="0"/>
@@ -5315,12 +5310,12 @@
                         </a:spcAft>
                       </a:pPr>
                       <a:r>
-                        <a:rPr lang="en-US" sz="1100">
+                        <a:rPr lang="en-US" sz="1100" dirty="0">
                           <a:effectLst/>
                         </a:rPr>
                         <a:t>176</a:t>
                       </a:r>
-                      <a:endParaRPr lang="en-US" sz="1100">
+                      <a:endParaRPr lang="en-US" sz="1100" dirty="0">
                         <a:effectLst/>
                         <a:latin typeface="Times New Roman" panose="02020603050405020304" pitchFamily="18" charset="0"/>
                         <a:ea typeface="Times New Roman" panose="02020603050405020304" pitchFamily="18" charset="0"/>
@@ -5560,8 +5555,8 @@
         </p:nvSpPr>
         <p:spPr>
           <a:xfrm>
-            <a:off x="7553083" y="8111749"/>
-            <a:ext cx="1221972" cy="850879"/>
+            <a:off x="6753859" y="7295071"/>
+            <a:ext cx="6207195" cy="461665"/>
           </a:xfrm>
           <a:prstGeom prst="rect">
             <a:avLst/>
@@ -5574,9 +5569,14 @@
           </a:bodyPr>
           <a:lstStyle/>
           <a:p>
-            <a:r>
-              <a:rPr lang="en-US" sz="2400" dirty="0"/>
-              <a:t>Dexcom Clarity</a:t>
+            <a:pPr algn="ctr"/>
+            <a:r>
+              <a:rPr lang="en-US" sz="2400" u="sng" dirty="0" err="1"/>
+              <a:t>cgmanalysis</a:t>
+            </a:r>
+            <a:r>
+              <a:rPr lang="en-US" sz="2400" u="sng" dirty="0"/>
+              <a:t> vs. Dexcom Clarity</a:t>
             </a:r>
           </a:p>
         </p:txBody>
@@ -5595,8 +5595,8 @@
         </p:nvSpPr>
         <p:spPr>
           <a:xfrm>
-            <a:off x="895465" y="14474292"/>
-            <a:ext cx="5041775" cy="2215991"/>
+            <a:off x="754946" y="14313790"/>
+            <a:ext cx="5998913" cy="2462213"/>
           </a:xfrm>
           <a:prstGeom prst="rect">
             <a:avLst/>
@@ -5611,18 +5611,28 @@
           <a:p>
             <a:pPr algn="ctr"/>
             <a:r>
-              <a:rPr lang="en-US" sz="2400" u="sng" dirty="0"/>
+              <a:rPr lang="en-US" sz="2200" u="sng" dirty="0"/>
               <a:t>Results</a:t>
             </a:r>
           </a:p>
           <a:p>
-            <a:pPr algn="ctr"/>
-            <a:endParaRPr lang="en-US" sz="2400" u="sng" dirty="0"/>
-          </a:p>
-          <a:p>
-            <a:r>
-              <a:rPr lang="en-US" dirty="0"/>
-              <a:t>Summary variables calculated by our package compare well to those generated by various CGM software, and our functions increase the number and complexity of summary measures readily available to clinicians and researchers. </a:t>
+            <a:pPr marL="342900" indent="-342900">
+              <a:buFont typeface="Arial" panose="020B0604020202020204" pitchFamily="34" charset="0"/>
+              <a:buChar char="•"/>
+            </a:pPr>
+            <a:r>
+              <a:rPr lang="en-US" sz="2200" dirty="0"/>
+              <a:t>Summary variables calculated by our package compare well to those generated by various CGM software.</a:t>
+            </a:r>
+          </a:p>
+          <a:p>
+            <a:pPr marL="342900" indent="-342900">
+              <a:buFont typeface="Arial" panose="020B0604020202020204" pitchFamily="34" charset="0"/>
+              <a:buChar char="•"/>
+            </a:pPr>
+            <a:r>
+              <a:rPr lang="en-US" sz="2200" dirty="0"/>
+              <a:t>Our functions increase the number and complexity of summary measures readily available to clinicians and researchers. </a:t>
             </a:r>
           </a:p>
         </p:txBody>
@@ -5641,8 +5651,8 @@
         </p:nvSpPr>
         <p:spPr>
           <a:xfrm>
-            <a:off x="5954935" y="14474292"/>
-            <a:ext cx="5125547" cy="2006830"/>
+            <a:off x="753192" y="16904669"/>
+            <a:ext cx="6074277" cy="1785104"/>
           </a:xfrm>
           <a:prstGeom prst="rect">
             <a:avLst/>
@@ -5657,17 +5667,17 @@
           <a:p>
             <a:pPr algn="ctr"/>
             <a:r>
-              <a:rPr lang="en-US" sz="2400" u="sng" dirty="0"/>
+              <a:rPr lang="en-US" sz="2200" u="sng" dirty="0"/>
               <a:t>Conclusions</a:t>
             </a:r>
           </a:p>
           <a:p>
-            <a:pPr algn="ctr"/>
-            <a:endParaRPr lang="en-US" sz="2400" u="sng" dirty="0"/>
-          </a:p>
-          <a:p>
-            <a:r>
-              <a:rPr lang="en-US" dirty="0"/>
+            <a:pPr marL="342900" indent="-342900">
+              <a:buFont typeface="Arial" panose="020B0604020202020204" pitchFamily="34" charset="0"/>
+              <a:buChar char="•"/>
+            </a:pPr>
+            <a:r>
+              <a:rPr lang="en-US" sz="2200" dirty="0"/>
               <a:t>Consistent handling of CGM data using our R package will allow for collaboration between research groups and contribute to a better understanding of free-living glucose patterns. </a:t>
             </a:r>
           </a:p>
@@ -5688,14 +5698,14 @@
           <p:nvPr>
             <p:extLst>
               <p:ext uri="{D42A27DB-BD31-4B8C-83A1-F6EECF244321}">
-                <p14:modId xmlns:p14="http://schemas.microsoft.com/office/powerpoint/2010/main" val="4101122982"/>
+                <p14:modId xmlns:p14="http://schemas.microsoft.com/office/powerpoint/2010/main" val="2397329967"/>
               </p:ext>
             </p:extLst>
           </p:nvPr>
         </p:nvGraphicFramePr>
         <p:xfrm>
-          <a:off x="10873768" y="3606575"/>
-          <a:ext cx="2452521" cy="13467050"/>
+          <a:off x="7227109" y="14488473"/>
+          <a:ext cx="5733946" cy="4575060"/>
         </p:xfrm>
         <a:graphic>
           <a:graphicData uri="http://schemas.openxmlformats.org/drawingml/2006/table">
@@ -5704,7 +5714,7 @@
                 <a:tableStyleId>{5C22544A-7EE6-4342-B048-85BDC9FD1C3A}</a:tableStyleId>
               </a:tblPr>
               <a:tblGrid>
-                <a:gridCol w="2452521">
+                <a:gridCol w="5733946">
                   <a:extLst>
                     <a:ext uri="{9D8B030D-6E8A-4147-A177-3AD203B41FA5}">
                       <a16:colId xmlns:a16="http://schemas.microsoft.com/office/drawing/2014/main" val="1935579932"/>
@@ -5712,7 +5722,7 @@
                   </a:extLst>
                 </a:gridCol>
               </a:tblGrid>
-              <a:tr h="837159">
+              <a:tr h="216123">
                 <a:tc>
                   <a:txBody>
                     <a:bodyPr/>
@@ -5736,12 +5746,12 @@
                         <a:defRPr/>
                       </a:pPr>
                       <a:r>
-                        <a:rPr lang="en-US" sz="2400" dirty="0">
+                        <a:rPr lang="en-US" sz="1400" dirty="0">
                           <a:effectLst/>
                         </a:rPr>
                         <a:t>Calculated Variables</a:t>
                       </a:r>
-                      <a:endParaRPr lang="en-US" sz="2400" dirty="0">
+                      <a:endParaRPr lang="en-US" sz="1400" dirty="0">
                         <a:effectLst/>
                         <a:latin typeface="Calibri" panose="020F0502020204030204" pitchFamily="34" charset="0"/>
                         <a:ea typeface="Calibri" panose="020F0502020204030204" pitchFamily="34" charset="0"/>
@@ -5749,7 +5759,7 @@
                       </a:endParaRPr>
                     </a:p>
                   </a:txBody>
-                  <a:tcPr/>
+                  <a:tcPr marL="21989" marR="21989" marT="10995" marB="10995"/>
                 </a:tc>
                 <a:extLst>
                   <a:ext uri="{0D108BD9-81ED-4DB2-BD59-A6C34878D82A}">
@@ -5757,7 +5767,7 @@
                   </a:ext>
                 </a:extLst>
               </a:tr>
-              <a:tr h="372071">
+              <a:tr h="216123">
                 <a:tc>
                   <a:txBody>
                     <a:bodyPr/>
@@ -5781,12 +5791,12 @@
                         <a:defRPr/>
                       </a:pPr>
                       <a:r>
-                        <a:rPr lang="en-US" sz="1800" b="0" dirty="0">
+                        <a:rPr lang="en-US" sz="1400" b="0" dirty="0">
                           <a:effectLst/>
                         </a:rPr>
                         <a:t>Percent CGM wear</a:t>
                       </a:r>
-                      <a:endParaRPr lang="en-US" sz="1800" b="0" dirty="0">
+                      <a:endParaRPr lang="en-US" sz="1400" b="0" dirty="0">
                         <a:effectLst/>
                         <a:latin typeface="Calibri" panose="020F0502020204030204" pitchFamily="34" charset="0"/>
                         <a:ea typeface="Calibri" panose="020F0502020204030204" pitchFamily="34" charset="0"/>
@@ -5794,7 +5804,7 @@
                       </a:endParaRPr>
                     </a:p>
                   </a:txBody>
-                  <a:tcPr/>
+                  <a:tcPr marL="21989" marR="21989" marT="10995" marB="10995"/>
                 </a:tc>
                 <a:extLst>
                   <a:ext uri="{0D108BD9-81ED-4DB2-BD59-A6C34878D82A}">
@@ -5802,7 +5812,7 @@
                   </a:ext>
                 </a:extLst>
               </a:tr>
-              <a:tr h="2604494">
+              <a:tr h="1391700">
                 <a:tc>
                   <a:txBody>
                     <a:bodyPr/>
@@ -5826,10 +5836,10 @@
                         <a:defRPr/>
                       </a:pPr>
                       <a:r>
-                        <a:rPr lang="en-US" sz="1800" dirty="0">
+                        <a:rPr lang="en-US" sz="1400" dirty="0">
                           <a:effectLst/>
                         </a:rPr>
-                        <a:t>Sensor glucose: average, standard deviation, coefficient of variation, minimum, maximum, and quartiles</a:t>
+                        <a:t>Average sensor glucose</a:t>
                       </a:r>
                     </a:p>
                     <a:p>
@@ -5850,7 +5860,113 @@
                         <a:tabLst/>
                         <a:defRPr/>
                       </a:pPr>
-                      <a:endParaRPr lang="en-US" sz="1800" dirty="0">
+                      <a:r>
+                        <a:rPr lang="en-US" sz="1400" dirty="0">
+                          <a:effectLst/>
+                        </a:rPr>
+                        <a:t>Sensor glucose standard deviation</a:t>
+                      </a:r>
+                    </a:p>
+                    <a:p>
+                      <a:pPr marL="0" marR="0" lvl="0" indent="0" algn="l" defTabSz="1371600" rtl="0" eaLnBrk="1" fontAlgn="auto" latinLnBrk="0" hangingPunct="1">
+                        <a:lnSpc>
+                          <a:spcPct val="100000"/>
+                        </a:lnSpc>
+                        <a:spcBef>
+                          <a:spcPts val="0"/>
+                        </a:spcBef>
+                        <a:spcAft>
+                          <a:spcPts val="0"/>
+                        </a:spcAft>
+                        <a:buClrTx/>
+                        <a:buSzTx/>
+                        <a:buFontTx/>
+                        <a:buNone/>
+                        <a:tabLst/>
+                        <a:defRPr/>
+                      </a:pPr>
+                      <a:r>
+                        <a:rPr lang="en-US" sz="1400" dirty="0">
+                          <a:effectLst/>
+                        </a:rPr>
+                        <a:t>Sensor glucose coefficient of variation</a:t>
+                      </a:r>
+                    </a:p>
+                    <a:p>
+                      <a:pPr marL="0" marR="0" lvl="0" indent="0" algn="l" defTabSz="1371600" rtl="0" eaLnBrk="1" fontAlgn="auto" latinLnBrk="0" hangingPunct="1">
+                        <a:lnSpc>
+                          <a:spcPct val="100000"/>
+                        </a:lnSpc>
+                        <a:spcBef>
+                          <a:spcPts val="0"/>
+                        </a:spcBef>
+                        <a:spcAft>
+                          <a:spcPts val="0"/>
+                        </a:spcAft>
+                        <a:buClrTx/>
+                        <a:buSzTx/>
+                        <a:buFontTx/>
+                        <a:buNone/>
+                        <a:tabLst/>
+                        <a:defRPr/>
+                      </a:pPr>
+                      <a:r>
+                        <a:rPr lang="en-US" sz="1400" dirty="0">
+                          <a:effectLst/>
+                        </a:rPr>
+                        <a:t>Minimum sensor glucose</a:t>
+                      </a:r>
+                    </a:p>
+                    <a:p>
+                      <a:pPr marL="0" marR="0" lvl="0" indent="0" algn="l" defTabSz="1371600" rtl="0" eaLnBrk="1" fontAlgn="auto" latinLnBrk="0" hangingPunct="1">
+                        <a:lnSpc>
+                          <a:spcPct val="100000"/>
+                        </a:lnSpc>
+                        <a:spcBef>
+                          <a:spcPts val="0"/>
+                        </a:spcBef>
+                        <a:spcAft>
+                          <a:spcPts val="0"/>
+                        </a:spcAft>
+                        <a:buClrTx/>
+                        <a:buSzTx/>
+                        <a:buFontTx/>
+                        <a:buNone/>
+                        <a:tabLst/>
+                        <a:defRPr/>
+                      </a:pPr>
+                      <a:r>
+                        <a:rPr lang="en-US" sz="1400" dirty="0">
+                          <a:effectLst/>
+                        </a:rPr>
+                        <a:t>Maximum sensor glucose </a:t>
+                      </a:r>
+                    </a:p>
+                    <a:p>
+                      <a:pPr marL="0" marR="0" lvl="0" indent="0" algn="l" defTabSz="1371600" rtl="0" eaLnBrk="1" fontAlgn="auto" latinLnBrk="0" hangingPunct="1">
+                        <a:lnSpc>
+                          <a:spcPct val="100000"/>
+                        </a:lnSpc>
+                        <a:spcBef>
+                          <a:spcPts val="0"/>
+                        </a:spcBef>
+                        <a:spcAft>
+                          <a:spcPts val="0"/>
+                        </a:spcAft>
+                        <a:buClrTx/>
+                        <a:buSzTx/>
+                        <a:buFontTx/>
+                        <a:buNone/>
+                        <a:tabLst/>
+                        <a:defRPr/>
+                      </a:pPr>
+                      <a:r>
+                        <a:rPr lang="en-US" sz="1400" dirty="0">
+                          <a:effectLst/>
+                        </a:rPr>
+                        <a:t>Sensor glucose quartiles</a:t>
+                      </a:r>
+                      <a:endParaRPr lang="en-US" sz="1400" dirty="0">
                         <a:effectLst/>
                         <a:latin typeface="Calibri" panose="020F0502020204030204" pitchFamily="34" charset="0"/>
                         <a:ea typeface="Calibri" panose="020F0502020204030204" pitchFamily="34" charset="0"/>
@@ -5876,12 +5992,12 @@
                         <a:defRPr/>
                       </a:pPr>
                       <a:r>
-                        <a:rPr lang="en-US" sz="1800" dirty="0">
+                        <a:rPr lang="en-US" sz="1400" dirty="0">
                           <a:effectLst/>
                         </a:rPr>
                         <a:t>Variables above for daytime and nighttime periods</a:t>
                       </a:r>
-                      <a:endParaRPr lang="en-US" sz="1800" dirty="0">
+                      <a:endParaRPr lang="en-US" sz="1400" dirty="0">
                         <a:effectLst/>
                         <a:latin typeface="Calibri" panose="020F0502020204030204" pitchFamily="34" charset="0"/>
                         <a:ea typeface="Calibri" panose="020F0502020204030204" pitchFamily="34" charset="0"/>
@@ -5889,7 +6005,7 @@
                       </a:endParaRPr>
                     </a:p>
                   </a:txBody>
-                  <a:tcPr/>
+                  <a:tcPr marL="21989" marR="21989" marT="10995" marB="10995"/>
                 </a:tc>
                 <a:extLst>
                   <a:ext uri="{0D108BD9-81ED-4DB2-BD59-A6C34878D82A}">
@@ -5897,7 +6013,7 @@
                   </a:ext>
                 </a:extLst>
               </a:tr>
-              <a:tr h="372071">
+              <a:tr h="216123">
                 <a:tc>
                   <a:txBody>
                     <a:bodyPr/>
@@ -5921,12 +6037,12 @@
                         <a:defRPr/>
                       </a:pPr>
                       <a:r>
-                        <a:rPr lang="en-US" sz="1800" dirty="0">
+                        <a:rPr lang="en-US" sz="1400" dirty="0">
                           <a:effectLst/>
                         </a:rPr>
                         <a:t>Estimated A1c (eA1c)</a:t>
                       </a:r>
-                      <a:endParaRPr lang="en-US" sz="1800" dirty="0">
+                      <a:endParaRPr lang="en-US" sz="1400" dirty="0">
                         <a:effectLst/>
                         <a:latin typeface="Calibri" panose="020F0502020204030204" pitchFamily="34" charset="0"/>
                         <a:ea typeface="Calibri" panose="020F0502020204030204" pitchFamily="34" charset="0"/>
@@ -5934,7 +6050,7 @@
                       </a:endParaRPr>
                     </a:p>
                   </a:txBody>
-                  <a:tcPr/>
+                  <a:tcPr marL="21989" marR="21989" marT="10995" marB="10995"/>
                 </a:tc>
                 <a:extLst>
                   <a:ext uri="{0D108BD9-81ED-4DB2-BD59-A6C34878D82A}">
@@ -5942,7 +6058,7 @@
                   </a:ext>
                 </a:extLst>
               </a:tr>
-              <a:tr h="651123">
+              <a:tr h="216123">
                 <a:tc>
                   <a:txBody>
                     <a:bodyPr/>
@@ -5966,12 +6082,12 @@
                         <a:defRPr/>
                       </a:pPr>
                       <a:r>
-                        <a:rPr lang="en-US" sz="1800" dirty="0">
+                        <a:rPr lang="en-US" sz="1400" dirty="0">
                           <a:effectLst/>
                         </a:rPr>
                         <a:t>Glucose management indicator (GMI)</a:t>
                       </a:r>
-                      <a:endParaRPr lang="en-US" sz="1800" dirty="0">
+                      <a:endParaRPr lang="en-US" sz="1400" dirty="0">
                         <a:effectLst/>
                         <a:latin typeface="Calibri" panose="020F0502020204030204" pitchFamily="34" charset="0"/>
                         <a:ea typeface="Calibri" panose="020F0502020204030204" pitchFamily="34" charset="0"/>
@@ -5979,7 +6095,7 @@
                       </a:endParaRPr>
                     </a:p>
                   </a:txBody>
-                  <a:tcPr/>
+                  <a:tcPr marL="21989" marR="21989" marT="10995" marB="10995"/>
                 </a:tc>
                 <a:extLst>
                   <a:ext uri="{0D108BD9-81ED-4DB2-BD59-A6C34878D82A}">
@@ -5987,7 +6103,7 @@
                   </a:ext>
                 </a:extLst>
               </a:tr>
-              <a:tr h="930177">
+              <a:tr h="216123">
                 <a:tc>
                   <a:txBody>
                     <a:bodyPr/>
@@ -6011,12 +6127,12 @@
                         <a:defRPr/>
                       </a:pPr>
                       <a:r>
-                        <a:rPr lang="en-US" sz="1800" dirty="0">
+                        <a:rPr lang="en-US" sz="1400" dirty="0">
                           <a:effectLst/>
                         </a:rPr>
-                        <a:t>Excursions, minutes spent, and time spent above/below threshold</a:t>
+                        <a:t>Excursions, minutes and % time above/below threshold</a:t>
                       </a:r>
-                      <a:endParaRPr lang="en-US" sz="1800" dirty="0">
+                      <a:endParaRPr lang="en-US" sz="1400" dirty="0">
                         <a:effectLst/>
                         <a:latin typeface="Calibri" panose="020F0502020204030204" pitchFamily="34" charset="0"/>
                         <a:ea typeface="Calibri" panose="020F0502020204030204" pitchFamily="34" charset="0"/>
@@ -6024,7 +6140,7 @@
                       </a:endParaRPr>
                     </a:p>
                   </a:txBody>
-                  <a:tcPr/>
+                  <a:tcPr marL="21989" marR="21989" marT="10995" marB="10995"/>
                 </a:tc>
                 <a:extLst>
                   <a:ext uri="{0D108BD9-81ED-4DB2-BD59-A6C34878D82A}">
@@ -6032,7 +6148,7 @@
                   </a:ext>
                 </a:extLst>
               </a:tr>
-              <a:tr h="1209229">
+              <a:tr h="216123">
                 <a:tc>
                   <a:txBody>
                     <a:bodyPr/>
@@ -6056,35 +6172,32 @@
                         <a:defRPr/>
                       </a:pPr>
                       <a:r>
-                        <a:rPr lang="en-US" sz="1800" dirty="0">
+                        <a:rPr lang="en-US" sz="1400" dirty="0">
                           <a:effectLst/>
                         </a:rPr>
-                        <a:t>Minutes and percent time in range (70 – 180 mg/</a:t>
+                        <a:t>Minutes and % time in range (70 – 180 mg/</a:t>
                       </a:r>
                       <a:r>
-                        <a:rPr lang="en-US" sz="1800" dirty="0" err="1">
+                        <a:rPr lang="en-US" sz="1400" dirty="0" err="1">
                           <a:effectLst/>
                         </a:rPr>
                         <a:t>dL</a:t>
                       </a:r>
                       <a:r>
-                        <a:rPr lang="en-US" sz="1800" dirty="0">
+                        <a:rPr lang="en-US" sz="1400" dirty="0">
                           <a:effectLst/>
                         </a:rPr>
                         <a:t>)</a:t>
                       </a:r>
-                      <a:endParaRPr lang="en-US" sz="1800" dirty="0">
+                      <a:endParaRPr lang="en-US" sz="1400" dirty="0">
                         <a:effectLst/>
                         <a:latin typeface="Calibri" panose="020F0502020204030204" pitchFamily="34" charset="0"/>
                         <a:ea typeface="Calibri" panose="020F0502020204030204" pitchFamily="34" charset="0"/>
                         <a:cs typeface="Times New Roman" panose="02020603050405020304" pitchFamily="18" charset="0"/>
                       </a:endParaRPr>
                     </a:p>
-                    <a:p>
-                      <a:endParaRPr lang="en-US" sz="1800" dirty="0"/>
-                    </a:p>
                   </a:txBody>
-                  <a:tcPr/>
+                  <a:tcPr marL="21989" marR="21989" marT="10995" marB="10995"/>
                 </a:tc>
                 <a:extLst>
                   <a:ext uri="{0D108BD9-81ED-4DB2-BD59-A6C34878D82A}">
@@ -6092,7 +6205,7 @@
                   </a:ext>
                 </a:extLst>
               </a:tr>
-              <a:tr h="1209229">
+              <a:tr h="216123">
                 <a:tc>
                   <a:txBody>
                     <a:bodyPr/>
@@ -6116,23 +6229,20 @@
                         <a:defRPr/>
                       </a:pPr>
                       <a:r>
-                        <a:rPr lang="en-US" sz="1800" dirty="0">
+                        <a:rPr lang="en-US" sz="1400" dirty="0">
                           <a:effectLst/>
                         </a:rPr>
-                        <a:t>Area under the curve (using the trapezoidal rule)</a:t>
+                        <a:t>Area under the curve (trapezoidal rule)</a:t>
                       </a:r>
-                      <a:endParaRPr lang="en-US" sz="1800" dirty="0">
+                      <a:endParaRPr lang="en-US" sz="1400" dirty="0">
                         <a:effectLst/>
                         <a:latin typeface="Calibri" panose="020F0502020204030204" pitchFamily="34" charset="0"/>
                         <a:ea typeface="Calibri" panose="020F0502020204030204" pitchFamily="34" charset="0"/>
                         <a:cs typeface="Times New Roman" panose="02020603050405020304" pitchFamily="18" charset="0"/>
                       </a:endParaRPr>
                     </a:p>
-                    <a:p>
-                      <a:endParaRPr lang="en-US" sz="1800" dirty="0"/>
-                    </a:p>
                   </a:txBody>
-                  <a:tcPr/>
+                  <a:tcPr marL="21989" marR="21989" marT="10995" marB="10995"/>
                 </a:tc>
                 <a:extLst>
                   <a:ext uri="{0D108BD9-81ED-4DB2-BD59-A6C34878D82A}">
@@ -6140,7 +6250,7 @@
                   </a:ext>
                 </a:extLst>
               </a:tr>
-              <a:tr h="1209229">
+              <a:tr h="216123">
                 <a:tc>
                   <a:txBody>
                     <a:bodyPr/>
@@ -6164,23 +6274,20 @@
                         <a:defRPr/>
                       </a:pPr>
                       <a:r>
-                        <a:rPr lang="en-US" sz="1800" dirty="0">
+                        <a:rPr lang="en-US" sz="1400" dirty="0">
                           <a:effectLst/>
                         </a:rPr>
                         <a:t>Mean amplitude of glycemic excursions (MAGE)</a:t>
                       </a:r>
-                      <a:endParaRPr lang="en-US" sz="1800" dirty="0">
+                      <a:endParaRPr lang="en-US" sz="1400" dirty="0">
                         <a:effectLst/>
                         <a:latin typeface="Calibri" panose="020F0502020204030204" pitchFamily="34" charset="0"/>
                         <a:ea typeface="Calibri" panose="020F0502020204030204" pitchFamily="34" charset="0"/>
                         <a:cs typeface="Times New Roman" panose="02020603050405020304" pitchFamily="18" charset="0"/>
                       </a:endParaRPr>
                     </a:p>
-                    <a:p>
-                      <a:endParaRPr lang="en-US" sz="1800" dirty="0"/>
-                    </a:p>
                   </a:txBody>
-                  <a:tcPr/>
+                  <a:tcPr marL="21989" marR="21989" marT="10995" marB="10995"/>
                 </a:tc>
                 <a:extLst>
                   <a:ext uri="{0D108BD9-81ED-4DB2-BD59-A6C34878D82A}">
@@ -6188,19 +6295,19 @@
                   </a:ext>
                 </a:extLst>
               </a:tr>
-              <a:tr h="372071">
+              <a:tr h="216123">
                 <a:tc>
                   <a:txBody>
                     <a:bodyPr/>
                     <a:lstStyle/>
                     <a:p>
                       <a:r>
-                        <a:rPr lang="en-US" sz="1800" dirty="0"/>
+                        <a:rPr lang="en-US" sz="1400" dirty="0"/>
                         <a:t>J index</a:t>
                       </a:r>
                     </a:p>
                   </a:txBody>
-                  <a:tcPr/>
+                  <a:tcPr marL="21989" marR="21989" marT="10995" marB="10995"/>
                 </a:tc>
                 <a:extLst>
                   <a:ext uri="{0D108BD9-81ED-4DB2-BD59-A6C34878D82A}">
@@ -6208,7 +6315,7 @@
                   </a:ext>
                 </a:extLst>
               </a:tr>
-              <a:tr h="1167720">
+              <a:tr h="216123">
                 <a:tc>
                   <a:txBody>
                     <a:bodyPr/>
@@ -6232,23 +6339,20 @@
                         <a:defRPr/>
                       </a:pPr>
                       <a:r>
-                        <a:rPr lang="en-US" sz="1800" dirty="0">
+                        <a:rPr lang="en-US" sz="1400" dirty="0">
                           <a:effectLst/>
                         </a:rPr>
                         <a:t>Continuous overall net glycemic action (CONGA) </a:t>
                       </a:r>
-                      <a:endParaRPr lang="en-US" sz="1800" dirty="0">
+                      <a:endParaRPr lang="en-US" sz="1400" dirty="0">
                         <a:effectLst/>
                         <a:latin typeface="Calibri" panose="020F0502020204030204" pitchFamily="34" charset="0"/>
                         <a:ea typeface="Calibri" panose="020F0502020204030204" pitchFamily="34" charset="0"/>
                         <a:cs typeface="Times New Roman" panose="02020603050405020304" pitchFamily="18" charset="0"/>
                       </a:endParaRPr>
                     </a:p>
-                    <a:p>
-                      <a:endParaRPr lang="en-US" sz="1800" dirty="0"/>
-                    </a:p>
                   </a:txBody>
-                  <a:tcPr/>
+                  <a:tcPr marL="21989" marR="21989" marT="10995" marB="10995"/>
                 </a:tc>
                 <a:extLst>
                   <a:ext uri="{0D108BD9-81ED-4DB2-BD59-A6C34878D82A}">
@@ -6256,7 +6360,7 @@
                   </a:ext>
                 </a:extLst>
               </a:tr>
-              <a:tr h="930177">
+              <a:tr h="216123">
                 <a:tc>
                   <a:txBody>
                     <a:bodyPr/>
@@ -6280,23 +6384,20 @@
                         <a:defRPr/>
                       </a:pPr>
                       <a:r>
-                        <a:rPr lang="en-US" sz="1800" dirty="0">
+                        <a:rPr lang="en-US" sz="1400" dirty="0">
                           <a:effectLst/>
                         </a:rPr>
                         <a:t>Mean of daily differences (MODD)</a:t>
                       </a:r>
-                      <a:endParaRPr lang="en-US" sz="1800" dirty="0">
+                      <a:endParaRPr lang="en-US" sz="1400" dirty="0">
                         <a:effectLst/>
                         <a:latin typeface="Calibri" panose="020F0502020204030204" pitchFamily="34" charset="0"/>
                         <a:ea typeface="Calibri" panose="020F0502020204030204" pitchFamily="34" charset="0"/>
                         <a:cs typeface="Times New Roman" panose="02020603050405020304" pitchFamily="18" charset="0"/>
                       </a:endParaRPr>
                     </a:p>
-                    <a:p>
-                      <a:endParaRPr lang="en-US" sz="1800" dirty="0"/>
-                    </a:p>
                   </a:txBody>
-                  <a:tcPr/>
+                  <a:tcPr marL="21989" marR="21989" marT="10995" marB="10995"/>
                 </a:tc>
                 <a:extLst>
                   <a:ext uri="{0D108BD9-81ED-4DB2-BD59-A6C34878D82A}">
@@ -6304,7 +6405,7 @@
                   </a:ext>
                 </a:extLst>
               </a:tr>
-              <a:tr h="930177">
+              <a:tr h="216123">
                 <a:tc>
                   <a:txBody>
                     <a:bodyPr/>
@@ -6328,23 +6429,20 @@
                         <a:defRPr/>
                       </a:pPr>
                       <a:r>
-                        <a:rPr lang="en-US" sz="1800" dirty="0">
+                        <a:rPr lang="en-US" sz="1400" dirty="0">
                           <a:effectLst/>
                         </a:rPr>
                         <a:t>Low blood glucose index (LBGI)</a:t>
                       </a:r>
-                      <a:endParaRPr lang="en-US" sz="1800" dirty="0">
+                      <a:endParaRPr lang="en-US" sz="1400" dirty="0">
                         <a:effectLst/>
                         <a:latin typeface="Calibri" panose="020F0502020204030204" pitchFamily="34" charset="0"/>
                         <a:ea typeface="Calibri" panose="020F0502020204030204" pitchFamily="34" charset="0"/>
                         <a:cs typeface="Times New Roman" panose="02020603050405020304" pitchFamily="18" charset="0"/>
                       </a:endParaRPr>
                     </a:p>
-                    <a:p>
-                      <a:endParaRPr lang="en-US" sz="1800" dirty="0"/>
-                    </a:p>
                   </a:txBody>
-                  <a:tcPr/>
+                  <a:tcPr marL="21989" marR="21989" marT="10995" marB="10995"/>
                 </a:tc>
                 <a:extLst>
                   <a:ext uri="{0D108BD9-81ED-4DB2-BD59-A6C34878D82A}">
@@ -6352,7 +6450,7 @@
                   </a:ext>
                 </a:extLst>
               </a:tr>
-              <a:tr h="651123">
+              <a:tr h="216123">
                 <a:tc>
                   <a:txBody>
                     <a:bodyPr/>
@@ -6367,12 +6465,12 @@
                         </a:spcAft>
                       </a:pPr>
                       <a:r>
-                        <a:rPr lang="en-US" sz="1800" dirty="0">
+                        <a:rPr lang="en-US" sz="1400" dirty="0">
                           <a:effectLst/>
                         </a:rPr>
                         <a:t>High blood glucose index (HBGI)</a:t>
                       </a:r>
-                      <a:endParaRPr lang="en-US" sz="1800" dirty="0">
+                      <a:endParaRPr lang="en-US" sz="1400" dirty="0">
                         <a:effectLst/>
                         <a:latin typeface="Calibri" panose="020F0502020204030204" pitchFamily="34" charset="0"/>
                         <a:ea typeface="Calibri" panose="020F0502020204030204" pitchFamily="34" charset="0"/>
@@ -6380,7 +6478,7 @@
                       </a:endParaRPr>
                     </a:p>
                   </a:txBody>
-                  <a:tcPr/>
+                  <a:tcPr marL="21989" marR="21989" marT="10995" marB="10995"/>
                 </a:tc>
                 <a:extLst>
                   <a:ext uri="{0D108BD9-81ED-4DB2-BD59-A6C34878D82A}">
@@ -6406,8 +6504,8 @@
         </p:nvSpPr>
         <p:spPr>
           <a:xfrm>
-            <a:off x="2547860" y="17173093"/>
-            <a:ext cx="3777427" cy="1200329"/>
+            <a:off x="5451327" y="12541726"/>
+            <a:ext cx="2813348" cy="1015663"/>
           </a:xfrm>
           <a:prstGeom prst="rect">
             <a:avLst/>
@@ -6421,15 +6519,15 @@
           <a:lstStyle/>
           <a:p>
             <a:r>
-              <a:rPr lang="en-US" sz="2400" u="sng" dirty="0"/>
+              <a:rPr lang="en-US" dirty="0"/>
               <a:t>Download the Package Here or on CRAN (“</a:t>
             </a:r>
             <a:r>
-              <a:rPr lang="en-US" sz="2400" u="sng" dirty="0" err="1"/>
+              <a:rPr lang="en-US" dirty="0" err="1"/>
               <a:t>cgmanalysis</a:t>
             </a:r>
             <a:r>
-              <a:rPr lang="en-US" sz="2400" u="sng" dirty="0"/>
+              <a:rPr lang="en-US" dirty="0"/>
               <a:t>”):</a:t>
             </a:r>
           </a:p>
@@ -6460,8 +6558,8 @@
         </p:blipFill>
         <p:spPr>
           <a:xfrm>
-            <a:off x="7553083" y="16846129"/>
-            <a:ext cx="2067210" cy="2067210"/>
+            <a:off x="6326155" y="13365406"/>
+            <a:ext cx="855407" cy="855407"/>
           </a:xfrm>
           <a:prstGeom prst="rect">
             <a:avLst/>
@@ -6482,16 +6580,15 @@
           </p:cNvPicPr>
           <p:nvPr/>
         </p:nvPicPr>
-        <p:blipFill>
+        <p:blipFill rotWithShape="1">
           <a:blip r:embed="rId11"/>
-          <a:stretch>
-            <a:fillRect/>
-          </a:stretch>
+          <a:srcRect r="48329"/>
+          <a:stretch/>
         </p:blipFill>
         <p:spPr>
           <a:xfrm>
-            <a:off x="421039" y="18391093"/>
-            <a:ext cx="5585253" cy="728511"/>
+            <a:off x="421039" y="1313128"/>
+            <a:ext cx="1568696" cy="395989"/>
           </a:xfrm>
           <a:prstGeom prst="rect">
             <a:avLst/>

--- a/CGM Code/ATTD Poster.pptx
+++ b/CGM Code/ATTD Poster.pptx
@@ -3475,8 +3475,8 @@
         </p:nvSpPr>
         <p:spPr>
           <a:xfrm>
-            <a:off x="2661424" y="2077385"/>
-            <a:ext cx="8184873" cy="842638"/>
+            <a:off x="2761977" y="1979851"/>
+            <a:ext cx="7983764" cy="707886"/>
           </a:xfrm>
           <a:prstGeom prst="rect">
             <a:avLst/>
@@ -3491,7 +3491,7 @@
           <a:p>
             <a:pPr algn="ctr"/>
             <a:r>
-              <a:rPr lang="en-US" sz="2400" dirty="0">
+              <a:rPr lang="en-US" sz="2000" dirty="0">
                 <a:latin typeface="Helvetica Neue" panose="02000503000000020004" pitchFamily="2" charset="0"/>
                 <a:ea typeface="Helvetica Neue" panose="02000503000000020004" pitchFamily="2" charset="0"/>
                 <a:cs typeface="Helvetica Neue" panose="02000503000000020004" pitchFamily="2" charset="0"/>
@@ -3499,7 +3499,7 @@
               <a:t>Tim Vigers, Christine L. Chan, Janet Snell-</a:t>
             </a:r>
             <a:r>
-              <a:rPr lang="en-US" sz="2400" dirty="0" err="1">
+              <a:rPr lang="en-US" sz="2000" dirty="0" err="1">
                 <a:latin typeface="Helvetica Neue" panose="02000503000000020004" pitchFamily="2" charset="0"/>
                 <a:ea typeface="Helvetica Neue" panose="02000503000000020004" pitchFamily="2" charset="0"/>
                 <a:cs typeface="Helvetica Neue" panose="02000503000000020004" pitchFamily="2" charset="0"/>
@@ -3507,7 +3507,7 @@
               <a:t>Bergeon</a:t>
             </a:r>
             <a:r>
-              <a:rPr lang="en-US" sz="2400" dirty="0">
+              <a:rPr lang="en-US" sz="2000" dirty="0">
                 <a:latin typeface="Helvetica Neue" panose="02000503000000020004" pitchFamily="2" charset="0"/>
                 <a:ea typeface="Helvetica Neue" panose="02000503000000020004" pitchFamily="2" charset="0"/>
                 <a:cs typeface="Helvetica Neue" panose="02000503000000020004" pitchFamily="2" charset="0"/>
@@ -3515,7 +3515,7 @@
               <a:t>, </a:t>
             </a:r>
             <a:r>
-              <a:rPr lang="en-US" sz="2400" dirty="0" err="1">
+              <a:rPr lang="en-US" sz="2000" dirty="0" err="1">
                 <a:latin typeface="Helvetica Neue" panose="02000503000000020004" pitchFamily="2" charset="0"/>
                 <a:ea typeface="Helvetica Neue" panose="02000503000000020004" pitchFamily="2" charset="0"/>
                 <a:cs typeface="Helvetica Neue" panose="02000503000000020004" pitchFamily="2" charset="0"/>
@@ -3523,7 +3523,7 @@
               <a:t>Petter</a:t>
             </a:r>
             <a:r>
-              <a:rPr lang="en-US" sz="2400" dirty="0">
+              <a:rPr lang="en-US" sz="2000" dirty="0">
                 <a:latin typeface="Helvetica Neue" panose="02000503000000020004" pitchFamily="2" charset="0"/>
                 <a:ea typeface="Helvetica Neue" panose="02000503000000020004" pitchFamily="2" charset="0"/>
                 <a:cs typeface="Helvetica Neue" panose="02000503000000020004" pitchFamily="2" charset="0"/>
@@ -3531,7 +3531,7 @@
               <a:t> </a:t>
             </a:r>
             <a:r>
-              <a:rPr lang="en-US" sz="2400" dirty="0" err="1">
+              <a:rPr lang="en-US" sz="2000" dirty="0" err="1">
                 <a:latin typeface="Helvetica Neue" panose="02000503000000020004" pitchFamily="2" charset="0"/>
                 <a:ea typeface="Helvetica Neue" panose="02000503000000020004" pitchFamily="2" charset="0"/>
                 <a:cs typeface="Helvetica Neue" panose="02000503000000020004" pitchFamily="2" charset="0"/>
@@ -3539,7 +3539,7 @@
               <a:t>Bjørnstad</a:t>
             </a:r>
             <a:r>
-              <a:rPr lang="en-US" sz="2400" dirty="0">
+              <a:rPr lang="en-US" sz="2000" dirty="0">
                 <a:latin typeface="Helvetica Neue" panose="02000503000000020004" pitchFamily="2" charset="0"/>
                 <a:ea typeface="Helvetica Neue" panose="02000503000000020004" pitchFamily="2" charset="0"/>
                 <a:cs typeface="Helvetica Neue" panose="02000503000000020004" pitchFamily="2" charset="0"/>
@@ -3547,7 +3547,7 @@
               <a:t>, Philip S. </a:t>
             </a:r>
             <a:r>
-              <a:rPr lang="en-US" sz="2400" dirty="0" err="1">
+              <a:rPr lang="en-US" sz="2000" dirty="0" err="1">
                 <a:latin typeface="Helvetica Neue" panose="02000503000000020004" pitchFamily="2" charset="0"/>
                 <a:ea typeface="Helvetica Neue" panose="02000503000000020004" pitchFamily="2" charset="0"/>
                 <a:cs typeface="Helvetica Neue" panose="02000503000000020004" pitchFamily="2" charset="0"/>
@@ -3555,7 +3555,7 @@
               <a:t>Zeitler</a:t>
             </a:r>
             <a:r>
-              <a:rPr lang="en-US" sz="2400" dirty="0">
+              <a:rPr lang="en-US" sz="2000" dirty="0">
                 <a:latin typeface="Helvetica Neue" panose="02000503000000020004" pitchFamily="2" charset="0"/>
                 <a:ea typeface="Helvetica Neue" panose="02000503000000020004" pitchFamily="2" charset="0"/>
                 <a:cs typeface="Helvetica Neue" panose="02000503000000020004" pitchFamily="2" charset="0"/>
@@ -3563,7 +3563,7 @@
               <a:t>, Gregory </a:t>
             </a:r>
             <a:r>
-              <a:rPr lang="en-US" sz="2400" dirty="0" err="1">
+              <a:rPr lang="en-US" sz="2000" dirty="0" err="1">
                 <a:latin typeface="Helvetica Neue" panose="02000503000000020004" pitchFamily="2" charset="0"/>
                 <a:ea typeface="Helvetica Neue" panose="02000503000000020004" pitchFamily="2" charset="0"/>
                 <a:cs typeface="Helvetica Neue" panose="02000503000000020004" pitchFamily="2" charset="0"/>
@@ -3571,7 +3571,7 @@
               <a:t>Forlenza</a:t>
             </a:r>
             <a:r>
-              <a:rPr lang="en-US" sz="2400" dirty="0">
+              <a:rPr lang="en-US" sz="2000" dirty="0">
                 <a:latin typeface="Helvetica Neue" panose="02000503000000020004" pitchFamily="2" charset="0"/>
                 <a:ea typeface="Helvetica Neue" panose="02000503000000020004" pitchFamily="2" charset="0"/>
                 <a:cs typeface="Helvetica Neue" panose="02000503000000020004" pitchFamily="2" charset="0"/>
@@ -3595,7 +3595,7 @@
         </p:nvSpPr>
         <p:spPr>
           <a:xfrm>
-            <a:off x="878916" y="3371298"/>
+            <a:off x="878916" y="3024867"/>
             <a:ext cx="5979084" cy="3477875"/>
           </a:xfrm>
           <a:prstGeom prst="rect">
@@ -3664,7 +3664,7 @@
         </p:nvSpPr>
         <p:spPr>
           <a:xfrm>
-            <a:off x="6858000" y="3303040"/>
+            <a:off x="6858000" y="3071586"/>
             <a:ext cx="5979084" cy="3816429"/>
           </a:xfrm>
           <a:prstGeom prst="rect">
@@ -3743,7 +3743,7 @@
         </p:blipFill>
         <p:spPr bwMode="auto">
           <a:xfrm>
-            <a:off x="3758367" y="7807616"/>
+            <a:off x="3758367" y="7418509"/>
             <a:ext cx="3325104" cy="2710676"/>
           </a:xfrm>
           <a:prstGeom prst="rect">
@@ -3784,7 +3784,7 @@
         </p:blipFill>
         <p:spPr bwMode="auto">
           <a:xfrm>
-            <a:off x="421039" y="7787216"/>
+            <a:off x="421039" y="7398109"/>
             <a:ext cx="3369292" cy="2516026"/>
           </a:xfrm>
           <a:prstGeom prst="rect">
@@ -3825,7 +3825,7 @@
         </p:blipFill>
         <p:spPr bwMode="auto">
           <a:xfrm>
-            <a:off x="421039" y="10153970"/>
+            <a:off x="421039" y="9764863"/>
             <a:ext cx="6332945" cy="2422657"/>
           </a:xfrm>
           <a:prstGeom prst="rect">
@@ -3856,13 +3856,13 @@
           <p:nvPr>
             <p:extLst>
               <p:ext uri="{D42A27DB-BD31-4B8C-83A1-F6EECF244321}">
-                <p14:modId xmlns:p14="http://schemas.microsoft.com/office/powerpoint/2010/main" val="2526692182"/>
+                <p14:modId xmlns:p14="http://schemas.microsoft.com/office/powerpoint/2010/main" val="2475652460"/>
               </p:ext>
             </p:extLst>
           </p:nvPr>
         </p:nvGraphicFramePr>
         <p:xfrm>
-          <a:off x="2301764" y="12500427"/>
+          <a:off x="2472923" y="12177240"/>
           <a:ext cx="2229175" cy="1577611"/>
         </p:xfrm>
         <a:graphic>
@@ -4937,7 +4937,7 @@
         </p:blipFill>
         <p:spPr>
           <a:xfrm>
-            <a:off x="855686" y="570378"/>
+            <a:off x="421039" y="482421"/>
             <a:ext cx="699401" cy="624874"/>
           </a:xfrm>
           <a:prstGeom prst="rect">
@@ -4959,7 +4959,7 @@
         </p:nvSpPr>
         <p:spPr>
           <a:xfrm>
-            <a:off x="754946" y="7310311"/>
+            <a:off x="754946" y="6921204"/>
             <a:ext cx="6103054" cy="461665"/>
           </a:xfrm>
           <a:prstGeom prst="rect">
@@ -5010,7 +5010,7 @@
         </p:blipFill>
         <p:spPr>
           <a:xfrm>
-            <a:off x="7227108" y="7771976"/>
+            <a:off x="7221533" y="7382869"/>
             <a:ext cx="3423655" cy="2531266"/>
           </a:xfrm>
           <a:prstGeom prst="rect">
@@ -5043,7 +5043,7 @@
         </p:blipFill>
         <p:spPr>
           <a:xfrm>
-            <a:off x="10655247" y="7771976"/>
+            <a:off x="10649672" y="7382869"/>
             <a:ext cx="2645289" cy="2516026"/>
           </a:xfrm>
           <a:prstGeom prst="rect">
@@ -5077,8 +5077,8 @@
         </p:blipFill>
         <p:spPr>
           <a:xfrm>
-            <a:off x="6962017" y="10303242"/>
-            <a:ext cx="6332944" cy="2090007"/>
+            <a:off x="7083471" y="9898895"/>
+            <a:ext cx="6207195" cy="2048507"/>
           </a:xfrm>
           <a:prstGeom prst="rect">
             <a:avLst/>
@@ -5100,14 +5100,14 @@
           <p:nvPr>
             <p:extLst>
               <p:ext uri="{D42A27DB-BD31-4B8C-83A1-F6EECF244321}">
-                <p14:modId xmlns:p14="http://schemas.microsoft.com/office/powerpoint/2010/main" val="1489116693"/>
+                <p14:modId xmlns:p14="http://schemas.microsoft.com/office/powerpoint/2010/main" val="1562206840"/>
               </p:ext>
             </p:extLst>
           </p:nvPr>
         </p:nvGraphicFramePr>
         <p:xfrm>
-          <a:off x="9244089" y="12500427"/>
-          <a:ext cx="2813348" cy="1504432"/>
+          <a:off x="8948817" y="12177240"/>
+          <a:ext cx="2476502" cy="1220408"/>
         </p:xfrm>
         <a:graphic>
           <a:graphicData uri="http://schemas.openxmlformats.org/drawingml/2006/table">
@@ -5116,21 +5116,21 @@
                 <a:tableStyleId>{5C22544A-7EE6-4342-B048-85BDC9FD1C3A}</a:tableStyleId>
               </a:tblPr>
               <a:tblGrid>
-                <a:gridCol w="986855">
+                <a:gridCol w="678235">
                   <a:extLst>
                     <a:ext uri="{9D8B030D-6E8A-4147-A177-3AD203B41FA5}">
                       <a16:colId xmlns:a16="http://schemas.microsoft.com/office/drawing/2014/main" val="189847003"/>
                     </a:ext>
                   </a:extLst>
                 </a:gridCol>
-                <a:gridCol w="915417">
+                <a:gridCol w="991074">
                   <a:extLst>
                     <a:ext uri="{9D8B030D-6E8A-4147-A177-3AD203B41FA5}">
                       <a16:colId xmlns:a16="http://schemas.microsoft.com/office/drawing/2014/main" val="1812364948"/>
                     </a:ext>
                   </a:extLst>
                 </a:gridCol>
-                <a:gridCol w="911076">
+                <a:gridCol w="807193">
                   <a:extLst>
                     <a:ext uri="{9D8B030D-6E8A-4147-A177-3AD203B41FA5}">
                       <a16:colId xmlns:a16="http://schemas.microsoft.com/office/drawing/2014/main" val="1774513129"/>
@@ -5138,7 +5138,7 @@
                   </a:extLst>
                 </a:gridCol>
               </a:tblGrid>
-              <a:tr h="376108">
+              <a:tr h="178474">
                 <a:tc>
                   <a:txBody>
                     <a:bodyPr/>
@@ -5228,7 +5228,7 @@
                   </a:ext>
                 </a:extLst>
               </a:tr>
-              <a:tr h="376108">
+              <a:tr h="86986">
                 <a:tc>
                   <a:txBody>
                     <a:bodyPr/>
@@ -5278,12 +5278,12 @@
                         </a:spcAft>
                       </a:pPr>
                       <a:r>
-                        <a:rPr lang="en-US" sz="1100">
+                        <a:rPr lang="en-US" sz="1100" dirty="0">
                           <a:effectLst/>
                         </a:rPr>
-                        <a:t>175.6790404</a:t>
+                        <a:t>175.679</a:t>
                       </a:r>
-                      <a:endParaRPr lang="en-US" sz="1100">
+                      <a:endParaRPr lang="en-US" sz="1100" dirty="0">
                         <a:effectLst/>
                         <a:latin typeface="Times New Roman" panose="02020603050405020304" pitchFamily="18" charset="0"/>
                         <a:ea typeface="Times New Roman" panose="02020603050405020304" pitchFamily="18" charset="0"/>
@@ -5331,7 +5331,7 @@
                   </a:ext>
                 </a:extLst>
               </a:tr>
-              <a:tr h="376108">
+              <a:tr h="178474">
                 <a:tc>
                   <a:txBody>
                     <a:bodyPr/>
@@ -5349,12 +5349,12 @@
                         </a:spcAft>
                       </a:pPr>
                       <a:r>
-                        <a:rPr lang="en-US" sz="1100">
+                        <a:rPr lang="en-US" sz="1100" dirty="0">
                           <a:effectLst/>
                         </a:rPr>
-                        <a:t>Standard Dev </a:t>
+                        <a:t>Standard Dev</a:t>
                       </a:r>
-                      <a:endParaRPr lang="en-US" sz="1100">
+                      <a:endParaRPr lang="en-US" sz="1100" dirty="0">
                         <a:effectLst/>
                         <a:latin typeface="Times New Roman" panose="02020603050405020304" pitchFamily="18" charset="0"/>
                         <a:ea typeface="Times New Roman" panose="02020603050405020304" pitchFamily="18" charset="0"/>
@@ -5381,12 +5381,12 @@
                         </a:spcAft>
                       </a:pPr>
                       <a:r>
-                        <a:rPr lang="en-US" sz="1100">
+                        <a:rPr lang="en-US" sz="1100" dirty="0">
                           <a:effectLst/>
                         </a:rPr>
-                        <a:t>67.09674726</a:t>
+                        <a:t>67.097</a:t>
                       </a:r>
-                      <a:endParaRPr lang="en-US" sz="1100">
+                      <a:endParaRPr lang="en-US" sz="1100" dirty="0">
                         <a:effectLst/>
                         <a:latin typeface="Times New Roman" panose="02020603050405020304" pitchFamily="18" charset="0"/>
                         <a:ea typeface="Times New Roman" panose="02020603050405020304" pitchFamily="18" charset="0"/>
@@ -5434,7 +5434,7 @@
                   </a:ext>
                 </a:extLst>
               </a:tr>
-              <a:tr h="376108">
+              <a:tr h="178474">
                 <a:tc>
                   <a:txBody>
                     <a:bodyPr/>
@@ -5484,12 +5484,12 @@
                         </a:spcAft>
                       </a:pPr>
                       <a:r>
-                        <a:rPr lang="en-US" sz="1100">
+                        <a:rPr lang="en-US" sz="1100" dirty="0">
                           <a:effectLst/>
                         </a:rPr>
-                        <a:t>55.65656566</a:t>
+                        <a:t>55.657</a:t>
                       </a:r>
-                      <a:endParaRPr lang="en-US" sz="1100">
+                      <a:endParaRPr lang="en-US" sz="1100" dirty="0">
                         <a:effectLst/>
                         <a:latin typeface="Times New Roman" panose="02020603050405020304" pitchFamily="18" charset="0"/>
                         <a:ea typeface="Times New Roman" panose="02020603050405020304" pitchFamily="18" charset="0"/>
@@ -5555,7 +5555,7 @@
         </p:nvSpPr>
         <p:spPr>
           <a:xfrm>
-            <a:off x="6753859" y="7295071"/>
+            <a:off x="6753859" y="6905964"/>
             <a:ext cx="6207195" cy="461665"/>
           </a:xfrm>
           <a:prstGeom prst="rect">
@@ -5595,7 +5595,7 @@
         </p:nvSpPr>
         <p:spPr>
           <a:xfrm>
-            <a:off x="754946" y="14313790"/>
+            <a:off x="754946" y="14177605"/>
             <a:ext cx="5998913" cy="2462213"/>
           </a:xfrm>
           <a:prstGeom prst="rect">
@@ -5651,7 +5651,7 @@
         </p:nvSpPr>
         <p:spPr>
           <a:xfrm>
-            <a:off x="753192" y="16904669"/>
+            <a:off x="753192" y="16951360"/>
             <a:ext cx="6074277" cy="1785104"/>
           </a:xfrm>
           <a:prstGeom prst="rect">
@@ -5698,14 +5698,14 @@
           <p:nvPr>
             <p:extLst>
               <p:ext uri="{D42A27DB-BD31-4B8C-83A1-F6EECF244321}">
-                <p14:modId xmlns:p14="http://schemas.microsoft.com/office/powerpoint/2010/main" val="2397329967"/>
+                <p14:modId xmlns:p14="http://schemas.microsoft.com/office/powerpoint/2010/main" val="3357927018"/>
               </p:ext>
             </p:extLst>
           </p:nvPr>
         </p:nvGraphicFramePr>
         <p:xfrm>
-          <a:off x="7227109" y="14488473"/>
-          <a:ext cx="5733946" cy="4575060"/>
+          <a:off x="7938857" y="14002034"/>
+          <a:ext cx="4496422" cy="4879860"/>
         </p:xfrm>
         <a:graphic>
           <a:graphicData uri="http://schemas.openxmlformats.org/drawingml/2006/table">
@@ -5714,7 +5714,7 @@
                 <a:tableStyleId>{5C22544A-7EE6-4342-B048-85BDC9FD1C3A}</a:tableStyleId>
               </a:tblPr>
               <a:tblGrid>
-                <a:gridCol w="5733946">
+                <a:gridCol w="4496422">
                   <a:extLst>
                     <a:ext uri="{9D8B030D-6E8A-4147-A177-3AD203B41FA5}">
                       <a16:colId xmlns:a16="http://schemas.microsoft.com/office/drawing/2014/main" val="1935579932"/>
@@ -5746,12 +5746,12 @@
                         <a:defRPr/>
                       </a:pPr>
                       <a:r>
-                        <a:rPr lang="en-US" sz="1400" dirty="0">
+                        <a:rPr lang="en-US" sz="1500" dirty="0">
                           <a:effectLst/>
                         </a:rPr>
                         <a:t>Calculated Variables</a:t>
                       </a:r>
-                      <a:endParaRPr lang="en-US" sz="1400" dirty="0">
+                      <a:endParaRPr lang="en-US" sz="1500" dirty="0">
                         <a:effectLst/>
                         <a:latin typeface="Calibri" panose="020F0502020204030204" pitchFamily="34" charset="0"/>
                         <a:ea typeface="Calibri" panose="020F0502020204030204" pitchFamily="34" charset="0"/>
@@ -5791,12 +5791,12 @@
                         <a:defRPr/>
                       </a:pPr>
                       <a:r>
-                        <a:rPr lang="en-US" sz="1400" b="0" dirty="0">
+                        <a:rPr lang="en-US" sz="1500" b="0" dirty="0">
                           <a:effectLst/>
                         </a:rPr>
                         <a:t>Percent CGM wear</a:t>
                       </a:r>
-                      <a:endParaRPr lang="en-US" sz="1400" b="0" dirty="0">
+                      <a:endParaRPr lang="en-US" sz="1500" b="0" dirty="0">
                         <a:effectLst/>
                         <a:latin typeface="Calibri" panose="020F0502020204030204" pitchFamily="34" charset="0"/>
                         <a:ea typeface="Calibri" panose="020F0502020204030204" pitchFamily="34" charset="0"/>
@@ -5836,7 +5836,7 @@
                         <a:defRPr/>
                       </a:pPr>
                       <a:r>
-                        <a:rPr lang="en-US" sz="1400" dirty="0">
+                        <a:rPr lang="en-US" sz="1500" dirty="0">
                           <a:effectLst/>
                         </a:rPr>
                         <a:t>Average sensor glucose</a:t>
@@ -5861,7 +5861,7 @@
                         <a:defRPr/>
                       </a:pPr>
                       <a:r>
-                        <a:rPr lang="en-US" sz="1400" dirty="0">
+                        <a:rPr lang="en-US" sz="1500" dirty="0">
                           <a:effectLst/>
                         </a:rPr>
                         <a:t>Sensor glucose standard deviation</a:t>
@@ -5886,7 +5886,7 @@
                         <a:defRPr/>
                       </a:pPr>
                       <a:r>
-                        <a:rPr lang="en-US" sz="1400" dirty="0">
+                        <a:rPr lang="en-US" sz="1500" dirty="0">
                           <a:effectLst/>
                         </a:rPr>
                         <a:t>Sensor glucose coefficient of variation</a:t>
@@ -5911,7 +5911,7 @@
                         <a:defRPr/>
                       </a:pPr>
                       <a:r>
-                        <a:rPr lang="en-US" sz="1400" dirty="0">
+                        <a:rPr lang="en-US" sz="1500" dirty="0">
                           <a:effectLst/>
                         </a:rPr>
                         <a:t>Minimum sensor glucose</a:t>
@@ -5936,7 +5936,7 @@
                         <a:defRPr/>
                       </a:pPr>
                       <a:r>
-                        <a:rPr lang="en-US" sz="1400" dirty="0">
+                        <a:rPr lang="en-US" sz="1500" dirty="0">
                           <a:effectLst/>
                         </a:rPr>
                         <a:t>Maximum sensor glucose </a:t>
@@ -5961,17 +5961,11 @@
                         <a:defRPr/>
                       </a:pPr>
                       <a:r>
-                        <a:rPr lang="en-US" sz="1400" dirty="0">
+                        <a:rPr lang="en-US" sz="1500" dirty="0">
                           <a:effectLst/>
                         </a:rPr>
                         <a:t>Sensor glucose quartiles</a:t>
                       </a:r>
-                      <a:endParaRPr lang="en-US" sz="1400" dirty="0">
-                        <a:effectLst/>
-                        <a:latin typeface="Calibri" panose="020F0502020204030204" pitchFamily="34" charset="0"/>
-                        <a:ea typeface="Calibri" panose="020F0502020204030204" pitchFamily="34" charset="0"/>
-                        <a:cs typeface="Times New Roman" panose="02020603050405020304" pitchFamily="18" charset="0"/>
-                      </a:endParaRPr>
                     </a:p>
                     <a:p>
                       <a:pPr marL="0" marR="0" lvl="0" indent="0" algn="l" defTabSz="1371600" rtl="0" eaLnBrk="1" fontAlgn="auto" latinLnBrk="0" hangingPunct="1">
@@ -5992,12 +5986,12 @@
                         <a:defRPr/>
                       </a:pPr>
                       <a:r>
-                        <a:rPr lang="en-US" sz="1400" dirty="0">
+                        <a:rPr lang="en-US" sz="1500" dirty="0">
                           <a:effectLst/>
                         </a:rPr>
                         <a:t>Variables above for daytime and nighttime periods</a:t>
                       </a:r>
-                      <a:endParaRPr lang="en-US" sz="1400" dirty="0">
+                      <a:endParaRPr lang="en-US" sz="1500" dirty="0">
                         <a:effectLst/>
                         <a:latin typeface="Calibri" panose="020F0502020204030204" pitchFamily="34" charset="0"/>
                         <a:ea typeface="Calibri" panose="020F0502020204030204" pitchFamily="34" charset="0"/>
@@ -6037,12 +6031,12 @@
                         <a:defRPr/>
                       </a:pPr>
                       <a:r>
-                        <a:rPr lang="en-US" sz="1400" dirty="0">
+                        <a:rPr lang="en-US" sz="1500" dirty="0">
                           <a:effectLst/>
                         </a:rPr>
                         <a:t>Estimated A1c (eA1c)</a:t>
                       </a:r>
-                      <a:endParaRPr lang="en-US" sz="1400" dirty="0">
+                      <a:endParaRPr lang="en-US" sz="1500" dirty="0">
                         <a:effectLst/>
                         <a:latin typeface="Calibri" panose="020F0502020204030204" pitchFamily="34" charset="0"/>
                         <a:ea typeface="Calibri" panose="020F0502020204030204" pitchFamily="34" charset="0"/>
@@ -6082,12 +6076,12 @@
                         <a:defRPr/>
                       </a:pPr>
                       <a:r>
-                        <a:rPr lang="en-US" sz="1400" dirty="0">
+                        <a:rPr lang="en-US" sz="1500" dirty="0">
                           <a:effectLst/>
                         </a:rPr>
                         <a:t>Glucose management indicator (GMI)</a:t>
                       </a:r>
-                      <a:endParaRPr lang="en-US" sz="1400" dirty="0">
+                      <a:endParaRPr lang="en-US" sz="1500" dirty="0">
                         <a:effectLst/>
                         <a:latin typeface="Calibri" panose="020F0502020204030204" pitchFamily="34" charset="0"/>
                         <a:ea typeface="Calibri" panose="020F0502020204030204" pitchFamily="34" charset="0"/>
@@ -6127,12 +6121,12 @@
                         <a:defRPr/>
                       </a:pPr>
                       <a:r>
-                        <a:rPr lang="en-US" sz="1400" dirty="0">
+                        <a:rPr lang="en-US" sz="1500" dirty="0">
                           <a:effectLst/>
                         </a:rPr>
                         <a:t>Excursions, minutes and % time above/below threshold</a:t>
                       </a:r>
-                      <a:endParaRPr lang="en-US" sz="1400" dirty="0">
+                      <a:endParaRPr lang="en-US" sz="1500" dirty="0">
                         <a:effectLst/>
                         <a:latin typeface="Calibri" panose="020F0502020204030204" pitchFamily="34" charset="0"/>
                         <a:ea typeface="Calibri" panose="020F0502020204030204" pitchFamily="34" charset="0"/>
@@ -6172,24 +6166,24 @@
                         <a:defRPr/>
                       </a:pPr>
                       <a:r>
-                        <a:rPr lang="en-US" sz="1400" dirty="0">
+                        <a:rPr lang="en-US" sz="1500" dirty="0">
                           <a:effectLst/>
                         </a:rPr>
                         <a:t>Minutes and % time in range (70 – 180 mg/</a:t>
                       </a:r>
                       <a:r>
-                        <a:rPr lang="en-US" sz="1400" dirty="0" err="1">
+                        <a:rPr lang="en-US" sz="1500" dirty="0" err="1">
                           <a:effectLst/>
                         </a:rPr>
                         <a:t>dL</a:t>
                       </a:r>
                       <a:r>
-                        <a:rPr lang="en-US" sz="1400" dirty="0">
+                        <a:rPr lang="en-US" sz="1500" dirty="0">
                           <a:effectLst/>
                         </a:rPr>
                         <a:t>)</a:t>
                       </a:r>
-                      <a:endParaRPr lang="en-US" sz="1400" dirty="0">
+                      <a:endParaRPr lang="en-US" sz="1500" dirty="0">
                         <a:effectLst/>
                         <a:latin typeface="Calibri" panose="020F0502020204030204" pitchFamily="34" charset="0"/>
                         <a:ea typeface="Calibri" panose="020F0502020204030204" pitchFamily="34" charset="0"/>
@@ -6229,12 +6223,12 @@
                         <a:defRPr/>
                       </a:pPr>
                       <a:r>
-                        <a:rPr lang="en-US" sz="1400" dirty="0">
+                        <a:rPr lang="en-US" sz="1500" dirty="0">
                           <a:effectLst/>
                         </a:rPr>
                         <a:t>Area under the curve (trapezoidal rule)</a:t>
                       </a:r>
-                      <a:endParaRPr lang="en-US" sz="1400" dirty="0">
+                      <a:endParaRPr lang="en-US" sz="1500" dirty="0">
                         <a:effectLst/>
                         <a:latin typeface="Calibri" panose="020F0502020204030204" pitchFamily="34" charset="0"/>
                         <a:ea typeface="Calibri" panose="020F0502020204030204" pitchFamily="34" charset="0"/>
@@ -6274,12 +6268,12 @@
                         <a:defRPr/>
                       </a:pPr>
                       <a:r>
-                        <a:rPr lang="en-US" sz="1400" dirty="0">
+                        <a:rPr lang="en-US" sz="1500" dirty="0">
                           <a:effectLst/>
                         </a:rPr>
                         <a:t>Mean amplitude of glycemic excursions (MAGE)</a:t>
                       </a:r>
-                      <a:endParaRPr lang="en-US" sz="1400" dirty="0">
+                      <a:endParaRPr lang="en-US" sz="1500" dirty="0">
                         <a:effectLst/>
                         <a:latin typeface="Calibri" panose="020F0502020204030204" pitchFamily="34" charset="0"/>
                         <a:ea typeface="Calibri" panose="020F0502020204030204" pitchFamily="34" charset="0"/>
@@ -6302,7 +6296,7 @@
                     <a:lstStyle/>
                     <a:p>
                       <a:r>
-                        <a:rPr lang="en-US" sz="1400" dirty="0"/>
+                        <a:rPr lang="en-US" sz="1500" dirty="0"/>
                         <a:t>J index</a:t>
                       </a:r>
                     </a:p>
@@ -6339,12 +6333,12 @@
                         <a:defRPr/>
                       </a:pPr>
                       <a:r>
-                        <a:rPr lang="en-US" sz="1400" dirty="0">
+                        <a:rPr lang="en-US" sz="1500" dirty="0">
                           <a:effectLst/>
                         </a:rPr>
                         <a:t>Continuous overall net glycemic action (CONGA) </a:t>
                       </a:r>
-                      <a:endParaRPr lang="en-US" sz="1400" dirty="0">
+                      <a:endParaRPr lang="en-US" sz="1500" dirty="0">
                         <a:effectLst/>
                         <a:latin typeface="Calibri" panose="020F0502020204030204" pitchFamily="34" charset="0"/>
                         <a:ea typeface="Calibri" panose="020F0502020204030204" pitchFamily="34" charset="0"/>
@@ -6384,12 +6378,12 @@
                         <a:defRPr/>
                       </a:pPr>
                       <a:r>
-                        <a:rPr lang="en-US" sz="1400" dirty="0">
+                        <a:rPr lang="en-US" sz="1500" dirty="0">
                           <a:effectLst/>
                         </a:rPr>
                         <a:t>Mean of daily differences (MODD)</a:t>
                       </a:r>
-                      <a:endParaRPr lang="en-US" sz="1400" dirty="0">
+                      <a:endParaRPr lang="en-US" sz="1500" dirty="0">
                         <a:effectLst/>
                         <a:latin typeface="Calibri" panose="020F0502020204030204" pitchFamily="34" charset="0"/>
                         <a:ea typeface="Calibri" panose="020F0502020204030204" pitchFamily="34" charset="0"/>
@@ -6429,12 +6423,12 @@
                         <a:defRPr/>
                       </a:pPr>
                       <a:r>
-                        <a:rPr lang="en-US" sz="1400" dirty="0">
+                        <a:rPr lang="en-US" sz="1500" dirty="0">
                           <a:effectLst/>
                         </a:rPr>
                         <a:t>Low blood glucose index (LBGI)</a:t>
                       </a:r>
-                      <a:endParaRPr lang="en-US" sz="1400" dirty="0">
+                      <a:endParaRPr lang="en-US" sz="1500" dirty="0">
                         <a:effectLst/>
                         <a:latin typeface="Calibri" panose="020F0502020204030204" pitchFamily="34" charset="0"/>
                         <a:ea typeface="Calibri" panose="020F0502020204030204" pitchFamily="34" charset="0"/>
@@ -6465,12 +6459,12 @@
                         </a:spcAft>
                       </a:pPr>
                       <a:r>
-                        <a:rPr lang="en-US" sz="1400" dirty="0">
+                        <a:rPr lang="en-US" sz="1500" dirty="0">
                           <a:effectLst/>
                         </a:rPr>
                         <a:t>High blood glucose index (HBGI)</a:t>
                       </a:r>
-                      <a:endParaRPr lang="en-US" sz="1400" dirty="0">
+                      <a:endParaRPr lang="en-US" sz="1500" dirty="0">
                         <a:effectLst/>
                         <a:latin typeface="Calibri" panose="020F0502020204030204" pitchFamily="34" charset="0"/>
                         <a:ea typeface="Calibri" panose="020F0502020204030204" pitchFamily="34" charset="0"/>
@@ -6490,52 +6484,6 @@
           </a:graphicData>
         </a:graphic>
       </p:graphicFrame>
-      <p:sp>
-        <p:nvSpPr>
-          <p:cNvPr id="29" name="TextBox 28">
-            <a:extLst>
-              <a:ext uri="{FF2B5EF4-FFF2-40B4-BE49-F238E27FC236}">
-                <a16:creationId xmlns:a16="http://schemas.microsoft.com/office/drawing/2014/main" id="{92FF74A4-6389-CF41-8B9A-15084598CF67}"/>
-              </a:ext>
-            </a:extLst>
-          </p:cNvPr>
-          <p:cNvSpPr txBox="1"/>
-          <p:nvPr/>
-        </p:nvSpPr>
-        <p:spPr>
-          <a:xfrm>
-            <a:off x="5451327" y="12541726"/>
-            <a:ext cx="2813348" cy="1015663"/>
-          </a:xfrm>
-          <a:prstGeom prst="rect">
-            <a:avLst/>
-          </a:prstGeom>
-          <a:noFill/>
-        </p:spPr>
-        <p:txBody>
-          <a:bodyPr wrap="square" rtlCol="0">
-            <a:spAutoFit/>
-          </a:bodyPr>
-          <a:lstStyle/>
-          <a:p>
-            <a:r>
-              <a:rPr lang="en-US" dirty="0"/>
-              <a:t>Download the Package Here or on CRAN (“</a:t>
-            </a:r>
-            <a:r>
-              <a:rPr lang="en-US" dirty="0" err="1"/>
-              <a:t>cgmanalysis</a:t>
-            </a:r>
-            <a:r>
-              <a:rPr lang="en-US" dirty="0"/>
-              <a:t>”):</a:t>
-            </a:r>
-          </a:p>
-          <a:p>
-            <a:endParaRPr lang="en-US" sz="2400" u="sng" dirty="0"/>
-          </a:p>
-        </p:txBody>
-      </p:sp>
       <p:pic>
         <p:nvPicPr>
           <p:cNvPr id="35" name="Picture 34">
@@ -6558,8 +6506,8 @@
         </p:blipFill>
         <p:spPr>
           <a:xfrm>
-            <a:off x="6326155" y="13365406"/>
-            <a:ext cx="855407" cy="855407"/>
+            <a:off x="11848412" y="384020"/>
+            <a:ext cx="1446549" cy="1446549"/>
           </a:xfrm>
           <a:prstGeom prst="rect">
             <a:avLst/>
@@ -6587,7 +6535,7 @@
         </p:blipFill>
         <p:spPr>
           <a:xfrm>
-            <a:off x="421039" y="1313128"/>
+            <a:off x="421039" y="1235961"/>
             <a:ext cx="1568696" cy="395989"/>
           </a:xfrm>
           <a:prstGeom prst="rect">

--- a/CGM Code/ATTD Poster.pptx
+++ b/CGM Code/ATTD Poster.pptx
@@ -3425,7 +3425,7 @@
         <p:spPr>
           <a:xfrm>
             <a:off x="754946" y="482421"/>
-            <a:ext cx="12206108" cy="1446550"/>
+            <a:ext cx="12206108" cy="1323439"/>
           </a:xfrm>
           <a:prstGeom prst="rect">
             <a:avLst/>
@@ -3440,7 +3440,7 @@
           <a:p>
             <a:pPr algn="ctr"/>
             <a:r>
-              <a:rPr lang="en-US" sz="4400" dirty="0">
+              <a:rPr lang="en-US" sz="4000" dirty="0">
                 <a:latin typeface="Helvetica Neue" panose="02000503000000020004" pitchFamily="2" charset="0"/>
                 <a:ea typeface="Helvetica Neue" panose="02000503000000020004" pitchFamily="2" charset="0"/>
                 <a:cs typeface="Helvetica Neue" panose="02000503000000020004" pitchFamily="2" charset="0"/>
@@ -3451,7 +3451,7 @@
           <a:p>
             <a:pPr algn="ctr"/>
             <a:r>
-              <a:rPr lang="en-US" sz="4400" dirty="0">
+              <a:rPr lang="en-US" sz="4000" dirty="0">
                 <a:latin typeface="Helvetica Neue" panose="02000503000000020004" pitchFamily="2" charset="0"/>
                 <a:ea typeface="Helvetica Neue" panose="02000503000000020004" pitchFamily="2" charset="0"/>
                 <a:cs typeface="Helvetica Neue" panose="02000503000000020004" pitchFamily="2" charset="0"/>
@@ -3475,8 +3475,8 @@
         </p:nvSpPr>
         <p:spPr>
           <a:xfrm>
-            <a:off x="2761977" y="1979851"/>
-            <a:ext cx="7983764" cy="707886"/>
+            <a:off x="423186" y="1879936"/>
+            <a:ext cx="12869626" cy="1908215"/>
           </a:xfrm>
           <a:prstGeom prst="rect">
             <a:avLst/>
@@ -3491,23 +3491,55 @@
           <a:p>
             <a:pPr algn="ctr"/>
             <a:r>
-              <a:rPr lang="en-US" sz="2000" dirty="0">
+              <a:rPr lang="en-US" sz="2200" dirty="0">
                 <a:latin typeface="Helvetica Neue" panose="02000503000000020004" pitchFamily="2" charset="0"/>
                 <a:ea typeface="Helvetica Neue" panose="02000503000000020004" pitchFamily="2" charset="0"/>
                 <a:cs typeface="Helvetica Neue" panose="02000503000000020004" pitchFamily="2" charset="0"/>
               </a:rPr>
-              <a:t>Tim Vigers, Christine L. Chan, Janet Snell-</a:t>
-            </a:r>
-            <a:r>
-              <a:rPr lang="en-US" sz="2000" dirty="0" err="1">
+              <a:t>Tim Vigers</a:t>
+            </a:r>
+            <a:r>
+              <a:rPr lang="en-US" sz="2200" baseline="30000" dirty="0">
                 <a:latin typeface="Helvetica Neue" panose="02000503000000020004" pitchFamily="2" charset="0"/>
                 <a:ea typeface="Helvetica Neue" panose="02000503000000020004" pitchFamily="2" charset="0"/>
                 <a:cs typeface="Helvetica Neue" panose="02000503000000020004" pitchFamily="2" charset="0"/>
               </a:rPr>
-              <a:t>Bergeon</a:t>
-            </a:r>
-            <a:r>
-              <a:rPr lang="en-US" sz="2000" dirty="0">
+              <a:t>1,2,3</a:t>
+            </a:r>
+            <a:r>
+              <a:rPr lang="en-US" sz="2200" dirty="0">
+                <a:latin typeface="Helvetica Neue" panose="02000503000000020004" pitchFamily="2" charset="0"/>
+                <a:ea typeface="Helvetica Neue" panose="02000503000000020004" pitchFamily="2" charset="0"/>
+                <a:cs typeface="Helvetica Neue" panose="02000503000000020004" pitchFamily="2" charset="0"/>
+              </a:rPr>
+              <a:t>, Christine L. Chan</a:t>
+            </a:r>
+            <a:r>
+              <a:rPr lang="en-US" sz="2200" baseline="30000" dirty="0">
+                <a:latin typeface="Helvetica Neue" panose="02000503000000020004" pitchFamily="2" charset="0"/>
+                <a:ea typeface="Helvetica Neue" panose="02000503000000020004" pitchFamily="2" charset="0"/>
+                <a:cs typeface="Helvetica Neue" panose="02000503000000020004" pitchFamily="2" charset="0"/>
+              </a:rPr>
+              <a:t>1</a:t>
+            </a:r>
+            <a:r>
+              <a:rPr lang="en-US" sz="2200" dirty="0">
+                <a:latin typeface="Helvetica Neue" panose="02000503000000020004" pitchFamily="2" charset="0"/>
+                <a:ea typeface="Helvetica Neue" panose="02000503000000020004" pitchFamily="2" charset="0"/>
+                <a:cs typeface="Helvetica Neue" panose="02000503000000020004" pitchFamily="2" charset="0"/>
+              </a:rPr>
+              <a:t>, Janet Snell-Bergeon</a:t>
+            </a:r>
+            <a:r>
+              <a:rPr lang="en-US" sz="2200" baseline="30000" dirty="0">
+                <a:latin typeface="Helvetica Neue" panose="02000503000000020004" pitchFamily="2" charset="0"/>
+                <a:ea typeface="Helvetica Neue" panose="02000503000000020004" pitchFamily="2" charset="0"/>
+                <a:cs typeface="Helvetica Neue" panose="02000503000000020004" pitchFamily="2" charset="0"/>
+              </a:rPr>
+              <a:t>2</a:t>
+            </a:r>
+            <a:r>
+              <a:rPr lang="en-US" sz="2200" dirty="0">
                 <a:latin typeface="Helvetica Neue" panose="02000503000000020004" pitchFamily="2" charset="0"/>
                 <a:ea typeface="Helvetica Neue" panose="02000503000000020004" pitchFamily="2" charset="0"/>
                 <a:cs typeface="Helvetica Neue" panose="02000503000000020004" pitchFamily="2" charset="0"/>
@@ -3515,7 +3547,7 @@
               <a:t>, </a:t>
             </a:r>
             <a:r>
-              <a:rPr lang="en-US" sz="2000" dirty="0" err="1">
+              <a:rPr lang="en-US" sz="2200" dirty="0" err="1">
                 <a:latin typeface="Helvetica Neue" panose="02000503000000020004" pitchFamily="2" charset="0"/>
                 <a:ea typeface="Helvetica Neue" panose="02000503000000020004" pitchFamily="2" charset="0"/>
                 <a:cs typeface="Helvetica Neue" panose="02000503000000020004" pitchFamily="2" charset="0"/>
@@ -3523,60 +3555,114 @@
               <a:t>Petter</a:t>
             </a:r>
             <a:r>
-              <a:rPr lang="en-US" sz="2000" dirty="0">
+              <a:rPr lang="en-US" sz="2200" dirty="0">
                 <a:latin typeface="Helvetica Neue" panose="02000503000000020004" pitchFamily="2" charset="0"/>
                 <a:ea typeface="Helvetica Neue" panose="02000503000000020004" pitchFamily="2" charset="0"/>
                 <a:cs typeface="Helvetica Neue" panose="02000503000000020004" pitchFamily="2" charset="0"/>
               </a:rPr>
-              <a:t> </a:t>
-            </a:r>
-            <a:r>
-              <a:rPr lang="en-US" sz="2000" dirty="0" err="1">
+              <a:t> Bjørnstad</a:t>
+            </a:r>
+            <a:r>
+              <a:rPr lang="en-US" sz="2200" baseline="30000" dirty="0">
                 <a:latin typeface="Helvetica Neue" panose="02000503000000020004" pitchFamily="2" charset="0"/>
                 <a:ea typeface="Helvetica Neue" panose="02000503000000020004" pitchFamily="2" charset="0"/>
                 <a:cs typeface="Helvetica Neue" panose="02000503000000020004" pitchFamily="2" charset="0"/>
               </a:rPr>
-              <a:t>Bjørnstad</a:t>
-            </a:r>
-            <a:r>
-              <a:rPr lang="en-US" sz="2000" dirty="0">
+              <a:t>1</a:t>
+            </a:r>
+            <a:r>
+              <a:rPr lang="en-US" sz="2200" dirty="0">
                 <a:latin typeface="Helvetica Neue" panose="02000503000000020004" pitchFamily="2" charset="0"/>
                 <a:ea typeface="Helvetica Neue" panose="02000503000000020004" pitchFamily="2" charset="0"/>
                 <a:cs typeface="Helvetica Neue" panose="02000503000000020004" pitchFamily="2" charset="0"/>
               </a:rPr>
-              <a:t>, Philip S. </a:t>
-            </a:r>
-            <a:r>
-              <a:rPr lang="en-US" sz="2000" dirty="0" err="1">
+              <a:t>, </a:t>
+            </a:r>
+          </a:p>
+          <a:p>
+            <a:pPr algn="ctr"/>
+            <a:r>
+              <a:rPr lang="en-US" sz="2200" dirty="0">
                 <a:latin typeface="Helvetica Neue" panose="02000503000000020004" pitchFamily="2" charset="0"/>
                 <a:ea typeface="Helvetica Neue" panose="02000503000000020004" pitchFamily="2" charset="0"/>
                 <a:cs typeface="Helvetica Neue" panose="02000503000000020004" pitchFamily="2" charset="0"/>
               </a:rPr>
-              <a:t>Zeitler</a:t>
-            </a:r>
-            <a:r>
-              <a:rPr lang="en-US" sz="2000" dirty="0">
+              <a:t>Philip S. Zeitler</a:t>
+            </a:r>
+            <a:r>
+              <a:rPr lang="en-US" sz="2200" baseline="30000" dirty="0">
                 <a:latin typeface="Helvetica Neue" panose="02000503000000020004" pitchFamily="2" charset="0"/>
                 <a:ea typeface="Helvetica Neue" panose="02000503000000020004" pitchFamily="2" charset="0"/>
                 <a:cs typeface="Helvetica Neue" panose="02000503000000020004" pitchFamily="2" charset="0"/>
               </a:rPr>
-              <a:t>, Gregory </a:t>
-            </a:r>
-            <a:r>
-              <a:rPr lang="en-US" sz="2000" dirty="0" err="1">
+              <a:t>1</a:t>
+            </a:r>
+            <a:r>
+              <a:rPr lang="en-US" sz="2200" dirty="0">
                 <a:latin typeface="Helvetica Neue" panose="02000503000000020004" pitchFamily="2" charset="0"/>
                 <a:ea typeface="Helvetica Neue" panose="02000503000000020004" pitchFamily="2" charset="0"/>
                 <a:cs typeface="Helvetica Neue" panose="02000503000000020004" pitchFamily="2" charset="0"/>
               </a:rPr>
-              <a:t>Forlenza</a:t>
-            </a:r>
-            <a:r>
-              <a:rPr lang="en-US" sz="2000" dirty="0">
+              <a:t>, Gregory Forlenza</a:t>
+            </a:r>
+            <a:r>
+              <a:rPr lang="en-US" sz="2200" baseline="30000" dirty="0">
+                <a:latin typeface="Helvetica Neue" panose="02000503000000020004" pitchFamily="2" charset="0"/>
+                <a:ea typeface="Helvetica Neue" panose="02000503000000020004" pitchFamily="2" charset="0"/>
+                <a:cs typeface="Helvetica Neue" panose="02000503000000020004" pitchFamily="2" charset="0"/>
+              </a:rPr>
+              <a:t>2</a:t>
+            </a:r>
+            <a:r>
+              <a:rPr lang="en-US" sz="2200" dirty="0">
                 <a:latin typeface="Helvetica Neue" panose="02000503000000020004" pitchFamily="2" charset="0"/>
                 <a:ea typeface="Helvetica Neue" panose="02000503000000020004" pitchFamily="2" charset="0"/>
                 <a:cs typeface="Helvetica Neue" panose="02000503000000020004" pitchFamily="2" charset="0"/>
               </a:rPr>
               <a:t>, Laura Pyle</a:t>
+            </a:r>
+            <a:r>
+              <a:rPr lang="en-US" sz="2200" baseline="30000" dirty="0">
+                <a:latin typeface="Helvetica Neue" panose="02000503000000020004" pitchFamily="2" charset="0"/>
+                <a:ea typeface="Helvetica Neue" panose="02000503000000020004" pitchFamily="2" charset="0"/>
+                <a:cs typeface="Helvetica Neue" panose="02000503000000020004" pitchFamily="2" charset="0"/>
+              </a:rPr>
+              <a:t>1,2,3</a:t>
+            </a:r>
+          </a:p>
+          <a:p>
+            <a:pPr algn="ctr"/>
+            <a:endParaRPr lang="en-US" sz="2000" dirty="0">
+              <a:latin typeface="Helvetica Neue" panose="02000503000000020004" pitchFamily="2" charset="0"/>
+              <a:ea typeface="Helvetica Neue" panose="02000503000000020004" pitchFamily="2" charset="0"/>
+              <a:cs typeface="Helvetica Neue" panose="02000503000000020004" pitchFamily="2" charset="0"/>
+            </a:endParaRPr>
+          </a:p>
+          <a:p>
+            <a:pPr marL="342900" indent="-342900">
+              <a:buAutoNum type="arabicPeriod"/>
+            </a:pPr>
+            <a:r>
+              <a:rPr lang="en-US" dirty="0"/>
+              <a:t>Department of Pediatric Endocrinology, University of Colorado School of Medicine, Aurora, Colorado, United States</a:t>
+            </a:r>
+          </a:p>
+          <a:p>
+            <a:pPr marL="342900" indent="-342900">
+              <a:buAutoNum type="arabicPeriod"/>
+            </a:pPr>
+            <a:r>
+              <a:rPr lang="en-US" dirty="0"/>
+              <a:t>Barbara Davis Center, Aurora, Colorado, United States</a:t>
+            </a:r>
+          </a:p>
+          <a:p>
+            <a:pPr marL="342900" indent="-342900">
+              <a:buAutoNum type="arabicPeriod"/>
+            </a:pPr>
+            <a:r>
+              <a:rPr lang="en-US" dirty="0"/>
+              <a:t>Department of Biostatistics and Informatics, Colorado School of Public Health  </a:t>
             </a:r>
           </a:p>
         </p:txBody>
@@ -3595,7 +3681,7 @@
         </p:nvSpPr>
         <p:spPr>
           <a:xfrm>
-            <a:off x="878916" y="3024867"/>
+            <a:off x="774775" y="3891209"/>
             <a:ext cx="5979084" cy="3477875"/>
           </a:xfrm>
           <a:prstGeom prst="rect">
@@ -3664,8 +3750,8 @@
         </p:nvSpPr>
         <p:spPr>
           <a:xfrm>
-            <a:off x="6858000" y="3071586"/>
-            <a:ext cx="5979084" cy="3816429"/>
+            <a:off x="6857999" y="3888683"/>
+            <a:ext cx="6103053" cy="3857483"/>
           </a:xfrm>
           <a:prstGeom prst="rect">
             <a:avLst/>
@@ -3743,7 +3829,7 @@
         </p:blipFill>
         <p:spPr bwMode="auto">
           <a:xfrm>
-            <a:off x="3758367" y="7418509"/>
+            <a:off x="3758367" y="7665653"/>
             <a:ext cx="3325104" cy="2710676"/>
           </a:xfrm>
           <a:prstGeom prst="rect">
@@ -3784,7 +3870,7 @@
         </p:blipFill>
         <p:spPr bwMode="auto">
           <a:xfrm>
-            <a:off x="421039" y="7398109"/>
+            <a:off x="421039" y="7645253"/>
             <a:ext cx="3369292" cy="2516026"/>
           </a:xfrm>
           <a:prstGeom prst="rect">
@@ -3825,7 +3911,7 @@
         </p:blipFill>
         <p:spPr bwMode="auto">
           <a:xfrm>
-            <a:off x="421039" y="9764863"/>
+            <a:off x="421039" y="10012007"/>
             <a:ext cx="6332945" cy="2422657"/>
           </a:xfrm>
           <a:prstGeom prst="rect">
@@ -3856,13 +3942,13 @@
           <p:nvPr>
             <p:extLst>
               <p:ext uri="{D42A27DB-BD31-4B8C-83A1-F6EECF244321}">
-                <p14:modId xmlns:p14="http://schemas.microsoft.com/office/powerpoint/2010/main" val="2475652460"/>
+                <p14:modId xmlns:p14="http://schemas.microsoft.com/office/powerpoint/2010/main" val="144759160"/>
               </p:ext>
             </p:extLst>
           </p:nvPr>
         </p:nvGraphicFramePr>
         <p:xfrm>
-          <a:off x="2472923" y="12177240"/>
+          <a:off x="2472923" y="12424384"/>
           <a:ext cx="2229175" cy="1577611"/>
         </p:xfrm>
         <a:graphic>
@@ -4959,7 +5045,7 @@
         </p:nvSpPr>
         <p:spPr>
           <a:xfrm>
-            <a:off x="754946" y="6921204"/>
+            <a:off x="754946" y="7168348"/>
             <a:ext cx="6103054" cy="461665"/>
           </a:xfrm>
           <a:prstGeom prst="rect">
@@ -5010,7 +5096,7 @@
         </p:blipFill>
         <p:spPr>
           <a:xfrm>
-            <a:off x="7221533" y="7382869"/>
+            <a:off x="7221533" y="8173715"/>
             <a:ext cx="3423655" cy="2531266"/>
           </a:xfrm>
           <a:prstGeom prst="rect">
@@ -5043,7 +5129,7 @@
         </p:blipFill>
         <p:spPr>
           <a:xfrm>
-            <a:off x="10649672" y="7382869"/>
+            <a:off x="10649672" y="8173715"/>
             <a:ext cx="2645289" cy="2516026"/>
           </a:xfrm>
           <a:prstGeom prst="rect">
@@ -5077,7 +5163,7 @@
         </p:blipFill>
         <p:spPr>
           <a:xfrm>
-            <a:off x="7083471" y="9898895"/>
+            <a:off x="7083471" y="10689741"/>
             <a:ext cx="6207195" cy="2048507"/>
           </a:xfrm>
           <a:prstGeom prst="rect">
@@ -5100,13 +5186,13 @@
           <p:nvPr>
             <p:extLst>
               <p:ext uri="{D42A27DB-BD31-4B8C-83A1-F6EECF244321}">
-                <p14:modId xmlns:p14="http://schemas.microsoft.com/office/powerpoint/2010/main" val="1562206840"/>
+                <p14:modId xmlns:p14="http://schemas.microsoft.com/office/powerpoint/2010/main" val="3227421241"/>
               </p:ext>
             </p:extLst>
           </p:nvPr>
         </p:nvGraphicFramePr>
         <p:xfrm>
-          <a:off x="8948817" y="12177240"/>
+          <a:off x="8948817" y="12781587"/>
           <a:ext cx="2476502" cy="1220408"/>
         </p:xfrm>
         <a:graphic>
@@ -5555,7 +5641,7 @@
         </p:nvSpPr>
         <p:spPr>
           <a:xfrm>
-            <a:off x="6753859" y="6905964"/>
+            <a:off x="6753859" y="7696810"/>
             <a:ext cx="6207195" cy="461665"/>
           </a:xfrm>
           <a:prstGeom prst="rect">
@@ -5595,7 +5681,7 @@
         </p:nvSpPr>
         <p:spPr>
           <a:xfrm>
-            <a:off x="754946" y="14177605"/>
+            <a:off x="754946" y="14266422"/>
             <a:ext cx="5998913" cy="2462213"/>
           </a:xfrm>
           <a:prstGeom prst="rect">
@@ -5651,7 +5737,7 @@
         </p:nvSpPr>
         <p:spPr>
           <a:xfrm>
-            <a:off x="753192" y="16951360"/>
+            <a:off x="753192" y="16941321"/>
             <a:ext cx="6074277" cy="1785104"/>
           </a:xfrm>
           <a:prstGeom prst="rect">
@@ -5698,13 +5784,13 @@
           <p:nvPr>
             <p:extLst>
               <p:ext uri="{D42A27DB-BD31-4B8C-83A1-F6EECF244321}">
-                <p14:modId xmlns:p14="http://schemas.microsoft.com/office/powerpoint/2010/main" val="3357927018"/>
+                <p14:modId xmlns:p14="http://schemas.microsoft.com/office/powerpoint/2010/main" val="1843366870"/>
               </p:ext>
             </p:extLst>
           </p:nvPr>
         </p:nvGraphicFramePr>
         <p:xfrm>
-          <a:off x="7938857" y="14002034"/>
+          <a:off x="7938857" y="14249670"/>
           <a:ext cx="4496422" cy="4879860"/>
         </p:xfrm>
         <a:graphic>

--- a/CGM Code/ATTD Poster.pptx
+++ b/CGM Code/ATTD Poster.pptx
@@ -164,7 +164,7 @@
             </a:lvl1pPr>
           </a:lstStyle>
           <a:p>
-            <a:endParaRPr lang="en-US"/>
+            <a:endParaRPr lang="en-US" dirty="0"/>
           </a:p>
         </p:txBody>
       </p:sp>
@@ -197,9 +197,9 @@
           <a:p>
             <a:fld id="{4801DB59-44AE-D049-9C20-02C1342334BE}" type="datetimeFigureOut">
               <a:rPr lang="en-US" smtClean="0"/>
-              <a:t>2/4/19</a:t>
+              <a:t>2/5/19</a:t>
             </a:fld>
-            <a:endParaRPr lang="en-US"/>
+            <a:endParaRPr lang="en-US" dirty="0"/>
           </a:p>
         </p:txBody>
       </p:sp>
@@ -232,7 +232,7 @@
           <a:bodyPr vert="horz" lIns="91440" tIns="45720" rIns="91440" bIns="45720" rtlCol="0" anchor="ctr"/>
           <a:lstStyle/>
           <a:p>
-            <a:endParaRPr lang="en-US"/>
+            <a:endParaRPr lang="en-US" dirty="0"/>
           </a:p>
         </p:txBody>
       </p:sp>
@@ -322,7 +322,7 @@
             </a:lvl1pPr>
           </a:lstStyle>
           <a:p>
-            <a:endParaRPr lang="en-US"/>
+            <a:endParaRPr lang="en-US" dirty="0"/>
           </a:p>
         </p:txBody>
       </p:sp>
@@ -357,7 +357,7 @@
               <a:rPr lang="en-US" smtClean="0"/>
               <a:t>‹#›</a:t>
             </a:fld>
-            <a:endParaRPr lang="en-US"/>
+            <a:endParaRPr lang="en-US" dirty="0"/>
           </a:p>
         </p:txBody>
       </p:sp>
@@ -531,7 +531,7 @@
               <a:rPr lang="en-US" smtClean="0"/>
               <a:t>1</a:t>
             </a:fld>
-            <a:endParaRPr lang="en-US"/>
+            <a:endParaRPr lang="en-US" dirty="0"/>
           </a:p>
         </p:txBody>
       </p:sp>
@@ -679,9 +679,9 @@
           <a:p>
             <a:fld id="{7E74D001-90D5-8A47-9CFD-DDAC29B64CD5}" type="datetimeFigureOut">
               <a:rPr lang="en-US" smtClean="0"/>
-              <a:t>2/4/19</a:t>
+              <a:t>2/5/19</a:t>
             </a:fld>
-            <a:endParaRPr lang="en-US"/>
+            <a:endParaRPr lang="en-US" dirty="0"/>
           </a:p>
         </p:txBody>
       </p:sp>
@@ -700,7 +700,7 @@
           <a:bodyPr/>
           <a:lstStyle/>
           <a:p>
-            <a:endParaRPr lang="en-US"/>
+            <a:endParaRPr lang="en-US" dirty="0"/>
           </a:p>
         </p:txBody>
       </p:sp>
@@ -723,7 +723,7 @@
               <a:rPr lang="en-US" smtClean="0"/>
               <a:t>‹#›</a:t>
             </a:fld>
-            <a:endParaRPr lang="en-US"/>
+            <a:endParaRPr lang="en-US" dirty="0"/>
           </a:p>
         </p:txBody>
       </p:sp>
@@ -849,9 +849,9 @@
           <a:p>
             <a:fld id="{7E74D001-90D5-8A47-9CFD-DDAC29B64CD5}" type="datetimeFigureOut">
               <a:rPr lang="en-US" smtClean="0"/>
-              <a:t>2/4/19</a:t>
+              <a:t>2/5/19</a:t>
             </a:fld>
-            <a:endParaRPr lang="en-US"/>
+            <a:endParaRPr lang="en-US" dirty="0"/>
           </a:p>
         </p:txBody>
       </p:sp>
@@ -870,7 +870,7 @@
           <a:bodyPr/>
           <a:lstStyle/>
           <a:p>
-            <a:endParaRPr lang="en-US"/>
+            <a:endParaRPr lang="en-US" dirty="0"/>
           </a:p>
         </p:txBody>
       </p:sp>
@@ -893,7 +893,7 @@
               <a:rPr lang="en-US" smtClean="0"/>
               <a:t>‹#›</a:t>
             </a:fld>
-            <a:endParaRPr lang="en-US"/>
+            <a:endParaRPr lang="en-US" dirty="0"/>
           </a:p>
         </p:txBody>
       </p:sp>
@@ -1029,9 +1029,9 @@
           <a:p>
             <a:fld id="{7E74D001-90D5-8A47-9CFD-DDAC29B64CD5}" type="datetimeFigureOut">
               <a:rPr lang="en-US" smtClean="0"/>
-              <a:t>2/4/19</a:t>
+              <a:t>2/5/19</a:t>
             </a:fld>
-            <a:endParaRPr lang="en-US"/>
+            <a:endParaRPr lang="en-US" dirty="0"/>
           </a:p>
         </p:txBody>
       </p:sp>
@@ -1050,7 +1050,7 @@
           <a:bodyPr/>
           <a:lstStyle/>
           <a:p>
-            <a:endParaRPr lang="en-US"/>
+            <a:endParaRPr lang="en-US" dirty="0"/>
           </a:p>
         </p:txBody>
       </p:sp>
@@ -1073,7 +1073,7 @@
               <a:rPr lang="en-US" smtClean="0"/>
               <a:t>‹#›</a:t>
             </a:fld>
-            <a:endParaRPr lang="en-US"/>
+            <a:endParaRPr lang="en-US" dirty="0"/>
           </a:p>
         </p:txBody>
       </p:sp>
@@ -1199,9 +1199,9 @@
           <a:p>
             <a:fld id="{7E74D001-90D5-8A47-9CFD-DDAC29B64CD5}" type="datetimeFigureOut">
               <a:rPr lang="en-US" smtClean="0"/>
-              <a:t>2/4/19</a:t>
+              <a:t>2/5/19</a:t>
             </a:fld>
-            <a:endParaRPr lang="en-US"/>
+            <a:endParaRPr lang="en-US" dirty="0"/>
           </a:p>
         </p:txBody>
       </p:sp>
@@ -1220,7 +1220,7 @@
           <a:bodyPr/>
           <a:lstStyle/>
           <a:p>
-            <a:endParaRPr lang="en-US"/>
+            <a:endParaRPr lang="en-US" dirty="0"/>
           </a:p>
         </p:txBody>
       </p:sp>
@@ -1243,7 +1243,7 @@
               <a:rPr lang="en-US" smtClean="0"/>
               <a:t>‹#›</a:t>
             </a:fld>
-            <a:endParaRPr lang="en-US"/>
+            <a:endParaRPr lang="en-US" dirty="0"/>
           </a:p>
         </p:txBody>
       </p:sp>
@@ -1443,9 +1443,9 @@
           <a:p>
             <a:fld id="{7E74D001-90D5-8A47-9CFD-DDAC29B64CD5}" type="datetimeFigureOut">
               <a:rPr lang="en-US" smtClean="0"/>
-              <a:t>2/4/19</a:t>
+              <a:t>2/5/19</a:t>
             </a:fld>
-            <a:endParaRPr lang="en-US"/>
+            <a:endParaRPr lang="en-US" dirty="0"/>
           </a:p>
         </p:txBody>
       </p:sp>
@@ -1464,7 +1464,7 @@
           <a:bodyPr/>
           <a:lstStyle/>
           <a:p>
-            <a:endParaRPr lang="en-US"/>
+            <a:endParaRPr lang="en-US" dirty="0"/>
           </a:p>
         </p:txBody>
       </p:sp>
@@ -1487,7 +1487,7 @@
               <a:rPr lang="en-US" smtClean="0"/>
               <a:t>‹#›</a:t>
             </a:fld>
-            <a:endParaRPr lang="en-US"/>
+            <a:endParaRPr lang="en-US" dirty="0"/>
           </a:p>
         </p:txBody>
       </p:sp>
@@ -1675,9 +1675,9 @@
           <a:p>
             <a:fld id="{7E74D001-90D5-8A47-9CFD-DDAC29B64CD5}" type="datetimeFigureOut">
               <a:rPr lang="en-US" smtClean="0"/>
-              <a:t>2/4/19</a:t>
+              <a:t>2/5/19</a:t>
             </a:fld>
-            <a:endParaRPr lang="en-US"/>
+            <a:endParaRPr lang="en-US" dirty="0"/>
           </a:p>
         </p:txBody>
       </p:sp>
@@ -1696,7 +1696,7 @@
           <a:bodyPr/>
           <a:lstStyle/>
           <a:p>
-            <a:endParaRPr lang="en-US"/>
+            <a:endParaRPr lang="en-US" dirty="0"/>
           </a:p>
         </p:txBody>
       </p:sp>
@@ -1719,7 +1719,7 @@
               <a:rPr lang="en-US" smtClean="0"/>
               <a:t>‹#›</a:t>
             </a:fld>
-            <a:endParaRPr lang="en-US"/>
+            <a:endParaRPr lang="en-US" dirty="0"/>
           </a:p>
         </p:txBody>
       </p:sp>
@@ -2042,9 +2042,9 @@
           <a:p>
             <a:fld id="{7E74D001-90D5-8A47-9CFD-DDAC29B64CD5}" type="datetimeFigureOut">
               <a:rPr lang="en-US" smtClean="0"/>
-              <a:t>2/4/19</a:t>
+              <a:t>2/5/19</a:t>
             </a:fld>
-            <a:endParaRPr lang="en-US"/>
+            <a:endParaRPr lang="en-US" dirty="0"/>
           </a:p>
         </p:txBody>
       </p:sp>
@@ -2063,7 +2063,7 @@
           <a:bodyPr/>
           <a:lstStyle/>
           <a:p>
-            <a:endParaRPr lang="en-US"/>
+            <a:endParaRPr lang="en-US" dirty="0"/>
           </a:p>
         </p:txBody>
       </p:sp>
@@ -2086,7 +2086,7 @@
               <a:rPr lang="en-US" smtClean="0"/>
               <a:t>‹#›</a:t>
             </a:fld>
-            <a:endParaRPr lang="en-US"/>
+            <a:endParaRPr lang="en-US" dirty="0"/>
           </a:p>
         </p:txBody>
       </p:sp>
@@ -2160,9 +2160,9 @@
           <a:p>
             <a:fld id="{7E74D001-90D5-8A47-9CFD-DDAC29B64CD5}" type="datetimeFigureOut">
               <a:rPr lang="en-US" smtClean="0"/>
-              <a:t>2/4/19</a:t>
+              <a:t>2/5/19</a:t>
             </a:fld>
-            <a:endParaRPr lang="en-US"/>
+            <a:endParaRPr lang="en-US" dirty="0"/>
           </a:p>
         </p:txBody>
       </p:sp>
@@ -2181,7 +2181,7 @@
           <a:bodyPr/>
           <a:lstStyle/>
           <a:p>
-            <a:endParaRPr lang="en-US"/>
+            <a:endParaRPr lang="en-US" dirty="0"/>
           </a:p>
         </p:txBody>
       </p:sp>
@@ -2204,7 +2204,7 @@
               <a:rPr lang="en-US" smtClean="0"/>
               <a:t>‹#›</a:t>
             </a:fld>
-            <a:endParaRPr lang="en-US"/>
+            <a:endParaRPr lang="en-US" dirty="0"/>
           </a:p>
         </p:txBody>
       </p:sp>
@@ -2255,9 +2255,9 @@
           <a:p>
             <a:fld id="{7E74D001-90D5-8A47-9CFD-DDAC29B64CD5}" type="datetimeFigureOut">
               <a:rPr lang="en-US" smtClean="0"/>
-              <a:t>2/4/19</a:t>
+              <a:t>2/5/19</a:t>
             </a:fld>
-            <a:endParaRPr lang="en-US"/>
+            <a:endParaRPr lang="en-US" dirty="0"/>
           </a:p>
         </p:txBody>
       </p:sp>
@@ -2276,7 +2276,7 @@
           <a:bodyPr/>
           <a:lstStyle/>
           <a:p>
-            <a:endParaRPr lang="en-US"/>
+            <a:endParaRPr lang="en-US" dirty="0"/>
           </a:p>
         </p:txBody>
       </p:sp>
@@ -2299,7 +2299,7 @@
               <a:rPr lang="en-US" smtClean="0"/>
               <a:t>‹#›</a:t>
             </a:fld>
-            <a:endParaRPr lang="en-US"/>
+            <a:endParaRPr lang="en-US" dirty="0"/>
           </a:p>
         </p:txBody>
       </p:sp>
@@ -2532,9 +2532,9 @@
           <a:p>
             <a:fld id="{7E74D001-90D5-8A47-9CFD-DDAC29B64CD5}" type="datetimeFigureOut">
               <a:rPr lang="en-US" smtClean="0"/>
-              <a:t>2/4/19</a:t>
+              <a:t>2/5/19</a:t>
             </a:fld>
-            <a:endParaRPr lang="en-US"/>
+            <a:endParaRPr lang="en-US" dirty="0"/>
           </a:p>
         </p:txBody>
       </p:sp>
@@ -2553,7 +2553,7 @@
           <a:bodyPr/>
           <a:lstStyle/>
           <a:p>
-            <a:endParaRPr lang="en-US"/>
+            <a:endParaRPr lang="en-US" dirty="0"/>
           </a:p>
         </p:txBody>
       </p:sp>
@@ -2576,7 +2576,7 @@
               <a:rPr lang="en-US" smtClean="0"/>
               <a:t>‹#›</a:t>
             </a:fld>
-            <a:endParaRPr lang="en-US"/>
+            <a:endParaRPr lang="en-US" dirty="0"/>
           </a:p>
         </p:txBody>
       </p:sp>
@@ -2700,10 +2700,9 @@
           </a:lstStyle>
           <a:p>
             <a:r>
-              <a:rPr lang="en-US"/>
+              <a:rPr lang="en-US" dirty="0"/>
               <a:t>Click icon to add picture</a:t>
             </a:r>
-            <a:endParaRPr lang="en-US" dirty="0"/>
           </a:p>
         </p:txBody>
       </p:sp>
@@ -2789,9 +2788,9 @@
           <a:p>
             <a:fld id="{7E74D001-90D5-8A47-9CFD-DDAC29B64CD5}" type="datetimeFigureOut">
               <a:rPr lang="en-US" smtClean="0"/>
-              <a:t>2/4/19</a:t>
+              <a:t>2/5/19</a:t>
             </a:fld>
-            <a:endParaRPr lang="en-US"/>
+            <a:endParaRPr lang="en-US" dirty="0"/>
           </a:p>
         </p:txBody>
       </p:sp>
@@ -2810,7 +2809,7 @@
           <a:bodyPr/>
           <a:lstStyle/>
           <a:p>
-            <a:endParaRPr lang="en-US"/>
+            <a:endParaRPr lang="en-US" dirty="0"/>
           </a:p>
         </p:txBody>
       </p:sp>
@@ -2833,7 +2832,7 @@
               <a:rPr lang="en-US" smtClean="0"/>
               <a:t>‹#›</a:t>
             </a:fld>
-            <a:endParaRPr lang="en-US"/>
+            <a:endParaRPr lang="en-US" dirty="0"/>
           </a:p>
         </p:txBody>
       </p:sp>
@@ -3005,9 +3004,9 @@
           <a:p>
             <a:fld id="{7E74D001-90D5-8A47-9CFD-DDAC29B64CD5}" type="datetimeFigureOut">
               <a:rPr lang="en-US" smtClean="0"/>
-              <a:t>2/4/19</a:t>
+              <a:t>2/5/19</a:t>
             </a:fld>
-            <a:endParaRPr lang="en-US"/>
+            <a:endParaRPr lang="en-US" dirty="0"/>
           </a:p>
         </p:txBody>
       </p:sp>
@@ -3044,7 +3043,7 @@
             </a:lvl1pPr>
           </a:lstStyle>
           <a:p>
-            <a:endParaRPr lang="en-US"/>
+            <a:endParaRPr lang="en-US" dirty="0"/>
           </a:p>
         </p:txBody>
       </p:sp>
@@ -3085,7 +3084,7 @@
               <a:rPr lang="en-US" smtClean="0"/>
               <a:t>‹#›</a:t>
             </a:fld>
-            <a:endParaRPr lang="en-US"/>
+            <a:endParaRPr lang="en-US" dirty="0"/>
           </a:p>
         </p:txBody>
       </p:sp>
@@ -3544,23 +3543,7 @@
                 <a:ea typeface="Helvetica Neue" panose="02000503000000020004" pitchFamily="2" charset="0"/>
                 <a:cs typeface="Helvetica Neue" panose="02000503000000020004" pitchFamily="2" charset="0"/>
               </a:rPr>
-              <a:t>, </a:t>
-            </a:r>
-            <a:r>
-              <a:rPr lang="en-US" sz="2200" dirty="0" err="1">
-                <a:latin typeface="Helvetica Neue" panose="02000503000000020004" pitchFamily="2" charset="0"/>
-                <a:ea typeface="Helvetica Neue" panose="02000503000000020004" pitchFamily="2" charset="0"/>
-                <a:cs typeface="Helvetica Neue" panose="02000503000000020004" pitchFamily="2" charset="0"/>
-              </a:rPr>
-              <a:t>Petter</a:t>
-            </a:r>
-            <a:r>
-              <a:rPr lang="en-US" sz="2200" dirty="0">
-                <a:latin typeface="Helvetica Neue" panose="02000503000000020004" pitchFamily="2" charset="0"/>
-                <a:ea typeface="Helvetica Neue" panose="02000503000000020004" pitchFamily="2" charset="0"/>
-                <a:cs typeface="Helvetica Neue" panose="02000503000000020004" pitchFamily="2" charset="0"/>
-              </a:rPr>
-              <a:t> Bjørnstad</a:t>
+              <a:t>, Petter Bjørnstad</a:t>
             </a:r>
             <a:r>
               <a:rPr lang="en-US" sz="2200" baseline="30000" dirty="0">
@@ -3681,8 +3664,8 @@
         </p:nvSpPr>
         <p:spPr>
           <a:xfrm>
-            <a:off x="774775" y="3891209"/>
-            <a:ext cx="5979084" cy="3477875"/>
+            <a:off x="423186" y="3891209"/>
+            <a:ext cx="6330673" cy="3477875"/>
           </a:xfrm>
           <a:prstGeom prst="rect">
             <a:avLst/>
@@ -3750,8 +3733,8 @@
         </p:nvSpPr>
         <p:spPr>
           <a:xfrm>
-            <a:off x="6857999" y="3888683"/>
-            <a:ext cx="6103053" cy="3857483"/>
+            <a:off x="7221533" y="3888683"/>
+            <a:ext cx="5739519" cy="3857483"/>
           </a:xfrm>
           <a:prstGeom prst="rect">
             <a:avLst/>
@@ -3991,7 +3974,7 @@
                           <a:spcPct val="107000"/>
                         </a:lnSpc>
                       </a:pPr>
-                      <a:endParaRPr lang="en-US" sz="800">
+                      <a:endParaRPr lang="en-US" sz="800" dirty="0">
                         <a:effectLst/>
                         <a:latin typeface="Calibri" panose="020F0502020204030204" pitchFamily="34" charset="0"/>
                         <a:cs typeface="Times New Roman" panose="02020603050405020304" pitchFamily="18" charset="0"/>
@@ -4017,12 +4000,12 @@
                         </a:spcAft>
                       </a:pPr>
                       <a:r>
-                        <a:rPr lang="en-US" sz="800">
+                        <a:rPr lang="en-US" sz="800" dirty="0">
                           <a:effectLst/>
                         </a:rPr>
                         <a:t>cgmanalysis</a:t>
                       </a:r>
-                      <a:endParaRPr lang="en-US" sz="800">
+                      <a:endParaRPr lang="en-US" sz="800" dirty="0">
                         <a:effectLst/>
                         <a:latin typeface="Times New Roman" panose="02020603050405020304" pitchFamily="18" charset="0"/>
                         <a:ea typeface="Times New Roman" panose="02020603050405020304" pitchFamily="18" charset="0"/>
@@ -4049,12 +4032,12 @@
                         </a:spcAft>
                       </a:pPr>
                       <a:r>
-                        <a:rPr lang="en-US" sz="800">
+                        <a:rPr lang="en-US" sz="800" dirty="0">
                           <a:effectLst/>
                         </a:rPr>
                         <a:t>iPro </a:t>
                       </a:r>
-                      <a:endParaRPr lang="en-US" sz="800">
+                      <a:endParaRPr lang="en-US" sz="800" dirty="0">
                         <a:effectLst/>
                         <a:latin typeface="Times New Roman" panose="02020603050405020304" pitchFamily="18" charset="0"/>
                         <a:ea typeface="Times New Roman" panose="02020603050405020304" pitchFamily="18" charset="0"/>
@@ -4088,12 +4071,12 @@
                         </a:spcAft>
                       </a:pPr>
                       <a:r>
-                        <a:rPr lang="en-US" sz="800">
+                        <a:rPr lang="en-US" sz="800" dirty="0">
                           <a:effectLst/>
                         </a:rPr>
                         <a:t># Sensor Values </a:t>
                       </a:r>
-                      <a:endParaRPr lang="en-US" sz="800">
+                      <a:endParaRPr lang="en-US" sz="800" dirty="0">
                         <a:effectLst/>
                         <a:latin typeface="Times New Roman" panose="02020603050405020304" pitchFamily="18" charset="0"/>
                         <a:ea typeface="Times New Roman" panose="02020603050405020304" pitchFamily="18" charset="0"/>
@@ -4120,12 +4103,12 @@
                         </a:spcAft>
                       </a:pPr>
                       <a:r>
-                        <a:rPr lang="en-US" sz="800">
+                        <a:rPr lang="en-US" sz="800" dirty="0">
                           <a:effectLst/>
                         </a:rPr>
                         <a:t>2000</a:t>
                       </a:r>
-                      <a:endParaRPr lang="en-US" sz="800">
+                      <a:endParaRPr lang="en-US" sz="800" dirty="0">
                         <a:effectLst/>
                         <a:latin typeface="Times New Roman" panose="02020603050405020304" pitchFamily="18" charset="0"/>
                         <a:ea typeface="Times New Roman" panose="02020603050405020304" pitchFamily="18" charset="0"/>
@@ -4191,12 +4174,12 @@
                         </a:spcAft>
                       </a:pPr>
                       <a:r>
-                        <a:rPr lang="en-US" sz="800">
+                        <a:rPr lang="en-US" sz="800" dirty="0">
                           <a:effectLst/>
                         </a:rPr>
                         <a:t>Highest </a:t>
                       </a:r>
-                      <a:endParaRPr lang="en-US" sz="800">
+                      <a:endParaRPr lang="en-US" sz="800" dirty="0">
                         <a:effectLst/>
                         <a:latin typeface="Times New Roman" panose="02020603050405020304" pitchFamily="18" charset="0"/>
                         <a:ea typeface="Times New Roman" panose="02020603050405020304" pitchFamily="18" charset="0"/>
@@ -4223,12 +4206,12 @@
                         </a:spcAft>
                       </a:pPr>
                       <a:r>
-                        <a:rPr lang="en-US" sz="800">
+                        <a:rPr lang="en-US" sz="800" dirty="0">
                           <a:effectLst/>
                         </a:rPr>
                         <a:t>282</a:t>
                       </a:r>
-                      <a:endParaRPr lang="en-US" sz="800">
+                      <a:endParaRPr lang="en-US" sz="800" dirty="0">
                         <a:effectLst/>
                         <a:latin typeface="Times New Roman" panose="02020603050405020304" pitchFamily="18" charset="0"/>
                         <a:ea typeface="Times New Roman" panose="02020603050405020304" pitchFamily="18" charset="0"/>
@@ -4294,12 +4277,12 @@
                         </a:spcAft>
                       </a:pPr>
                       <a:r>
-                        <a:rPr lang="en-US" sz="800">
+                        <a:rPr lang="en-US" sz="800" dirty="0">
                           <a:effectLst/>
                         </a:rPr>
                         <a:t>Lowest </a:t>
                       </a:r>
-                      <a:endParaRPr lang="en-US" sz="800">
+                      <a:endParaRPr lang="en-US" sz="800" dirty="0">
                         <a:effectLst/>
                         <a:latin typeface="Times New Roman" panose="02020603050405020304" pitchFamily="18" charset="0"/>
                         <a:ea typeface="Times New Roman" panose="02020603050405020304" pitchFamily="18" charset="0"/>
@@ -4326,12 +4309,12 @@
                         </a:spcAft>
                       </a:pPr>
                       <a:r>
-                        <a:rPr lang="en-US" sz="800">
+                        <a:rPr lang="en-US" sz="800" dirty="0">
                           <a:effectLst/>
                         </a:rPr>
                         <a:t>70</a:t>
                       </a:r>
-                      <a:endParaRPr lang="en-US" sz="800">
+                      <a:endParaRPr lang="en-US" sz="800" dirty="0">
                         <a:effectLst/>
                         <a:latin typeface="Times New Roman" panose="02020603050405020304" pitchFamily="18" charset="0"/>
                         <a:ea typeface="Times New Roman" panose="02020603050405020304" pitchFamily="18" charset="0"/>
@@ -4397,12 +4380,12 @@
                         </a:spcAft>
                       </a:pPr>
                       <a:r>
-                        <a:rPr lang="en-US" sz="800">
+                        <a:rPr lang="en-US" sz="800" dirty="0">
                           <a:effectLst/>
                         </a:rPr>
                         <a:t>Average </a:t>
                       </a:r>
-                      <a:endParaRPr lang="en-US" sz="800">
+                      <a:endParaRPr lang="en-US" sz="800" dirty="0">
                         <a:effectLst/>
                         <a:latin typeface="Times New Roman" panose="02020603050405020304" pitchFamily="18" charset="0"/>
                         <a:ea typeface="Times New Roman" panose="02020603050405020304" pitchFamily="18" charset="0"/>
@@ -4500,12 +4483,12 @@
                         </a:spcAft>
                       </a:pPr>
                       <a:r>
-                        <a:rPr lang="en-US" sz="800">
+                        <a:rPr lang="en-US" sz="800" dirty="0">
                           <a:effectLst/>
                         </a:rPr>
                         <a:t>Standard Dev </a:t>
                       </a:r>
-                      <a:endParaRPr lang="en-US" sz="800">
+                      <a:endParaRPr lang="en-US" sz="800" dirty="0">
                         <a:effectLst/>
                         <a:latin typeface="Times New Roman" panose="02020603050405020304" pitchFamily="18" charset="0"/>
                         <a:ea typeface="Times New Roman" panose="02020603050405020304" pitchFamily="18" charset="0"/>
@@ -4603,12 +4586,12 @@
                         </a:spcAft>
                       </a:pPr>
                       <a:r>
-                        <a:rPr lang="en-US" sz="800">
+                        <a:rPr lang="en-US" sz="800" dirty="0">
                           <a:effectLst/>
                         </a:rPr>
                         <a:t># High Excursions</a:t>
                       </a:r>
-                      <a:endParaRPr lang="en-US" sz="800">
+                      <a:endParaRPr lang="en-US" sz="800" dirty="0">
                         <a:effectLst/>
                         <a:latin typeface="Times New Roman" panose="02020603050405020304" pitchFamily="18" charset="0"/>
                         <a:ea typeface="Times New Roman" panose="02020603050405020304" pitchFamily="18" charset="0"/>
@@ -4706,12 +4689,12 @@
                         </a:spcAft>
                       </a:pPr>
                       <a:r>
-                        <a:rPr lang="en-US" sz="800">
+                        <a:rPr lang="en-US" sz="800" dirty="0">
                           <a:effectLst/>
                         </a:rPr>
                         <a:t># Low Excursions</a:t>
                       </a:r>
-                      <a:endParaRPr lang="en-US" sz="800">
+                      <a:endParaRPr lang="en-US" sz="800" dirty="0">
                         <a:effectLst/>
                         <a:latin typeface="Times New Roman" panose="02020603050405020304" pitchFamily="18" charset="0"/>
                         <a:ea typeface="Times New Roman" panose="02020603050405020304" pitchFamily="18" charset="0"/>
@@ -4738,12 +4721,12 @@
                         </a:spcAft>
                       </a:pPr>
                       <a:r>
-                        <a:rPr lang="en-US" sz="800">
+                        <a:rPr lang="en-US" sz="800" dirty="0">
                           <a:effectLst/>
                         </a:rPr>
                         <a:t>0</a:t>
                       </a:r>
-                      <a:endParaRPr lang="en-US" sz="800">
+                      <a:endParaRPr lang="en-US" sz="800" dirty="0">
                         <a:effectLst/>
                         <a:latin typeface="Times New Roman" panose="02020603050405020304" pitchFamily="18" charset="0"/>
                         <a:ea typeface="Times New Roman" panose="02020603050405020304" pitchFamily="18" charset="0"/>
@@ -4809,12 +4792,12 @@
                         </a:spcAft>
                       </a:pPr>
                       <a:r>
-                        <a:rPr lang="en-US" sz="800">
+                        <a:rPr lang="en-US" sz="800" dirty="0">
                           <a:effectLst/>
                         </a:rPr>
                         <a:t>% Time Above 140</a:t>
                       </a:r>
-                      <a:endParaRPr lang="en-US" sz="800">
+                      <a:endParaRPr lang="en-US" sz="800" dirty="0">
                         <a:effectLst/>
                         <a:latin typeface="Times New Roman" panose="02020603050405020304" pitchFamily="18" charset="0"/>
                         <a:ea typeface="Times New Roman" panose="02020603050405020304" pitchFamily="18" charset="0"/>
@@ -4841,12 +4824,12 @@
                         </a:spcAft>
                       </a:pPr>
                       <a:r>
-                        <a:rPr lang="en-US" sz="800">
+                        <a:rPr lang="en-US" sz="800" dirty="0">
                           <a:effectLst/>
                         </a:rPr>
                         <a:t>24.85</a:t>
                       </a:r>
-                      <a:endParaRPr lang="en-US" sz="800">
+                      <a:endParaRPr lang="en-US" sz="800" dirty="0">
                         <a:effectLst/>
                         <a:latin typeface="Times New Roman" panose="02020603050405020304" pitchFamily="18" charset="0"/>
                         <a:ea typeface="Times New Roman" panose="02020603050405020304" pitchFamily="18" charset="0"/>
@@ -4873,12 +4856,12 @@
                         </a:spcAft>
                       </a:pPr>
                       <a:r>
-                        <a:rPr lang="en-US" sz="800">
+                        <a:rPr lang="en-US" sz="800" dirty="0">
                           <a:effectLst/>
                         </a:rPr>
                         <a:t>24</a:t>
                       </a:r>
-                      <a:endParaRPr lang="en-US" sz="800">
+                      <a:endParaRPr lang="en-US" sz="800" dirty="0">
                         <a:effectLst/>
                         <a:latin typeface="Times New Roman" panose="02020603050405020304" pitchFamily="18" charset="0"/>
                         <a:ea typeface="Times New Roman" panose="02020603050405020304" pitchFamily="18" charset="0"/>
@@ -4944,12 +4927,12 @@
                         </a:spcAft>
                       </a:pPr>
                       <a:r>
-                        <a:rPr lang="en-US" sz="800">
+                        <a:rPr lang="en-US" sz="800" dirty="0">
                           <a:effectLst/>
                         </a:rPr>
                         <a:t>0</a:t>
                       </a:r>
-                      <a:endParaRPr lang="en-US" sz="800">
+                      <a:endParaRPr lang="en-US" sz="800" dirty="0">
                         <a:effectLst/>
                         <a:latin typeface="Times New Roman" panose="02020603050405020304" pitchFamily="18" charset="0"/>
                         <a:ea typeface="Times New Roman" panose="02020603050405020304" pitchFamily="18" charset="0"/>
@@ -5061,12 +5044,8 @@
           <a:p>
             <a:pPr algn="ctr"/>
             <a:r>
-              <a:rPr lang="en-US" sz="2400" u="sng" dirty="0" err="1"/>
-              <a:t>cgmanalysis</a:t>
-            </a:r>
-            <a:r>
               <a:rPr lang="en-US" sz="2400" u="sng" dirty="0"/>
-              <a:t> vs. iPro 2</a:t>
+              <a:t>cgmanalysis vs. iPro 2</a:t>
             </a:r>
           </a:p>
         </p:txBody>
@@ -5261,7 +5240,7 @@
                         </a:spcAft>
                       </a:pPr>
                       <a:r>
-                        <a:rPr lang="en-US" sz="1100" dirty="0" err="1">
+                        <a:rPr lang="en-US" sz="1100" dirty="0">
                           <a:effectLst/>
                         </a:rPr>
                         <a:t>cgmanalysis</a:t>
@@ -5332,12 +5311,12 @@
                         </a:spcAft>
                       </a:pPr>
                       <a:r>
-                        <a:rPr lang="en-US" sz="1100">
+                        <a:rPr lang="en-US" sz="1100" dirty="0">
                           <a:effectLst/>
                         </a:rPr>
                         <a:t>Average </a:t>
                       </a:r>
-                      <a:endParaRPr lang="en-US" sz="1100">
+                      <a:endParaRPr lang="en-US" sz="1100" dirty="0">
                         <a:effectLst/>
                         <a:latin typeface="Times New Roman" panose="02020603050405020304" pitchFamily="18" charset="0"/>
                         <a:ea typeface="Times New Roman" panose="02020603050405020304" pitchFamily="18" charset="0"/>
@@ -5538,12 +5517,12 @@
                         </a:spcAft>
                       </a:pPr>
                       <a:r>
-                        <a:rPr lang="en-US" sz="1100">
+                        <a:rPr lang="en-US" sz="1100" dirty="0">
                           <a:effectLst/>
                         </a:rPr>
                         <a:t>Time in Range</a:t>
                       </a:r>
-                      <a:endParaRPr lang="en-US" sz="1100">
+                      <a:endParaRPr lang="en-US" sz="1100" dirty="0">
                         <a:effectLst/>
                         <a:latin typeface="Times New Roman" panose="02020603050405020304" pitchFamily="18" charset="0"/>
                         <a:ea typeface="Times New Roman" panose="02020603050405020304" pitchFamily="18" charset="0"/>
@@ -5657,12 +5636,8 @@
           <a:p>
             <a:pPr algn="ctr"/>
             <a:r>
-              <a:rPr lang="en-US" sz="2400" u="sng" dirty="0" err="1"/>
-              <a:t>cgmanalysis</a:t>
-            </a:r>
-            <a:r>
               <a:rPr lang="en-US" sz="2400" u="sng" dirty="0"/>
-              <a:t> vs. Dexcom Clarity</a:t>
+              <a:t>cgmanalysis vs. Dexcom Clarity</a:t>
             </a:r>
           </a:p>
         </p:txBody>
@@ -5681,8 +5656,8 @@
         </p:nvSpPr>
         <p:spPr>
           <a:xfrm>
-            <a:off x="754946" y="14266422"/>
-            <a:ext cx="5998913" cy="2462213"/>
+            <a:off x="423186" y="14266422"/>
+            <a:ext cx="6330673" cy="2462213"/>
           </a:xfrm>
           <a:prstGeom prst="rect">
             <a:avLst/>
@@ -5737,8 +5712,8 @@
         </p:nvSpPr>
         <p:spPr>
           <a:xfrm>
-            <a:off x="753192" y="16941321"/>
-            <a:ext cx="6074277" cy="1785104"/>
+            <a:off x="423186" y="16941321"/>
+            <a:ext cx="6404283" cy="1785104"/>
           </a:xfrm>
           <a:prstGeom prst="rect">
             <a:avLst/>
@@ -5769,807 +5744,6 @@
           </a:p>
         </p:txBody>
       </p:sp>
-      <p:graphicFrame>
-        <p:nvGraphicFramePr>
-          <p:cNvPr id="8" name="Table 7">
-            <a:extLst>
-              <a:ext uri="{FF2B5EF4-FFF2-40B4-BE49-F238E27FC236}">
-                <a16:creationId xmlns:a16="http://schemas.microsoft.com/office/drawing/2014/main" id="{780815A4-F311-C84E-8ECE-D7761A89B092}"/>
-              </a:ext>
-            </a:extLst>
-          </p:cNvPr>
-          <p:cNvGraphicFramePr>
-            <a:graphicFrameLocks noGrp="1"/>
-          </p:cNvGraphicFramePr>
-          <p:nvPr>
-            <p:extLst>
-              <p:ext uri="{D42A27DB-BD31-4B8C-83A1-F6EECF244321}">
-                <p14:modId xmlns:p14="http://schemas.microsoft.com/office/powerpoint/2010/main" val="1843366870"/>
-              </p:ext>
-            </p:extLst>
-          </p:nvPr>
-        </p:nvGraphicFramePr>
-        <p:xfrm>
-          <a:off x="7938857" y="14249670"/>
-          <a:ext cx="4496422" cy="4879860"/>
-        </p:xfrm>
-        <a:graphic>
-          <a:graphicData uri="http://schemas.openxmlformats.org/drawingml/2006/table">
-            <a:tbl>
-              <a:tblPr firstRow="1" bandRow="1">
-                <a:tableStyleId>{5C22544A-7EE6-4342-B048-85BDC9FD1C3A}</a:tableStyleId>
-              </a:tblPr>
-              <a:tblGrid>
-                <a:gridCol w="4496422">
-                  <a:extLst>
-                    <a:ext uri="{9D8B030D-6E8A-4147-A177-3AD203B41FA5}">
-                      <a16:colId xmlns:a16="http://schemas.microsoft.com/office/drawing/2014/main" val="1935579932"/>
-                    </a:ext>
-                  </a:extLst>
-                </a:gridCol>
-              </a:tblGrid>
-              <a:tr h="216123">
-                <a:tc>
-                  <a:txBody>
-                    <a:bodyPr/>
-                    <a:lstStyle/>
-                    <a:p>
-                      <a:pPr marL="0" marR="0" lvl="0" indent="0" algn="l" defTabSz="1371600" rtl="0" eaLnBrk="1" fontAlgn="auto" latinLnBrk="0" hangingPunct="1">
-                        <a:lnSpc>
-                          <a:spcPct val="100000"/>
-                        </a:lnSpc>
-                        <a:spcBef>
-                          <a:spcPts val="0"/>
-                        </a:spcBef>
-                        <a:spcAft>
-                          <a:spcPts val="0"/>
-                        </a:spcAft>
-                        <a:buClrTx/>
-                        <a:buSzTx/>
-                        <a:buFontTx/>
-                        <a:buNone/>
-                        <a:tabLst/>
-                        <a:defRPr/>
-                      </a:pPr>
-                      <a:r>
-                        <a:rPr lang="en-US" sz="1500" dirty="0">
-                          <a:effectLst/>
-                        </a:rPr>
-                        <a:t>Calculated Variables</a:t>
-                      </a:r>
-                      <a:endParaRPr lang="en-US" sz="1500" dirty="0">
-                        <a:effectLst/>
-                        <a:latin typeface="Calibri" panose="020F0502020204030204" pitchFamily="34" charset="0"/>
-                        <a:ea typeface="Calibri" panose="020F0502020204030204" pitchFamily="34" charset="0"/>
-                        <a:cs typeface="Times New Roman" panose="02020603050405020304" pitchFamily="18" charset="0"/>
-                      </a:endParaRPr>
-                    </a:p>
-                  </a:txBody>
-                  <a:tcPr marL="21989" marR="21989" marT="10995" marB="10995"/>
-                </a:tc>
-                <a:extLst>
-                  <a:ext uri="{0D108BD9-81ED-4DB2-BD59-A6C34878D82A}">
-                    <a16:rowId xmlns:a16="http://schemas.microsoft.com/office/drawing/2014/main" val="2353713372"/>
-                  </a:ext>
-                </a:extLst>
-              </a:tr>
-              <a:tr h="216123">
-                <a:tc>
-                  <a:txBody>
-                    <a:bodyPr/>
-                    <a:lstStyle/>
-                    <a:p>
-                      <a:pPr marL="0" marR="0" lvl="0" indent="0" algn="l" defTabSz="1371600" rtl="0" eaLnBrk="1" fontAlgn="auto" latinLnBrk="0" hangingPunct="1">
-                        <a:lnSpc>
-                          <a:spcPct val="100000"/>
-                        </a:lnSpc>
-                        <a:spcBef>
-                          <a:spcPts val="0"/>
-                        </a:spcBef>
-                        <a:spcAft>
-                          <a:spcPts val="0"/>
-                        </a:spcAft>
-                        <a:buClrTx/>
-                        <a:buSzTx/>
-                        <a:buFontTx/>
-                        <a:buNone/>
-                        <a:tabLst/>
-                        <a:defRPr/>
-                      </a:pPr>
-                      <a:r>
-                        <a:rPr lang="en-US" sz="1500" b="0" dirty="0">
-                          <a:effectLst/>
-                        </a:rPr>
-                        <a:t>Percent CGM wear</a:t>
-                      </a:r>
-                      <a:endParaRPr lang="en-US" sz="1500" b="0" dirty="0">
-                        <a:effectLst/>
-                        <a:latin typeface="Calibri" panose="020F0502020204030204" pitchFamily="34" charset="0"/>
-                        <a:ea typeface="Calibri" panose="020F0502020204030204" pitchFamily="34" charset="0"/>
-                        <a:cs typeface="Times New Roman" panose="02020603050405020304" pitchFamily="18" charset="0"/>
-                      </a:endParaRPr>
-                    </a:p>
-                  </a:txBody>
-                  <a:tcPr marL="21989" marR="21989" marT="10995" marB="10995"/>
-                </a:tc>
-                <a:extLst>
-                  <a:ext uri="{0D108BD9-81ED-4DB2-BD59-A6C34878D82A}">
-                    <a16:rowId xmlns:a16="http://schemas.microsoft.com/office/drawing/2014/main" val="1244946589"/>
-                  </a:ext>
-                </a:extLst>
-              </a:tr>
-              <a:tr h="1391700">
-                <a:tc>
-                  <a:txBody>
-                    <a:bodyPr/>
-                    <a:lstStyle/>
-                    <a:p>
-                      <a:pPr marL="0" marR="0" lvl="0" indent="0" algn="l" defTabSz="1371600" rtl="0" eaLnBrk="1" fontAlgn="auto" latinLnBrk="0" hangingPunct="1">
-                        <a:lnSpc>
-                          <a:spcPct val="100000"/>
-                        </a:lnSpc>
-                        <a:spcBef>
-                          <a:spcPts val="0"/>
-                        </a:spcBef>
-                        <a:spcAft>
-                          <a:spcPts val="0"/>
-                        </a:spcAft>
-                        <a:buClrTx/>
-                        <a:buSzTx/>
-                        <a:buFontTx/>
-                        <a:buNone/>
-                        <a:tabLst/>
-                        <a:defRPr/>
-                      </a:pPr>
-                      <a:r>
-                        <a:rPr lang="en-US" sz="1500" dirty="0">
-                          <a:effectLst/>
-                        </a:rPr>
-                        <a:t>Average sensor glucose</a:t>
-                      </a:r>
-                    </a:p>
-                    <a:p>
-                      <a:pPr marL="0" marR="0" lvl="0" indent="0" algn="l" defTabSz="1371600" rtl="0" eaLnBrk="1" fontAlgn="auto" latinLnBrk="0" hangingPunct="1">
-                        <a:lnSpc>
-                          <a:spcPct val="100000"/>
-                        </a:lnSpc>
-                        <a:spcBef>
-                          <a:spcPts val="0"/>
-                        </a:spcBef>
-                        <a:spcAft>
-                          <a:spcPts val="0"/>
-                        </a:spcAft>
-                        <a:buClrTx/>
-                        <a:buSzTx/>
-                        <a:buFontTx/>
-                        <a:buNone/>
-                        <a:tabLst/>
-                        <a:defRPr/>
-                      </a:pPr>
-                      <a:r>
-                        <a:rPr lang="en-US" sz="1500" dirty="0">
-                          <a:effectLst/>
-                        </a:rPr>
-                        <a:t>Sensor glucose standard deviation</a:t>
-                      </a:r>
-                    </a:p>
-                    <a:p>
-                      <a:pPr marL="0" marR="0" lvl="0" indent="0" algn="l" defTabSz="1371600" rtl="0" eaLnBrk="1" fontAlgn="auto" latinLnBrk="0" hangingPunct="1">
-                        <a:lnSpc>
-                          <a:spcPct val="100000"/>
-                        </a:lnSpc>
-                        <a:spcBef>
-                          <a:spcPts val="0"/>
-                        </a:spcBef>
-                        <a:spcAft>
-                          <a:spcPts val="0"/>
-                        </a:spcAft>
-                        <a:buClrTx/>
-                        <a:buSzTx/>
-                        <a:buFontTx/>
-                        <a:buNone/>
-                        <a:tabLst/>
-                        <a:defRPr/>
-                      </a:pPr>
-                      <a:r>
-                        <a:rPr lang="en-US" sz="1500" dirty="0">
-                          <a:effectLst/>
-                        </a:rPr>
-                        <a:t>Sensor glucose coefficient of variation</a:t>
-                      </a:r>
-                    </a:p>
-                    <a:p>
-                      <a:pPr marL="0" marR="0" lvl="0" indent="0" algn="l" defTabSz="1371600" rtl="0" eaLnBrk="1" fontAlgn="auto" latinLnBrk="0" hangingPunct="1">
-                        <a:lnSpc>
-                          <a:spcPct val="100000"/>
-                        </a:lnSpc>
-                        <a:spcBef>
-                          <a:spcPts val="0"/>
-                        </a:spcBef>
-                        <a:spcAft>
-                          <a:spcPts val="0"/>
-                        </a:spcAft>
-                        <a:buClrTx/>
-                        <a:buSzTx/>
-                        <a:buFontTx/>
-                        <a:buNone/>
-                        <a:tabLst/>
-                        <a:defRPr/>
-                      </a:pPr>
-                      <a:r>
-                        <a:rPr lang="en-US" sz="1500" dirty="0">
-                          <a:effectLst/>
-                        </a:rPr>
-                        <a:t>Minimum sensor glucose</a:t>
-                      </a:r>
-                    </a:p>
-                    <a:p>
-                      <a:pPr marL="0" marR="0" lvl="0" indent="0" algn="l" defTabSz="1371600" rtl="0" eaLnBrk="1" fontAlgn="auto" latinLnBrk="0" hangingPunct="1">
-                        <a:lnSpc>
-                          <a:spcPct val="100000"/>
-                        </a:lnSpc>
-                        <a:spcBef>
-                          <a:spcPts val="0"/>
-                        </a:spcBef>
-                        <a:spcAft>
-                          <a:spcPts val="0"/>
-                        </a:spcAft>
-                        <a:buClrTx/>
-                        <a:buSzTx/>
-                        <a:buFontTx/>
-                        <a:buNone/>
-                        <a:tabLst/>
-                        <a:defRPr/>
-                      </a:pPr>
-                      <a:r>
-                        <a:rPr lang="en-US" sz="1500" dirty="0">
-                          <a:effectLst/>
-                        </a:rPr>
-                        <a:t>Maximum sensor glucose </a:t>
-                      </a:r>
-                    </a:p>
-                    <a:p>
-                      <a:pPr marL="0" marR="0" lvl="0" indent="0" algn="l" defTabSz="1371600" rtl="0" eaLnBrk="1" fontAlgn="auto" latinLnBrk="0" hangingPunct="1">
-                        <a:lnSpc>
-                          <a:spcPct val="100000"/>
-                        </a:lnSpc>
-                        <a:spcBef>
-                          <a:spcPts val="0"/>
-                        </a:spcBef>
-                        <a:spcAft>
-                          <a:spcPts val="0"/>
-                        </a:spcAft>
-                        <a:buClrTx/>
-                        <a:buSzTx/>
-                        <a:buFontTx/>
-                        <a:buNone/>
-                        <a:tabLst/>
-                        <a:defRPr/>
-                      </a:pPr>
-                      <a:r>
-                        <a:rPr lang="en-US" sz="1500" dirty="0">
-                          <a:effectLst/>
-                        </a:rPr>
-                        <a:t>Sensor glucose quartiles</a:t>
-                      </a:r>
-                    </a:p>
-                    <a:p>
-                      <a:pPr marL="0" marR="0" lvl="0" indent="0" algn="l" defTabSz="1371600" rtl="0" eaLnBrk="1" fontAlgn="auto" latinLnBrk="0" hangingPunct="1">
-                        <a:lnSpc>
-                          <a:spcPct val="100000"/>
-                        </a:lnSpc>
-                        <a:spcBef>
-                          <a:spcPts val="0"/>
-                        </a:spcBef>
-                        <a:spcAft>
-                          <a:spcPts val="0"/>
-                        </a:spcAft>
-                        <a:buClrTx/>
-                        <a:buSzTx/>
-                        <a:buFontTx/>
-                        <a:buNone/>
-                        <a:tabLst/>
-                        <a:defRPr/>
-                      </a:pPr>
-                      <a:r>
-                        <a:rPr lang="en-US" sz="1500" dirty="0">
-                          <a:effectLst/>
-                        </a:rPr>
-                        <a:t>Variables above for daytime and nighttime periods</a:t>
-                      </a:r>
-                      <a:endParaRPr lang="en-US" sz="1500" dirty="0">
-                        <a:effectLst/>
-                        <a:latin typeface="Calibri" panose="020F0502020204030204" pitchFamily="34" charset="0"/>
-                        <a:ea typeface="Calibri" panose="020F0502020204030204" pitchFamily="34" charset="0"/>
-                        <a:cs typeface="Times New Roman" panose="02020603050405020304" pitchFamily="18" charset="0"/>
-                      </a:endParaRPr>
-                    </a:p>
-                  </a:txBody>
-                  <a:tcPr marL="21989" marR="21989" marT="10995" marB="10995"/>
-                </a:tc>
-                <a:extLst>
-                  <a:ext uri="{0D108BD9-81ED-4DB2-BD59-A6C34878D82A}">
-                    <a16:rowId xmlns:a16="http://schemas.microsoft.com/office/drawing/2014/main" val="2657130882"/>
-                  </a:ext>
-                </a:extLst>
-              </a:tr>
-              <a:tr h="216123">
-                <a:tc>
-                  <a:txBody>
-                    <a:bodyPr/>
-                    <a:lstStyle/>
-                    <a:p>
-                      <a:pPr marL="0" marR="0" lvl="0" indent="0" algn="l" defTabSz="1371600" rtl="0" eaLnBrk="1" fontAlgn="auto" latinLnBrk="0" hangingPunct="1">
-                        <a:lnSpc>
-                          <a:spcPct val="100000"/>
-                        </a:lnSpc>
-                        <a:spcBef>
-                          <a:spcPts val="0"/>
-                        </a:spcBef>
-                        <a:spcAft>
-                          <a:spcPts val="0"/>
-                        </a:spcAft>
-                        <a:buClrTx/>
-                        <a:buSzTx/>
-                        <a:buFontTx/>
-                        <a:buNone/>
-                        <a:tabLst/>
-                        <a:defRPr/>
-                      </a:pPr>
-                      <a:r>
-                        <a:rPr lang="en-US" sz="1500" dirty="0">
-                          <a:effectLst/>
-                        </a:rPr>
-                        <a:t>Estimated A1c (eA1c)</a:t>
-                      </a:r>
-                      <a:endParaRPr lang="en-US" sz="1500" dirty="0">
-                        <a:effectLst/>
-                        <a:latin typeface="Calibri" panose="020F0502020204030204" pitchFamily="34" charset="0"/>
-                        <a:ea typeface="Calibri" panose="020F0502020204030204" pitchFamily="34" charset="0"/>
-                        <a:cs typeface="Times New Roman" panose="02020603050405020304" pitchFamily="18" charset="0"/>
-                      </a:endParaRPr>
-                    </a:p>
-                  </a:txBody>
-                  <a:tcPr marL="21989" marR="21989" marT="10995" marB="10995"/>
-                </a:tc>
-                <a:extLst>
-                  <a:ext uri="{0D108BD9-81ED-4DB2-BD59-A6C34878D82A}">
-                    <a16:rowId xmlns:a16="http://schemas.microsoft.com/office/drawing/2014/main" val="1277253956"/>
-                  </a:ext>
-                </a:extLst>
-              </a:tr>
-              <a:tr h="216123">
-                <a:tc>
-                  <a:txBody>
-                    <a:bodyPr/>
-                    <a:lstStyle/>
-                    <a:p>
-                      <a:pPr marL="0" marR="0" lvl="0" indent="0" algn="l" defTabSz="1371600" rtl="0" eaLnBrk="1" fontAlgn="auto" latinLnBrk="0" hangingPunct="1">
-                        <a:lnSpc>
-                          <a:spcPct val="100000"/>
-                        </a:lnSpc>
-                        <a:spcBef>
-                          <a:spcPts val="0"/>
-                        </a:spcBef>
-                        <a:spcAft>
-                          <a:spcPts val="0"/>
-                        </a:spcAft>
-                        <a:buClrTx/>
-                        <a:buSzTx/>
-                        <a:buFontTx/>
-                        <a:buNone/>
-                        <a:tabLst/>
-                        <a:defRPr/>
-                      </a:pPr>
-                      <a:r>
-                        <a:rPr lang="en-US" sz="1500" dirty="0">
-                          <a:effectLst/>
-                        </a:rPr>
-                        <a:t>Glucose management indicator (GMI)</a:t>
-                      </a:r>
-                      <a:endParaRPr lang="en-US" sz="1500" dirty="0">
-                        <a:effectLst/>
-                        <a:latin typeface="Calibri" panose="020F0502020204030204" pitchFamily="34" charset="0"/>
-                        <a:ea typeface="Calibri" panose="020F0502020204030204" pitchFamily="34" charset="0"/>
-                        <a:cs typeface="Times New Roman" panose="02020603050405020304" pitchFamily="18" charset="0"/>
-                      </a:endParaRPr>
-                    </a:p>
-                  </a:txBody>
-                  <a:tcPr marL="21989" marR="21989" marT="10995" marB="10995"/>
-                </a:tc>
-                <a:extLst>
-                  <a:ext uri="{0D108BD9-81ED-4DB2-BD59-A6C34878D82A}">
-                    <a16:rowId xmlns:a16="http://schemas.microsoft.com/office/drawing/2014/main" val="1917346314"/>
-                  </a:ext>
-                </a:extLst>
-              </a:tr>
-              <a:tr h="216123">
-                <a:tc>
-                  <a:txBody>
-                    <a:bodyPr/>
-                    <a:lstStyle/>
-                    <a:p>
-                      <a:pPr marL="0" marR="0" lvl="0" indent="0" algn="l" defTabSz="1371600" rtl="0" eaLnBrk="1" fontAlgn="auto" latinLnBrk="0" hangingPunct="1">
-                        <a:lnSpc>
-                          <a:spcPct val="100000"/>
-                        </a:lnSpc>
-                        <a:spcBef>
-                          <a:spcPts val="0"/>
-                        </a:spcBef>
-                        <a:spcAft>
-                          <a:spcPts val="0"/>
-                        </a:spcAft>
-                        <a:buClrTx/>
-                        <a:buSzTx/>
-                        <a:buFontTx/>
-                        <a:buNone/>
-                        <a:tabLst/>
-                        <a:defRPr/>
-                      </a:pPr>
-                      <a:r>
-                        <a:rPr lang="en-US" sz="1500" dirty="0">
-                          <a:effectLst/>
-                        </a:rPr>
-                        <a:t>Excursions, minutes and % time above/below threshold</a:t>
-                      </a:r>
-                      <a:endParaRPr lang="en-US" sz="1500" dirty="0">
-                        <a:effectLst/>
-                        <a:latin typeface="Calibri" panose="020F0502020204030204" pitchFamily="34" charset="0"/>
-                        <a:ea typeface="Calibri" panose="020F0502020204030204" pitchFamily="34" charset="0"/>
-                        <a:cs typeface="Times New Roman" panose="02020603050405020304" pitchFamily="18" charset="0"/>
-                      </a:endParaRPr>
-                    </a:p>
-                  </a:txBody>
-                  <a:tcPr marL="21989" marR="21989" marT="10995" marB="10995"/>
-                </a:tc>
-                <a:extLst>
-                  <a:ext uri="{0D108BD9-81ED-4DB2-BD59-A6C34878D82A}">
-                    <a16:rowId xmlns:a16="http://schemas.microsoft.com/office/drawing/2014/main" val="3428009264"/>
-                  </a:ext>
-                </a:extLst>
-              </a:tr>
-              <a:tr h="216123">
-                <a:tc>
-                  <a:txBody>
-                    <a:bodyPr/>
-                    <a:lstStyle/>
-                    <a:p>
-                      <a:pPr marL="0" marR="0" lvl="0" indent="0" algn="l" defTabSz="1371600" rtl="0" eaLnBrk="1" fontAlgn="auto" latinLnBrk="0" hangingPunct="1">
-                        <a:lnSpc>
-                          <a:spcPct val="100000"/>
-                        </a:lnSpc>
-                        <a:spcBef>
-                          <a:spcPts val="0"/>
-                        </a:spcBef>
-                        <a:spcAft>
-                          <a:spcPts val="0"/>
-                        </a:spcAft>
-                        <a:buClrTx/>
-                        <a:buSzTx/>
-                        <a:buFontTx/>
-                        <a:buNone/>
-                        <a:tabLst/>
-                        <a:defRPr/>
-                      </a:pPr>
-                      <a:r>
-                        <a:rPr lang="en-US" sz="1500" dirty="0">
-                          <a:effectLst/>
-                        </a:rPr>
-                        <a:t>Minutes and % time in range (70 – 180 mg/</a:t>
-                      </a:r>
-                      <a:r>
-                        <a:rPr lang="en-US" sz="1500" dirty="0" err="1">
-                          <a:effectLst/>
-                        </a:rPr>
-                        <a:t>dL</a:t>
-                      </a:r>
-                      <a:r>
-                        <a:rPr lang="en-US" sz="1500" dirty="0">
-                          <a:effectLst/>
-                        </a:rPr>
-                        <a:t>)</a:t>
-                      </a:r>
-                      <a:endParaRPr lang="en-US" sz="1500" dirty="0">
-                        <a:effectLst/>
-                        <a:latin typeface="Calibri" panose="020F0502020204030204" pitchFamily="34" charset="0"/>
-                        <a:ea typeface="Calibri" panose="020F0502020204030204" pitchFamily="34" charset="0"/>
-                        <a:cs typeface="Times New Roman" panose="02020603050405020304" pitchFamily="18" charset="0"/>
-                      </a:endParaRPr>
-                    </a:p>
-                  </a:txBody>
-                  <a:tcPr marL="21989" marR="21989" marT="10995" marB="10995"/>
-                </a:tc>
-                <a:extLst>
-                  <a:ext uri="{0D108BD9-81ED-4DB2-BD59-A6C34878D82A}">
-                    <a16:rowId xmlns:a16="http://schemas.microsoft.com/office/drawing/2014/main" val="2674594255"/>
-                  </a:ext>
-                </a:extLst>
-              </a:tr>
-              <a:tr h="216123">
-                <a:tc>
-                  <a:txBody>
-                    <a:bodyPr/>
-                    <a:lstStyle/>
-                    <a:p>
-                      <a:pPr marL="0" marR="0" lvl="0" indent="0" algn="l" defTabSz="1371600" rtl="0" eaLnBrk="1" fontAlgn="auto" latinLnBrk="0" hangingPunct="1">
-                        <a:lnSpc>
-                          <a:spcPct val="100000"/>
-                        </a:lnSpc>
-                        <a:spcBef>
-                          <a:spcPts val="0"/>
-                        </a:spcBef>
-                        <a:spcAft>
-                          <a:spcPts val="0"/>
-                        </a:spcAft>
-                        <a:buClrTx/>
-                        <a:buSzTx/>
-                        <a:buFontTx/>
-                        <a:buNone/>
-                        <a:tabLst/>
-                        <a:defRPr/>
-                      </a:pPr>
-                      <a:r>
-                        <a:rPr lang="en-US" sz="1500" dirty="0">
-                          <a:effectLst/>
-                        </a:rPr>
-                        <a:t>Area under the curve (trapezoidal rule)</a:t>
-                      </a:r>
-                      <a:endParaRPr lang="en-US" sz="1500" dirty="0">
-                        <a:effectLst/>
-                        <a:latin typeface="Calibri" panose="020F0502020204030204" pitchFamily="34" charset="0"/>
-                        <a:ea typeface="Calibri" panose="020F0502020204030204" pitchFamily="34" charset="0"/>
-                        <a:cs typeface="Times New Roman" panose="02020603050405020304" pitchFamily="18" charset="0"/>
-                      </a:endParaRPr>
-                    </a:p>
-                  </a:txBody>
-                  <a:tcPr marL="21989" marR="21989" marT="10995" marB="10995"/>
-                </a:tc>
-                <a:extLst>
-                  <a:ext uri="{0D108BD9-81ED-4DB2-BD59-A6C34878D82A}">
-                    <a16:rowId xmlns:a16="http://schemas.microsoft.com/office/drawing/2014/main" val="657520865"/>
-                  </a:ext>
-                </a:extLst>
-              </a:tr>
-              <a:tr h="216123">
-                <a:tc>
-                  <a:txBody>
-                    <a:bodyPr/>
-                    <a:lstStyle/>
-                    <a:p>
-                      <a:pPr marL="0" marR="0" lvl="0" indent="0" algn="l" defTabSz="1371600" rtl="0" eaLnBrk="1" fontAlgn="auto" latinLnBrk="0" hangingPunct="1">
-                        <a:lnSpc>
-                          <a:spcPct val="100000"/>
-                        </a:lnSpc>
-                        <a:spcBef>
-                          <a:spcPts val="0"/>
-                        </a:spcBef>
-                        <a:spcAft>
-                          <a:spcPts val="0"/>
-                        </a:spcAft>
-                        <a:buClrTx/>
-                        <a:buSzTx/>
-                        <a:buFontTx/>
-                        <a:buNone/>
-                        <a:tabLst/>
-                        <a:defRPr/>
-                      </a:pPr>
-                      <a:r>
-                        <a:rPr lang="en-US" sz="1500" dirty="0">
-                          <a:effectLst/>
-                        </a:rPr>
-                        <a:t>Mean amplitude of glycemic excursions (MAGE)</a:t>
-                      </a:r>
-                      <a:endParaRPr lang="en-US" sz="1500" dirty="0">
-                        <a:effectLst/>
-                        <a:latin typeface="Calibri" panose="020F0502020204030204" pitchFamily="34" charset="0"/>
-                        <a:ea typeface="Calibri" panose="020F0502020204030204" pitchFamily="34" charset="0"/>
-                        <a:cs typeface="Times New Roman" panose="02020603050405020304" pitchFamily="18" charset="0"/>
-                      </a:endParaRPr>
-                    </a:p>
-                  </a:txBody>
-                  <a:tcPr marL="21989" marR="21989" marT="10995" marB="10995"/>
-                </a:tc>
-                <a:extLst>
-                  <a:ext uri="{0D108BD9-81ED-4DB2-BD59-A6C34878D82A}">
-                    <a16:rowId xmlns:a16="http://schemas.microsoft.com/office/drawing/2014/main" val="745737918"/>
-                  </a:ext>
-                </a:extLst>
-              </a:tr>
-              <a:tr h="216123">
-                <a:tc>
-                  <a:txBody>
-                    <a:bodyPr/>
-                    <a:lstStyle/>
-                    <a:p>
-                      <a:r>
-                        <a:rPr lang="en-US" sz="1500" dirty="0"/>
-                        <a:t>J index</a:t>
-                      </a:r>
-                    </a:p>
-                  </a:txBody>
-                  <a:tcPr marL="21989" marR="21989" marT="10995" marB="10995"/>
-                </a:tc>
-                <a:extLst>
-                  <a:ext uri="{0D108BD9-81ED-4DB2-BD59-A6C34878D82A}">
-                    <a16:rowId xmlns:a16="http://schemas.microsoft.com/office/drawing/2014/main" val="3195290677"/>
-                  </a:ext>
-                </a:extLst>
-              </a:tr>
-              <a:tr h="216123">
-                <a:tc>
-                  <a:txBody>
-                    <a:bodyPr/>
-                    <a:lstStyle/>
-                    <a:p>
-                      <a:pPr marL="0" marR="0" lvl="0" indent="0" algn="l" defTabSz="1371600" rtl="0" eaLnBrk="1" fontAlgn="auto" latinLnBrk="0" hangingPunct="1">
-                        <a:lnSpc>
-                          <a:spcPct val="100000"/>
-                        </a:lnSpc>
-                        <a:spcBef>
-                          <a:spcPts val="0"/>
-                        </a:spcBef>
-                        <a:spcAft>
-                          <a:spcPts val="0"/>
-                        </a:spcAft>
-                        <a:buClrTx/>
-                        <a:buSzTx/>
-                        <a:buFontTx/>
-                        <a:buNone/>
-                        <a:tabLst/>
-                        <a:defRPr/>
-                      </a:pPr>
-                      <a:r>
-                        <a:rPr lang="en-US" sz="1500" dirty="0">
-                          <a:effectLst/>
-                        </a:rPr>
-                        <a:t>Continuous overall net glycemic action (CONGA) </a:t>
-                      </a:r>
-                      <a:endParaRPr lang="en-US" sz="1500" dirty="0">
-                        <a:effectLst/>
-                        <a:latin typeface="Calibri" panose="020F0502020204030204" pitchFamily="34" charset="0"/>
-                        <a:ea typeface="Calibri" panose="020F0502020204030204" pitchFamily="34" charset="0"/>
-                        <a:cs typeface="Times New Roman" panose="02020603050405020304" pitchFamily="18" charset="0"/>
-                      </a:endParaRPr>
-                    </a:p>
-                  </a:txBody>
-                  <a:tcPr marL="21989" marR="21989" marT="10995" marB="10995"/>
-                </a:tc>
-                <a:extLst>
-                  <a:ext uri="{0D108BD9-81ED-4DB2-BD59-A6C34878D82A}">
-                    <a16:rowId xmlns:a16="http://schemas.microsoft.com/office/drawing/2014/main" val="2545810445"/>
-                  </a:ext>
-                </a:extLst>
-              </a:tr>
-              <a:tr h="216123">
-                <a:tc>
-                  <a:txBody>
-                    <a:bodyPr/>
-                    <a:lstStyle/>
-                    <a:p>
-                      <a:pPr marL="0" marR="0" lvl="0" indent="0" algn="l" defTabSz="1371600" rtl="0" eaLnBrk="1" fontAlgn="auto" latinLnBrk="0" hangingPunct="1">
-                        <a:lnSpc>
-                          <a:spcPct val="100000"/>
-                        </a:lnSpc>
-                        <a:spcBef>
-                          <a:spcPts val="0"/>
-                        </a:spcBef>
-                        <a:spcAft>
-                          <a:spcPts val="0"/>
-                        </a:spcAft>
-                        <a:buClrTx/>
-                        <a:buSzTx/>
-                        <a:buFontTx/>
-                        <a:buNone/>
-                        <a:tabLst/>
-                        <a:defRPr/>
-                      </a:pPr>
-                      <a:r>
-                        <a:rPr lang="en-US" sz="1500" dirty="0">
-                          <a:effectLst/>
-                        </a:rPr>
-                        <a:t>Mean of daily differences (MODD)</a:t>
-                      </a:r>
-                      <a:endParaRPr lang="en-US" sz="1500" dirty="0">
-                        <a:effectLst/>
-                        <a:latin typeface="Calibri" panose="020F0502020204030204" pitchFamily="34" charset="0"/>
-                        <a:ea typeface="Calibri" panose="020F0502020204030204" pitchFamily="34" charset="0"/>
-                        <a:cs typeface="Times New Roman" panose="02020603050405020304" pitchFamily="18" charset="0"/>
-                      </a:endParaRPr>
-                    </a:p>
-                  </a:txBody>
-                  <a:tcPr marL="21989" marR="21989" marT="10995" marB="10995"/>
-                </a:tc>
-                <a:extLst>
-                  <a:ext uri="{0D108BD9-81ED-4DB2-BD59-A6C34878D82A}">
-                    <a16:rowId xmlns:a16="http://schemas.microsoft.com/office/drawing/2014/main" val="1622510417"/>
-                  </a:ext>
-                </a:extLst>
-              </a:tr>
-              <a:tr h="216123">
-                <a:tc>
-                  <a:txBody>
-                    <a:bodyPr/>
-                    <a:lstStyle/>
-                    <a:p>
-                      <a:pPr marL="0" marR="0" lvl="0" indent="0" algn="l" defTabSz="1371600" rtl="0" eaLnBrk="1" fontAlgn="auto" latinLnBrk="0" hangingPunct="1">
-                        <a:lnSpc>
-                          <a:spcPct val="100000"/>
-                        </a:lnSpc>
-                        <a:spcBef>
-                          <a:spcPts val="0"/>
-                        </a:spcBef>
-                        <a:spcAft>
-                          <a:spcPts val="0"/>
-                        </a:spcAft>
-                        <a:buClrTx/>
-                        <a:buSzTx/>
-                        <a:buFontTx/>
-                        <a:buNone/>
-                        <a:tabLst/>
-                        <a:defRPr/>
-                      </a:pPr>
-                      <a:r>
-                        <a:rPr lang="en-US" sz="1500" dirty="0">
-                          <a:effectLst/>
-                        </a:rPr>
-                        <a:t>Low blood glucose index (LBGI)</a:t>
-                      </a:r>
-                      <a:endParaRPr lang="en-US" sz="1500" dirty="0">
-                        <a:effectLst/>
-                        <a:latin typeface="Calibri" panose="020F0502020204030204" pitchFamily="34" charset="0"/>
-                        <a:ea typeface="Calibri" panose="020F0502020204030204" pitchFamily="34" charset="0"/>
-                        <a:cs typeface="Times New Roman" panose="02020603050405020304" pitchFamily="18" charset="0"/>
-                      </a:endParaRPr>
-                    </a:p>
-                  </a:txBody>
-                  <a:tcPr marL="21989" marR="21989" marT="10995" marB="10995"/>
-                </a:tc>
-                <a:extLst>
-                  <a:ext uri="{0D108BD9-81ED-4DB2-BD59-A6C34878D82A}">
-                    <a16:rowId xmlns:a16="http://schemas.microsoft.com/office/drawing/2014/main" val="1252139115"/>
-                  </a:ext>
-                </a:extLst>
-              </a:tr>
-              <a:tr h="216123">
-                <a:tc>
-                  <a:txBody>
-                    <a:bodyPr/>
-                    <a:lstStyle/>
-                    <a:p>
-                      <a:pPr marL="0" marR="0">
-                        <a:spcBef>
-                          <a:spcPts val="0"/>
-                        </a:spcBef>
-                        <a:spcAft>
-                          <a:spcPts val="0"/>
-                        </a:spcAft>
-                      </a:pPr>
-                      <a:r>
-                        <a:rPr lang="en-US" sz="1500" dirty="0">
-                          <a:effectLst/>
-                        </a:rPr>
-                        <a:t>High blood glucose index (HBGI)</a:t>
-                      </a:r>
-                      <a:endParaRPr lang="en-US" sz="1500" dirty="0">
-                        <a:effectLst/>
-                        <a:latin typeface="Calibri" panose="020F0502020204030204" pitchFamily="34" charset="0"/>
-                        <a:ea typeface="Calibri" panose="020F0502020204030204" pitchFamily="34" charset="0"/>
-                        <a:cs typeface="Times New Roman" panose="02020603050405020304" pitchFamily="18" charset="0"/>
-                      </a:endParaRPr>
-                    </a:p>
-                  </a:txBody>
-                  <a:tcPr marL="21989" marR="21989" marT="10995" marB="10995"/>
-                </a:tc>
-                <a:extLst>
-                  <a:ext uri="{0D108BD9-81ED-4DB2-BD59-A6C34878D82A}">
-                    <a16:rowId xmlns:a16="http://schemas.microsoft.com/office/drawing/2014/main" val="2792631115"/>
-                  </a:ext>
-                </a:extLst>
-              </a:tr>
-            </a:tbl>
-          </a:graphicData>
-        </a:graphic>
-      </p:graphicFrame>
       <p:pic>
         <p:nvPicPr>
           <p:cNvPr id="35" name="Picture 34">
@@ -6621,7 +5795,7 @@
         </p:blipFill>
         <p:spPr>
           <a:xfrm>
-            <a:off x="421039" y="1235961"/>
+            <a:off x="421039" y="1412423"/>
             <a:ext cx="1568696" cy="395989"/>
           </a:xfrm>
           <a:prstGeom prst="rect">
@@ -6629,6 +5803,328 @@
           </a:prstGeom>
         </p:spPr>
       </p:pic>
+      <p:sp>
+        <p:nvSpPr>
+          <p:cNvPr id="14" name="Rectangle 13"/>
+          <p:cNvSpPr/>
+          <p:nvPr/>
+        </p:nvSpPr>
+        <p:spPr>
+          <a:xfrm>
+            <a:off x="7886705" y="14288000"/>
+            <a:ext cx="4600725" cy="4768421"/>
+          </a:xfrm>
+          <a:prstGeom prst="rect">
+            <a:avLst/>
+          </a:prstGeom>
+        </p:spPr>
+        <p:txBody>
+          <a:bodyPr wrap="square">
+            <a:spAutoFit/>
+          </a:bodyPr>
+          <a:lstStyle/>
+          <a:p>
+            <a:pPr algn="ctr">
+              <a:lnSpc>
+                <a:spcPct val="107000"/>
+              </a:lnSpc>
+            </a:pPr>
+            <a:r>
+              <a:rPr lang="en-US" u="sng" dirty="0">
+                <a:latin typeface="Calibri" panose="020F0502020204030204" pitchFamily="34" charset="0"/>
+                <a:ea typeface="Calibri" panose="020F0502020204030204" pitchFamily="34" charset="0"/>
+                <a:cs typeface="Times New Roman" panose="02020603050405020304" pitchFamily="18" charset="0"/>
+              </a:rPr>
+              <a:t>Calculated Variables</a:t>
+            </a:r>
+          </a:p>
+          <a:p>
+            <a:pPr>
+              <a:lnSpc>
+                <a:spcPct val="107000"/>
+              </a:lnSpc>
+            </a:pPr>
+            <a:r>
+              <a:rPr lang="en-US" sz="1400" dirty="0">
+                <a:latin typeface="Calibri" panose="020F0502020204030204" pitchFamily="34" charset="0"/>
+                <a:ea typeface="Calibri" panose="020F0502020204030204" pitchFamily="34" charset="0"/>
+                <a:cs typeface="Times New Roman" panose="02020603050405020304" pitchFamily="18" charset="0"/>
+              </a:rPr>
+              <a:t>Percent CGM wear</a:t>
+            </a:r>
+          </a:p>
+          <a:p>
+            <a:pPr>
+              <a:lnSpc>
+                <a:spcPct val="107000"/>
+              </a:lnSpc>
+            </a:pPr>
+            <a:r>
+              <a:rPr lang="en-US" sz="1400" dirty="0">
+                <a:latin typeface="Calibri" panose="020F0502020204030204" pitchFamily="34" charset="0"/>
+                <a:ea typeface="Calibri" panose="020F0502020204030204" pitchFamily="34" charset="0"/>
+                <a:cs typeface="Times New Roman" panose="02020603050405020304" pitchFamily="18" charset="0"/>
+              </a:rPr>
+              <a:t>Average sensor glucose</a:t>
+            </a:r>
+          </a:p>
+          <a:p>
+            <a:pPr>
+              <a:lnSpc>
+                <a:spcPct val="107000"/>
+              </a:lnSpc>
+            </a:pPr>
+            <a:r>
+              <a:rPr lang="en-US" sz="1400" dirty="0">
+                <a:latin typeface="Calibri" panose="020F0502020204030204" pitchFamily="34" charset="0"/>
+                <a:ea typeface="Calibri" panose="020F0502020204030204" pitchFamily="34" charset="0"/>
+                <a:cs typeface="Times New Roman" panose="02020603050405020304" pitchFamily="18" charset="0"/>
+              </a:rPr>
+              <a:t>Sensor glucose standard deviation</a:t>
+            </a:r>
+          </a:p>
+          <a:p>
+            <a:pPr>
+              <a:lnSpc>
+                <a:spcPct val="107000"/>
+              </a:lnSpc>
+            </a:pPr>
+            <a:r>
+              <a:rPr lang="en-US" sz="1400" dirty="0">
+                <a:latin typeface="Calibri" panose="020F0502020204030204" pitchFamily="34" charset="0"/>
+                <a:ea typeface="Calibri" panose="020F0502020204030204" pitchFamily="34" charset="0"/>
+                <a:cs typeface="Times New Roman" panose="02020603050405020304" pitchFamily="18" charset="0"/>
+              </a:rPr>
+              <a:t>Sensor glucose coefficient of variation</a:t>
+            </a:r>
+          </a:p>
+          <a:p>
+            <a:pPr>
+              <a:lnSpc>
+                <a:spcPct val="107000"/>
+              </a:lnSpc>
+            </a:pPr>
+            <a:r>
+              <a:rPr lang="en-US" sz="1400" dirty="0">
+                <a:latin typeface="Calibri" panose="020F0502020204030204" pitchFamily="34" charset="0"/>
+                <a:ea typeface="Calibri" panose="020F0502020204030204" pitchFamily="34" charset="0"/>
+                <a:cs typeface="Times New Roman" panose="02020603050405020304" pitchFamily="18" charset="0"/>
+              </a:rPr>
+              <a:t>Minimum sensor glucose</a:t>
+            </a:r>
+          </a:p>
+          <a:p>
+            <a:pPr>
+              <a:lnSpc>
+                <a:spcPct val="107000"/>
+              </a:lnSpc>
+            </a:pPr>
+            <a:r>
+              <a:rPr lang="en-US" sz="1400" dirty="0">
+                <a:latin typeface="Calibri" panose="020F0502020204030204" pitchFamily="34" charset="0"/>
+                <a:ea typeface="Calibri" panose="020F0502020204030204" pitchFamily="34" charset="0"/>
+                <a:cs typeface="Times New Roman" panose="02020603050405020304" pitchFamily="18" charset="0"/>
+              </a:rPr>
+              <a:t>Maximum sensor glucose </a:t>
+            </a:r>
+          </a:p>
+          <a:p>
+            <a:pPr>
+              <a:lnSpc>
+                <a:spcPct val="107000"/>
+              </a:lnSpc>
+            </a:pPr>
+            <a:r>
+              <a:rPr lang="en-US" sz="1400" dirty="0">
+                <a:latin typeface="Calibri" panose="020F0502020204030204" pitchFamily="34" charset="0"/>
+                <a:ea typeface="Calibri" panose="020F0502020204030204" pitchFamily="34" charset="0"/>
+                <a:cs typeface="Times New Roman" panose="02020603050405020304" pitchFamily="18" charset="0"/>
+              </a:rPr>
+              <a:t>Sensor glucose quartiles</a:t>
+            </a:r>
+          </a:p>
+          <a:p>
+            <a:pPr>
+              <a:lnSpc>
+                <a:spcPct val="107000"/>
+              </a:lnSpc>
+            </a:pPr>
+            <a:r>
+              <a:rPr lang="en-US" sz="1400" dirty="0">
+                <a:latin typeface="Calibri" panose="020F0502020204030204" pitchFamily="34" charset="0"/>
+                <a:ea typeface="Calibri" panose="020F0502020204030204" pitchFamily="34" charset="0"/>
+                <a:cs typeface="Times New Roman" panose="02020603050405020304" pitchFamily="18" charset="0"/>
+              </a:rPr>
+              <a:t>Variables above for daytime and nighttime periods</a:t>
+            </a:r>
+          </a:p>
+          <a:p>
+            <a:pPr>
+              <a:lnSpc>
+                <a:spcPct val="107000"/>
+              </a:lnSpc>
+            </a:pPr>
+            <a:r>
+              <a:rPr lang="en-US" sz="1400" dirty="0">
+                <a:latin typeface="Calibri" panose="020F0502020204030204" pitchFamily="34" charset="0"/>
+                <a:ea typeface="Calibri" panose="020F0502020204030204" pitchFamily="34" charset="0"/>
+                <a:cs typeface="Times New Roman" panose="02020603050405020304" pitchFamily="18" charset="0"/>
+              </a:rPr>
+              <a:t>Estimated A1c (eA1c)</a:t>
+            </a:r>
+          </a:p>
+          <a:p>
+            <a:pPr>
+              <a:lnSpc>
+                <a:spcPct val="107000"/>
+              </a:lnSpc>
+            </a:pPr>
+            <a:r>
+              <a:rPr lang="en-US" sz="1400" dirty="0">
+                <a:latin typeface="Calibri" panose="020F0502020204030204" pitchFamily="34" charset="0"/>
+                <a:ea typeface="Calibri" panose="020F0502020204030204" pitchFamily="34" charset="0"/>
+                <a:cs typeface="Times New Roman" panose="02020603050405020304" pitchFamily="18" charset="0"/>
+              </a:rPr>
+              <a:t>Glucose management indicator (GMI)</a:t>
+            </a:r>
+          </a:p>
+          <a:p>
+            <a:pPr>
+              <a:lnSpc>
+                <a:spcPct val="107000"/>
+              </a:lnSpc>
+            </a:pPr>
+            <a:r>
+              <a:rPr lang="en-US" sz="1400" dirty="0">
+                <a:latin typeface="Calibri" panose="020F0502020204030204" pitchFamily="34" charset="0"/>
+                <a:ea typeface="Calibri" panose="020F0502020204030204" pitchFamily="34" charset="0"/>
+                <a:cs typeface="Times New Roman" panose="02020603050405020304" pitchFamily="18" charset="0"/>
+              </a:rPr>
+              <a:t>Excursions, minutes and % time above/below threshold</a:t>
+            </a:r>
+          </a:p>
+          <a:p>
+            <a:pPr>
+              <a:lnSpc>
+                <a:spcPct val="107000"/>
+              </a:lnSpc>
+            </a:pPr>
+            <a:r>
+              <a:rPr lang="en-US" sz="1400" dirty="0">
+                <a:latin typeface="Calibri" panose="020F0502020204030204" pitchFamily="34" charset="0"/>
+                <a:ea typeface="Calibri" panose="020F0502020204030204" pitchFamily="34" charset="0"/>
+                <a:cs typeface="Times New Roman" panose="02020603050405020304" pitchFamily="18" charset="0"/>
+              </a:rPr>
+              <a:t>Minutes and % time in range (70 – 180 mg/dL)</a:t>
+            </a:r>
+          </a:p>
+          <a:p>
+            <a:pPr>
+              <a:lnSpc>
+                <a:spcPct val="107000"/>
+              </a:lnSpc>
+            </a:pPr>
+            <a:r>
+              <a:rPr lang="en-US" sz="1400" dirty="0">
+                <a:latin typeface="Calibri" panose="020F0502020204030204" pitchFamily="34" charset="0"/>
+                <a:ea typeface="Calibri" panose="020F0502020204030204" pitchFamily="34" charset="0"/>
+                <a:cs typeface="Times New Roman" panose="02020603050405020304" pitchFamily="18" charset="0"/>
+              </a:rPr>
+              <a:t>Area under the curve (trapezoidal rule)</a:t>
+            </a:r>
+          </a:p>
+          <a:p>
+            <a:pPr>
+              <a:lnSpc>
+                <a:spcPct val="107000"/>
+              </a:lnSpc>
+            </a:pPr>
+            <a:r>
+              <a:rPr lang="en-US" sz="1400" dirty="0">
+                <a:latin typeface="Calibri" panose="020F0502020204030204" pitchFamily="34" charset="0"/>
+                <a:ea typeface="Calibri" panose="020F0502020204030204" pitchFamily="34" charset="0"/>
+                <a:cs typeface="Times New Roman" panose="02020603050405020304" pitchFamily="18" charset="0"/>
+              </a:rPr>
+              <a:t>Mean amplitude of glycemic excursions (MAGE)</a:t>
+            </a:r>
+          </a:p>
+          <a:p>
+            <a:pPr>
+              <a:lnSpc>
+                <a:spcPct val="107000"/>
+              </a:lnSpc>
+            </a:pPr>
+            <a:r>
+              <a:rPr lang="en-US" sz="1400" dirty="0">
+                <a:latin typeface="Calibri" panose="020F0502020204030204" pitchFamily="34" charset="0"/>
+                <a:ea typeface="Calibri" panose="020F0502020204030204" pitchFamily="34" charset="0"/>
+                <a:cs typeface="Times New Roman" panose="02020603050405020304" pitchFamily="18" charset="0"/>
+              </a:rPr>
+              <a:t>J index</a:t>
+            </a:r>
+          </a:p>
+          <a:p>
+            <a:pPr>
+              <a:lnSpc>
+                <a:spcPct val="107000"/>
+              </a:lnSpc>
+            </a:pPr>
+            <a:r>
+              <a:rPr lang="en-US" sz="1400" dirty="0">
+                <a:latin typeface="Calibri" panose="020F0502020204030204" pitchFamily="34" charset="0"/>
+                <a:ea typeface="Calibri" panose="020F0502020204030204" pitchFamily="34" charset="0"/>
+                <a:cs typeface="Times New Roman" panose="02020603050405020304" pitchFamily="18" charset="0"/>
+              </a:rPr>
+              <a:t>Continuous overall net glycemic action (CONGA) </a:t>
+            </a:r>
+          </a:p>
+          <a:p>
+            <a:pPr>
+              <a:lnSpc>
+                <a:spcPct val="107000"/>
+              </a:lnSpc>
+            </a:pPr>
+            <a:r>
+              <a:rPr lang="en-US" sz="1400" dirty="0">
+                <a:latin typeface="Calibri" panose="020F0502020204030204" pitchFamily="34" charset="0"/>
+                <a:ea typeface="Calibri" panose="020F0502020204030204" pitchFamily="34" charset="0"/>
+                <a:cs typeface="Times New Roman" panose="02020603050405020304" pitchFamily="18" charset="0"/>
+              </a:rPr>
+              <a:t>Mean of daily differences (MODD)</a:t>
+            </a:r>
+          </a:p>
+          <a:p>
+            <a:pPr>
+              <a:lnSpc>
+                <a:spcPct val="107000"/>
+              </a:lnSpc>
+            </a:pPr>
+            <a:r>
+              <a:rPr lang="en-US" sz="1400" dirty="0">
+                <a:latin typeface="Calibri" panose="020F0502020204030204" pitchFamily="34" charset="0"/>
+                <a:ea typeface="Calibri" panose="020F0502020204030204" pitchFamily="34" charset="0"/>
+                <a:cs typeface="Times New Roman" panose="02020603050405020304" pitchFamily="18" charset="0"/>
+              </a:rPr>
+              <a:t>Low blood glucose index (LBGI)</a:t>
+            </a:r>
+          </a:p>
+          <a:p>
+            <a:pPr>
+              <a:lnSpc>
+                <a:spcPct val="107000"/>
+              </a:lnSpc>
+            </a:pPr>
+            <a:r>
+              <a:rPr lang="en-US" sz="1400" dirty="0">
+                <a:latin typeface="Calibri" panose="020F0502020204030204" pitchFamily="34" charset="0"/>
+                <a:ea typeface="Calibri" panose="020F0502020204030204" pitchFamily="34" charset="0"/>
+                <a:cs typeface="Times New Roman" panose="02020603050405020304" pitchFamily="18" charset="0"/>
+              </a:rPr>
+              <a:t>High blood glucose index (HBGI)</a:t>
+            </a:r>
+          </a:p>
+        </p:txBody>
+      </p:sp>
     </p:spTree>
     <p:extLst>
       <p:ext uri="{BB962C8B-B14F-4D97-AF65-F5344CB8AC3E}">

--- a/CGM Code/ATTD Poster.pptx
+++ b/CGM Code/ATTD Poster.pptx
@@ -197,7 +197,7 @@
           <a:p>
             <a:fld id="{4801DB59-44AE-D049-9C20-02C1342334BE}" type="datetimeFigureOut">
               <a:rPr lang="en-US" smtClean="0"/>
-              <a:t>2/5/19</a:t>
+              <a:t>2/6/19</a:t>
             </a:fld>
             <a:endParaRPr lang="en-US" dirty="0"/>
           </a:p>
@@ -679,7 +679,7 @@
           <a:p>
             <a:fld id="{7E74D001-90D5-8A47-9CFD-DDAC29B64CD5}" type="datetimeFigureOut">
               <a:rPr lang="en-US" smtClean="0"/>
-              <a:t>2/5/19</a:t>
+              <a:t>2/6/19</a:t>
             </a:fld>
             <a:endParaRPr lang="en-US" dirty="0"/>
           </a:p>
@@ -849,7 +849,7 @@
           <a:p>
             <a:fld id="{7E74D001-90D5-8A47-9CFD-DDAC29B64CD5}" type="datetimeFigureOut">
               <a:rPr lang="en-US" smtClean="0"/>
-              <a:t>2/5/19</a:t>
+              <a:t>2/6/19</a:t>
             </a:fld>
             <a:endParaRPr lang="en-US" dirty="0"/>
           </a:p>
@@ -1029,7 +1029,7 @@
           <a:p>
             <a:fld id="{7E74D001-90D5-8A47-9CFD-DDAC29B64CD5}" type="datetimeFigureOut">
               <a:rPr lang="en-US" smtClean="0"/>
-              <a:t>2/5/19</a:t>
+              <a:t>2/6/19</a:t>
             </a:fld>
             <a:endParaRPr lang="en-US" dirty="0"/>
           </a:p>
@@ -1199,7 +1199,7 @@
           <a:p>
             <a:fld id="{7E74D001-90D5-8A47-9CFD-DDAC29B64CD5}" type="datetimeFigureOut">
               <a:rPr lang="en-US" smtClean="0"/>
-              <a:t>2/5/19</a:t>
+              <a:t>2/6/19</a:t>
             </a:fld>
             <a:endParaRPr lang="en-US" dirty="0"/>
           </a:p>
@@ -1443,7 +1443,7 @@
           <a:p>
             <a:fld id="{7E74D001-90D5-8A47-9CFD-DDAC29B64CD5}" type="datetimeFigureOut">
               <a:rPr lang="en-US" smtClean="0"/>
-              <a:t>2/5/19</a:t>
+              <a:t>2/6/19</a:t>
             </a:fld>
             <a:endParaRPr lang="en-US" dirty="0"/>
           </a:p>
@@ -1675,7 +1675,7 @@
           <a:p>
             <a:fld id="{7E74D001-90D5-8A47-9CFD-DDAC29B64CD5}" type="datetimeFigureOut">
               <a:rPr lang="en-US" smtClean="0"/>
-              <a:t>2/5/19</a:t>
+              <a:t>2/6/19</a:t>
             </a:fld>
             <a:endParaRPr lang="en-US" dirty="0"/>
           </a:p>
@@ -2042,7 +2042,7 @@
           <a:p>
             <a:fld id="{7E74D001-90D5-8A47-9CFD-DDAC29B64CD5}" type="datetimeFigureOut">
               <a:rPr lang="en-US" smtClean="0"/>
-              <a:t>2/5/19</a:t>
+              <a:t>2/6/19</a:t>
             </a:fld>
             <a:endParaRPr lang="en-US" dirty="0"/>
           </a:p>
@@ -2160,7 +2160,7 @@
           <a:p>
             <a:fld id="{7E74D001-90D5-8A47-9CFD-DDAC29B64CD5}" type="datetimeFigureOut">
               <a:rPr lang="en-US" smtClean="0"/>
-              <a:t>2/5/19</a:t>
+              <a:t>2/6/19</a:t>
             </a:fld>
             <a:endParaRPr lang="en-US" dirty="0"/>
           </a:p>
@@ -2255,7 +2255,7 @@
           <a:p>
             <a:fld id="{7E74D001-90D5-8A47-9CFD-DDAC29B64CD5}" type="datetimeFigureOut">
               <a:rPr lang="en-US" smtClean="0"/>
-              <a:t>2/5/19</a:t>
+              <a:t>2/6/19</a:t>
             </a:fld>
             <a:endParaRPr lang="en-US" dirty="0"/>
           </a:p>
@@ -2532,7 +2532,7 @@
           <a:p>
             <a:fld id="{7E74D001-90D5-8A47-9CFD-DDAC29B64CD5}" type="datetimeFigureOut">
               <a:rPr lang="en-US" smtClean="0"/>
-              <a:t>2/5/19</a:t>
+              <a:t>2/6/19</a:t>
             </a:fld>
             <a:endParaRPr lang="en-US" dirty="0"/>
           </a:p>
@@ -2788,7 +2788,7 @@
           <a:p>
             <a:fld id="{7E74D001-90D5-8A47-9CFD-DDAC29B64CD5}" type="datetimeFigureOut">
               <a:rPr lang="en-US" smtClean="0"/>
-              <a:t>2/5/19</a:t>
+              <a:t>2/6/19</a:t>
             </a:fld>
             <a:endParaRPr lang="en-US" dirty="0"/>
           </a:p>
@@ -3004,7 +3004,7 @@
           <a:p>
             <a:fld id="{7E74D001-90D5-8A47-9CFD-DDAC29B64CD5}" type="datetimeFigureOut">
               <a:rPr lang="en-US" smtClean="0"/>
-              <a:t>2/5/19</a:t>
+              <a:t>2/6/19</a:t>
             </a:fld>
             <a:endParaRPr lang="en-US" dirty="0"/>
           </a:p>
@@ -5128,7 +5128,7 @@
           <p:cNvPicPr/>
           <p:nvPr/>
         </p:nvPicPr>
-        <p:blipFill>
+        <p:blipFill rotWithShape="1">
           <a:blip r:embed="rId9" cstate="print">
             <a:extLst>
               <a:ext uri="{28A0092B-C50C-407E-A947-70E740481C1C}">
@@ -5136,14 +5136,13 @@
               </a:ext>
             </a:extLst>
           </a:blip>
-          <a:stretch>
-            <a:fillRect/>
-          </a:stretch>
+          <a:srcRect l="2224" t="6379" r="1537" b="4347"/>
+          <a:stretch/>
         </p:blipFill>
         <p:spPr>
           <a:xfrm>
-            <a:off x="7083471" y="10689741"/>
-            <a:ext cx="6207195" cy="2048507"/>
+            <a:off x="7221533" y="10820400"/>
+            <a:ext cx="5973767" cy="1828800"/>
           </a:xfrm>
           <a:prstGeom prst="rect">
             <a:avLst/>
